--- a/bi_ye_lun_wen/temp files.pptx
+++ b/bi_ye_lun_wen/temp files.pptx
@@ -279,7 +279,7 @@
           <a:p>
             <a:fld id="{AD880408-622A-4071-A052-F5E03FFF4B10}" type="datetimeFigureOut">
               <a:rPr lang="en-US" smtClean="0"/>
-              <a:t>5/22/2018</a:t>
+              <a:t>5/24/2018</a:t>
             </a:fld>
             <a:endParaRPr lang="en-US"/>
           </a:p>
@@ -479,7 +479,7 @@
           <a:p>
             <a:fld id="{AD880408-622A-4071-A052-F5E03FFF4B10}" type="datetimeFigureOut">
               <a:rPr lang="en-US" smtClean="0"/>
-              <a:t>5/22/2018</a:t>
+              <a:t>5/24/2018</a:t>
             </a:fld>
             <a:endParaRPr lang="en-US"/>
           </a:p>
@@ -689,7 +689,7 @@
           <a:p>
             <a:fld id="{AD880408-622A-4071-A052-F5E03FFF4B10}" type="datetimeFigureOut">
               <a:rPr lang="en-US" smtClean="0"/>
-              <a:t>5/22/2018</a:t>
+              <a:t>5/24/2018</a:t>
             </a:fld>
             <a:endParaRPr lang="en-US"/>
           </a:p>
@@ -889,7 +889,7 @@
           <a:p>
             <a:fld id="{AD880408-622A-4071-A052-F5E03FFF4B10}" type="datetimeFigureOut">
               <a:rPr lang="en-US" smtClean="0"/>
-              <a:t>5/22/2018</a:t>
+              <a:t>5/24/2018</a:t>
             </a:fld>
             <a:endParaRPr lang="en-US"/>
           </a:p>
@@ -1165,7 +1165,7 @@
           <a:p>
             <a:fld id="{AD880408-622A-4071-A052-F5E03FFF4B10}" type="datetimeFigureOut">
               <a:rPr lang="en-US" smtClean="0"/>
-              <a:t>5/22/2018</a:t>
+              <a:t>5/24/2018</a:t>
             </a:fld>
             <a:endParaRPr lang="en-US"/>
           </a:p>
@@ -1433,7 +1433,7 @@
           <a:p>
             <a:fld id="{AD880408-622A-4071-A052-F5E03FFF4B10}" type="datetimeFigureOut">
               <a:rPr lang="en-US" smtClean="0"/>
-              <a:t>5/22/2018</a:t>
+              <a:t>5/24/2018</a:t>
             </a:fld>
             <a:endParaRPr lang="en-US"/>
           </a:p>
@@ -1848,7 +1848,7 @@
           <a:p>
             <a:fld id="{AD880408-622A-4071-A052-F5E03FFF4B10}" type="datetimeFigureOut">
               <a:rPr lang="en-US" smtClean="0"/>
-              <a:t>5/22/2018</a:t>
+              <a:t>5/24/2018</a:t>
             </a:fld>
             <a:endParaRPr lang="en-US"/>
           </a:p>
@@ -1990,7 +1990,7 @@
           <a:p>
             <a:fld id="{AD880408-622A-4071-A052-F5E03FFF4B10}" type="datetimeFigureOut">
               <a:rPr lang="en-US" smtClean="0"/>
-              <a:t>5/22/2018</a:t>
+              <a:t>5/24/2018</a:t>
             </a:fld>
             <a:endParaRPr lang="en-US"/>
           </a:p>
@@ -2103,7 +2103,7 @@
           <a:p>
             <a:fld id="{AD880408-622A-4071-A052-F5E03FFF4B10}" type="datetimeFigureOut">
               <a:rPr lang="en-US" smtClean="0"/>
-              <a:t>5/22/2018</a:t>
+              <a:t>5/24/2018</a:t>
             </a:fld>
             <a:endParaRPr lang="en-US"/>
           </a:p>
@@ -2416,7 +2416,7 @@
           <a:p>
             <a:fld id="{AD880408-622A-4071-A052-F5E03FFF4B10}" type="datetimeFigureOut">
               <a:rPr lang="en-US" smtClean="0"/>
-              <a:t>5/22/2018</a:t>
+              <a:t>5/24/2018</a:t>
             </a:fld>
             <a:endParaRPr lang="en-US"/>
           </a:p>
@@ -2705,7 +2705,7 @@
           <a:p>
             <a:fld id="{AD880408-622A-4071-A052-F5E03FFF4B10}" type="datetimeFigureOut">
               <a:rPr lang="en-US" smtClean="0"/>
-              <a:t>5/22/2018</a:t>
+              <a:t>5/24/2018</a:t>
             </a:fld>
             <a:endParaRPr lang="en-US"/>
           </a:p>
@@ -2948,7 +2948,7 @@
           <a:p>
             <a:fld id="{AD880408-622A-4071-A052-F5E03FFF4B10}" type="datetimeFigureOut">
               <a:rPr lang="en-US" smtClean="0"/>
-              <a:t>5/22/2018</a:t>
+              <a:t>5/24/2018</a:t>
             </a:fld>
             <a:endParaRPr lang="en-US"/>
           </a:p>
@@ -9652,8 +9652,8 @@
           <a:p>
             <a:pPr algn="ctr"/>
             <a:r>
-              <a:rPr lang="en-US" dirty="0"/>
-              <a:t>Educational Applications  Evaluation</a:t>
+              <a:rPr lang="en-US" sz="2400" dirty="0"/>
+              <a:t>Educational Applications’ Evaluation</a:t>
             </a:r>
           </a:p>
         </p:txBody>
@@ -9699,7 +9699,7 @@
           <a:p>
             <a:pPr algn="ctr"/>
             <a:r>
-              <a:rPr lang="en-US" dirty="0"/>
+              <a:rPr lang="en-US" sz="2400" dirty="0"/>
               <a:t>VR </a:t>
             </a:r>
           </a:p>
@@ -9720,7 +9720,7 @@
         <p:spPr>
           <a:xfrm>
             <a:off x="7880261" y="2189776"/>
-            <a:ext cx="2997531" cy="2216334"/>
+            <a:ext cx="3365671" cy="2216334"/>
           </a:xfrm>
           <a:prstGeom prst="rect">
             <a:avLst/>
@@ -9746,13 +9746,13 @@
           <a:p>
             <a:pPr algn="ctr"/>
             <a:r>
-              <a:rPr lang="en-US" dirty="0"/>
+              <a:rPr lang="en-US" sz="2400" dirty="0"/>
               <a:t>Development and Evaluation of Mixed Reality Educational Applications</a:t>
             </a:r>
           </a:p>
           <a:p>
             <a:pPr algn="ctr"/>
-            <a:endParaRPr lang="en-US" dirty="0"/>
+            <a:endParaRPr lang="en-US" sz="2400" dirty="0"/>
           </a:p>
         </p:txBody>
       </p:sp>
@@ -9797,7 +9797,7 @@
           <a:p>
             <a:pPr algn="ctr"/>
             <a:r>
-              <a:rPr lang="en-US" dirty="0"/>
+              <a:rPr lang="en-US" sz="2400" dirty="0"/>
               <a:t>AR</a:t>
             </a:r>
           </a:p>
@@ -9817,8 +9817,8 @@
         </p:nvSpPr>
         <p:spPr>
           <a:xfrm>
-            <a:off x="2273387" y="1727835"/>
-            <a:ext cx="1822860" cy="706919"/>
+            <a:off x="2247893" y="1448790"/>
+            <a:ext cx="1822860" cy="802335"/>
           </a:xfrm>
           <a:prstGeom prst="rect">
             <a:avLst/>
@@ -9844,16 +9844,16 @@
           <a:p>
             <a:pPr algn="ctr"/>
             <a:r>
-              <a:rPr lang="en-US" dirty="0"/>
-              <a:t>VR </a:t>
+              <a:rPr lang="en-US" sz="2400" dirty="0"/>
+              <a:t>VR A</a:t>
             </a:r>
             <a:r>
-              <a:rPr lang="en-US" altLang="zh-CN" dirty="0"/>
-              <a:t>art </a:t>
+              <a:rPr lang="en-US" altLang="zh-CN" sz="2400" dirty="0"/>
+              <a:t>rt E</a:t>
             </a:r>
             <a:r>
-              <a:rPr lang="en-US" dirty="0"/>
-              <a:t>exhibition  </a:t>
+              <a:rPr lang="en-US" sz="2400" dirty="0"/>
+              <a:t>xhibition  </a:t>
             </a:r>
           </a:p>
         </p:txBody>
@@ -9873,7 +9873,7 @@
         <p:spPr>
           <a:xfrm>
             <a:off x="2247896" y="4429786"/>
-            <a:ext cx="1848351" cy="641741"/>
+            <a:ext cx="1822857" cy="867110"/>
           </a:xfrm>
           <a:prstGeom prst="rect">
             <a:avLst/>
@@ -9899,16 +9899,16 @@
           <a:p>
             <a:pPr algn="ctr"/>
             <a:r>
-              <a:rPr lang="en-US" dirty="0"/>
+              <a:rPr lang="en-US" sz="2400" dirty="0"/>
               <a:t>3D Color</a:t>
             </a:r>
             <a:r>
-              <a:rPr lang="en-US" altLang="zh-CN" dirty="0"/>
-              <a:t>ing </a:t>
+              <a:rPr lang="en-US" altLang="zh-CN" sz="2400" dirty="0"/>
+              <a:t>ing G</a:t>
             </a:r>
             <a:r>
-              <a:rPr lang="en-US" dirty="0"/>
-              <a:t>game</a:t>
+              <a:rPr lang="en-US" sz="2400" dirty="0"/>
+              <a:t>ame</a:t>
             </a:r>
           </a:p>
         </p:txBody>
@@ -9927,7 +9927,7 @@
         </p:nvSpPr>
         <p:spPr>
           <a:xfrm>
-            <a:off x="1432959" y="2134115"/>
+            <a:off x="1432959" y="2157578"/>
             <a:ext cx="6447307" cy="641741"/>
           </a:xfrm>
           <a:prstGeom prst="rightArrow">
@@ -9953,7 +9953,7 @@
           <a:lstStyle/>
           <a:p>
             <a:pPr algn="ctr"/>
-            <a:endParaRPr lang="en-US" dirty="0"/>
+            <a:endParaRPr lang="en-US" sz="2400" dirty="0"/>
           </a:p>
         </p:txBody>
       </p:sp>
@@ -9971,7 +9971,7 @@
         </p:nvSpPr>
         <p:spPr>
           <a:xfrm>
-            <a:off x="1432959" y="3870468"/>
+            <a:off x="1432959" y="3832418"/>
             <a:ext cx="6447307" cy="641741"/>
           </a:xfrm>
           <a:prstGeom prst="rightArrow">
@@ -9997,7 +9997,7 @@
           <a:lstStyle/>
           <a:p>
             <a:pPr algn="ctr"/>
-            <a:endParaRPr lang="en-US"/>
+            <a:endParaRPr lang="en-US" sz="2400"/>
           </a:p>
         </p:txBody>
       </p:sp>
@@ -10042,7 +10042,7 @@
           <a:p>
             <a:pPr algn="ctr"/>
             <a:r>
-              <a:rPr lang="en-US" dirty="0"/>
+              <a:rPr lang="en-US" sz="2400" dirty="0"/>
               <a:t>MR(AR &amp; VR) Chemistry Lab </a:t>
             </a:r>
           </a:p>

--- a/bi_ye_lun_wen/temp files.pptx
+++ b/bi_ye_lun_wen/temp files.pptx
@@ -279,7 +279,7 @@
           <a:p>
             <a:fld id="{AD880408-622A-4071-A052-F5E03FFF4B10}" type="datetimeFigureOut">
               <a:rPr lang="en-US" smtClean="0"/>
-              <a:t>5/24/2018</a:t>
+              <a:t>5/26/2018</a:t>
             </a:fld>
             <a:endParaRPr lang="en-US"/>
           </a:p>
@@ -479,7 +479,7 @@
           <a:p>
             <a:fld id="{AD880408-622A-4071-A052-F5E03FFF4B10}" type="datetimeFigureOut">
               <a:rPr lang="en-US" smtClean="0"/>
-              <a:t>5/24/2018</a:t>
+              <a:t>5/26/2018</a:t>
             </a:fld>
             <a:endParaRPr lang="en-US"/>
           </a:p>
@@ -689,7 +689,7 @@
           <a:p>
             <a:fld id="{AD880408-622A-4071-A052-F5E03FFF4B10}" type="datetimeFigureOut">
               <a:rPr lang="en-US" smtClean="0"/>
-              <a:t>5/24/2018</a:t>
+              <a:t>5/26/2018</a:t>
             </a:fld>
             <a:endParaRPr lang="en-US"/>
           </a:p>
@@ -889,7 +889,7 @@
           <a:p>
             <a:fld id="{AD880408-622A-4071-A052-F5E03FFF4B10}" type="datetimeFigureOut">
               <a:rPr lang="en-US" smtClean="0"/>
-              <a:t>5/24/2018</a:t>
+              <a:t>5/26/2018</a:t>
             </a:fld>
             <a:endParaRPr lang="en-US"/>
           </a:p>
@@ -1165,7 +1165,7 @@
           <a:p>
             <a:fld id="{AD880408-622A-4071-A052-F5E03FFF4B10}" type="datetimeFigureOut">
               <a:rPr lang="en-US" smtClean="0"/>
-              <a:t>5/24/2018</a:t>
+              <a:t>5/26/2018</a:t>
             </a:fld>
             <a:endParaRPr lang="en-US"/>
           </a:p>
@@ -1433,7 +1433,7 @@
           <a:p>
             <a:fld id="{AD880408-622A-4071-A052-F5E03FFF4B10}" type="datetimeFigureOut">
               <a:rPr lang="en-US" smtClean="0"/>
-              <a:t>5/24/2018</a:t>
+              <a:t>5/26/2018</a:t>
             </a:fld>
             <a:endParaRPr lang="en-US"/>
           </a:p>
@@ -1848,7 +1848,7 @@
           <a:p>
             <a:fld id="{AD880408-622A-4071-A052-F5E03FFF4B10}" type="datetimeFigureOut">
               <a:rPr lang="en-US" smtClean="0"/>
-              <a:t>5/24/2018</a:t>
+              <a:t>5/26/2018</a:t>
             </a:fld>
             <a:endParaRPr lang="en-US"/>
           </a:p>
@@ -1990,7 +1990,7 @@
           <a:p>
             <a:fld id="{AD880408-622A-4071-A052-F5E03FFF4B10}" type="datetimeFigureOut">
               <a:rPr lang="en-US" smtClean="0"/>
-              <a:t>5/24/2018</a:t>
+              <a:t>5/26/2018</a:t>
             </a:fld>
             <a:endParaRPr lang="en-US"/>
           </a:p>
@@ -2103,7 +2103,7 @@
           <a:p>
             <a:fld id="{AD880408-622A-4071-A052-F5E03FFF4B10}" type="datetimeFigureOut">
               <a:rPr lang="en-US" smtClean="0"/>
-              <a:t>5/24/2018</a:t>
+              <a:t>5/26/2018</a:t>
             </a:fld>
             <a:endParaRPr lang="en-US"/>
           </a:p>
@@ -2416,7 +2416,7 @@
           <a:p>
             <a:fld id="{AD880408-622A-4071-A052-F5E03FFF4B10}" type="datetimeFigureOut">
               <a:rPr lang="en-US" smtClean="0"/>
-              <a:t>5/24/2018</a:t>
+              <a:t>5/26/2018</a:t>
             </a:fld>
             <a:endParaRPr lang="en-US"/>
           </a:p>
@@ -2705,7 +2705,7 @@
           <a:p>
             <a:fld id="{AD880408-622A-4071-A052-F5E03FFF4B10}" type="datetimeFigureOut">
               <a:rPr lang="en-US" smtClean="0"/>
-              <a:t>5/24/2018</a:t>
+              <a:t>5/26/2018</a:t>
             </a:fld>
             <a:endParaRPr lang="en-US"/>
           </a:p>
@@ -2948,7 +2948,7 @@
           <a:p>
             <a:fld id="{AD880408-622A-4071-A052-F5E03FFF4B10}" type="datetimeFigureOut">
               <a:rPr lang="en-US" smtClean="0"/>
-              <a:t>5/24/2018</a:t>
+              <a:t>5/26/2018</a:t>
             </a:fld>
             <a:endParaRPr lang="en-US"/>
           </a:p>
@@ -6039,7 +6039,7 @@
       </p:grpSpPr>
       <p:sp>
         <p:nvSpPr>
-          <p:cNvPr id="37" name="矩形 36">
+          <p:cNvPr id="20" name="矩形 19">
             <a:extLst>
               <a:ext uri="{FF2B5EF4-FFF2-40B4-BE49-F238E27FC236}">
                 <a16:creationId xmlns:a16="http://schemas.microsoft.com/office/drawing/2014/main" id="{7BE92F61-FE33-49BF-B30A-46435B6EDB52}"/>
@@ -6051,8 +6051,8 @@
         </p:nvSpPr>
         <p:spPr>
           <a:xfrm>
-            <a:off x="1555668" y="3018636"/>
-            <a:ext cx="2008108" cy="1531917"/>
+            <a:off x="2482978" y="3004457"/>
+            <a:ext cx="2317844" cy="1546096"/>
           </a:xfrm>
           <a:prstGeom prst="rect">
             <a:avLst/>
@@ -6078,61 +6078,18 @@
           <a:p>
             <a:pPr algn="ctr"/>
             <a:r>
-              <a:rPr lang="en-US" dirty="0">
+              <a:rPr lang="en-US" sz="2800" dirty="0">
                 <a:latin typeface="Times New Roman" panose="02020603050405020304" pitchFamily="18" charset="0"/>
                 <a:cs typeface="Times New Roman" panose="02020603050405020304" pitchFamily="18" charset="0"/>
               </a:rPr>
-              <a:t>Scan the identification map1 with camera</a:t>
+              <a:t>Color the picture 2 </a:t>
             </a:r>
           </a:p>
         </p:txBody>
       </p:sp>
-      <p:cxnSp>
-        <p:nvCxnSpPr>
-          <p:cNvPr id="51" name="直接箭头连接符 50">
-            <a:extLst>
-              <a:ext uri="{FF2B5EF4-FFF2-40B4-BE49-F238E27FC236}">
-                <a16:creationId xmlns:a16="http://schemas.microsoft.com/office/drawing/2014/main" id="{49B12BB1-D6E3-460B-8EA0-C6DD2796B0A4}"/>
-              </a:ext>
-            </a:extLst>
-          </p:cNvPr>
-          <p:cNvCxnSpPr>
-            <a:cxnSpLocks/>
-            <a:stCxn id="37" idx="3"/>
-            <a:endCxn id="20" idx="1"/>
-          </p:cNvCxnSpPr>
-          <p:nvPr/>
-        </p:nvCxnSpPr>
-        <p:spPr>
-          <a:xfrm flipV="1">
-            <a:off x="3563776" y="3784594"/>
-            <a:ext cx="319032" cy="1"/>
-          </a:xfrm>
-          <a:prstGeom prst="straightConnector1">
-            <a:avLst/>
-          </a:prstGeom>
-          <a:ln>
-            <a:tailEnd type="triangle"/>
-          </a:ln>
-        </p:spPr>
-        <p:style>
-          <a:lnRef idx="1">
-            <a:schemeClr val="accent1"/>
-          </a:lnRef>
-          <a:fillRef idx="0">
-            <a:schemeClr val="accent1"/>
-          </a:fillRef>
-          <a:effectRef idx="0">
-            <a:schemeClr val="accent1"/>
-          </a:effectRef>
-          <a:fontRef idx="minor">
-            <a:schemeClr val="tx1"/>
-          </a:fontRef>
-        </p:style>
-      </p:cxnSp>
       <p:sp>
         <p:nvSpPr>
-          <p:cNvPr id="20" name="矩形 19">
+          <p:cNvPr id="23" name="矩形 22">
             <a:extLst>
               <a:ext uri="{FF2B5EF4-FFF2-40B4-BE49-F238E27FC236}">
                 <a16:creationId xmlns:a16="http://schemas.microsoft.com/office/drawing/2014/main" id="{7BE92F61-FE33-49BF-B30A-46435B6EDB52}"/>
@@ -6144,8 +6101,8 @@
         </p:nvSpPr>
         <p:spPr>
           <a:xfrm>
-            <a:off x="3882808" y="3018635"/>
-            <a:ext cx="1814563" cy="1531917"/>
+            <a:off x="5015917" y="3004457"/>
+            <a:ext cx="2521616" cy="1546096"/>
           </a:xfrm>
           <a:prstGeom prst="rect">
             <a:avLst/>
@@ -6171,61 +6128,11 @@
           <a:p>
             <a:pPr algn="ctr"/>
             <a:r>
-              <a:rPr lang="en-US" dirty="0">
+              <a:rPr lang="en-US" sz="2800" dirty="0">
                 <a:latin typeface="Times New Roman" panose="02020603050405020304" pitchFamily="18" charset="0"/>
                 <a:cs typeface="Times New Roman" panose="02020603050405020304" pitchFamily="18" charset="0"/>
               </a:rPr>
-              <a:t>Color the identification map2 </a:t>
-            </a:r>
-          </a:p>
-        </p:txBody>
-      </p:sp>
-      <p:sp>
-        <p:nvSpPr>
-          <p:cNvPr id="23" name="矩形 22">
-            <a:extLst>
-              <a:ext uri="{FF2B5EF4-FFF2-40B4-BE49-F238E27FC236}">
-                <a16:creationId xmlns:a16="http://schemas.microsoft.com/office/drawing/2014/main" id="{7BE92F61-FE33-49BF-B30A-46435B6EDB52}"/>
-              </a:ext>
-            </a:extLst>
-          </p:cNvPr>
-          <p:cNvSpPr/>
-          <p:nvPr/>
-        </p:nvSpPr>
-        <p:spPr>
-          <a:xfrm>
-            <a:off x="6148633" y="3018635"/>
-            <a:ext cx="1974089" cy="1531917"/>
-          </a:xfrm>
-          <a:prstGeom prst="rect">
-            <a:avLst/>
-          </a:prstGeom>
-        </p:spPr>
-        <p:style>
-          <a:lnRef idx="2">
-            <a:schemeClr val="dk1"/>
-          </a:lnRef>
-          <a:fillRef idx="1">
-            <a:schemeClr val="lt1"/>
-          </a:fillRef>
-          <a:effectRef idx="0">
-            <a:schemeClr val="dk1"/>
-          </a:effectRef>
-          <a:fontRef idx="minor">
-            <a:schemeClr val="dk1"/>
-          </a:fontRef>
-        </p:style>
-        <p:txBody>
-          <a:bodyPr rtlCol="0" anchor="ctr"/>
-          <a:lstStyle/>
-          <a:p>
-            <a:pPr algn="ctr"/>
-            <a:r>
-              <a:rPr lang="en-US" dirty="0">
-                <a:latin typeface="Times New Roman" panose="02020603050405020304" pitchFamily="18" charset="0"/>
-                <a:cs typeface="Times New Roman" panose="02020603050405020304" pitchFamily="18" charset="0"/>
-              </a:rPr>
-              <a:t>Scan the identification map2 with camera</a:t>
+              <a:t>Scan the picture 2 with camera</a:t>
             </a:r>
           </a:p>
         </p:txBody>
@@ -6248,8 +6155,8 @@
         </p:nvCxnSpPr>
         <p:spPr>
           <a:xfrm>
-            <a:off x="8122722" y="3784594"/>
-            <a:ext cx="508236" cy="0"/>
+            <a:off x="7537533" y="3777505"/>
+            <a:ext cx="262151" cy="0"/>
           </a:xfrm>
           <a:prstGeom prst="straightConnector1">
             <a:avLst/>
@@ -6287,8 +6194,8 @@
         </p:nvSpPr>
         <p:spPr>
           <a:xfrm>
-            <a:off x="8630958" y="3018635"/>
-            <a:ext cx="1410744" cy="1531917"/>
+            <a:off x="7799684" y="3004457"/>
+            <a:ext cx="1909338" cy="1546096"/>
           </a:xfrm>
           <a:prstGeom prst="rect">
             <a:avLst/>
@@ -6314,7 +6221,7 @@
           <a:p>
             <a:pPr algn="ctr"/>
             <a:r>
-              <a:rPr lang="en-US" dirty="0">
+              <a:rPr lang="en-US" sz="2800" dirty="0">
                 <a:latin typeface="Times New Roman" panose="02020603050405020304" pitchFamily="18" charset="0"/>
                 <a:cs typeface="Times New Roman" panose="02020603050405020304" pitchFamily="18" charset="0"/>
               </a:rPr>
@@ -6341,8 +6248,8 @@
         </p:nvCxnSpPr>
         <p:spPr>
           <a:xfrm>
-            <a:off x="5697371" y="3784594"/>
-            <a:ext cx="451262" cy="0"/>
+            <a:off x="4800822" y="3777505"/>
+            <a:ext cx="215095" cy="0"/>
           </a:xfrm>
           <a:prstGeom prst="straightConnector1">
             <a:avLst/>
@@ -7616,8 +7523,8 @@
         </p:nvSpPr>
         <p:spPr>
           <a:xfrm>
-            <a:off x="6096000" y="2291938"/>
-            <a:ext cx="4081153" cy="2707574"/>
+            <a:off x="5841918" y="2291938"/>
+            <a:ext cx="4335235" cy="2707574"/>
           </a:xfrm>
           <a:prstGeom prst="roundRect">
             <a:avLst/>
@@ -7642,7 +7549,7 @@
           <a:lstStyle/>
           <a:p>
             <a:pPr algn="ctr"/>
-            <a:endParaRPr lang="en-US"/>
+            <a:endParaRPr lang="en-US" sz="2400"/>
           </a:p>
         </p:txBody>
       </p:sp>
@@ -7661,7 +7568,7 @@
         <p:spPr>
           <a:xfrm>
             <a:off x="251365" y="2291938"/>
-            <a:ext cx="3304311" cy="2707574"/>
+            <a:ext cx="3169719" cy="2707574"/>
           </a:xfrm>
           <a:prstGeom prst="roundRect">
             <a:avLst/>
@@ -7686,32 +7593,7 @@
           <a:lstStyle/>
           <a:p>
             <a:pPr algn="ctr"/>
-            <a:endParaRPr lang="en-US"/>
-          </a:p>
-        </p:txBody>
-      </p:sp>
-      <p:sp>
-        <p:nvSpPr>
-          <p:cNvPr id="2" name="标题 1">
-            <a:extLst>
-              <a:ext uri="{FF2B5EF4-FFF2-40B4-BE49-F238E27FC236}">
-                <a16:creationId xmlns:a16="http://schemas.microsoft.com/office/drawing/2014/main" id="{329CEABB-0F55-4EFF-BA19-1AD0CFF47D7D}"/>
-              </a:ext>
-            </a:extLst>
-          </p:cNvPr>
-          <p:cNvSpPr>
-            <a:spLocks noGrp="1"/>
-          </p:cNvSpPr>
-          <p:nvPr>
-            <p:ph type="title"/>
-          </p:nvPr>
-        </p:nvSpPr>
-        <p:spPr/>
-        <p:txBody>
-          <a:bodyPr/>
-          <a:lstStyle/>
-          <a:p>
-            <a:endParaRPr lang="en-US"/>
+            <a:endParaRPr lang="en-US" sz="2400"/>
           </a:p>
         </p:txBody>
       </p:sp>
@@ -7756,10 +7638,10 @@
           <a:p>
             <a:pPr algn="ctr"/>
             <a:r>
-              <a:rPr lang="en-US" altLang="zh-CN" dirty="0"/>
-              <a:t>Target pic production</a:t>
+              <a:rPr lang="en-US" altLang="zh-CN" sz="2400" dirty="0"/>
+              <a:t>Target pictures</a:t>
             </a:r>
-            <a:endParaRPr lang="en-US" dirty="0"/>
+            <a:endParaRPr lang="en-US" sz="2400" dirty="0"/>
           </a:p>
         </p:txBody>
       </p:sp>
@@ -7804,14 +7686,10 @@
           <a:p>
             <a:pPr algn="ctr"/>
             <a:r>
-              <a:rPr lang="en-US" altLang="zh-CN" dirty="0"/>
-              <a:t>Model </a:t>
+              <a:rPr lang="en-US" altLang="zh-CN" sz="2400" dirty="0"/>
+              <a:t>Models</a:t>
             </a:r>
-            <a:r>
-              <a:rPr lang="en-US" altLang="zh-CN" dirty="0" err="1"/>
-              <a:t>producion</a:t>
-            </a:r>
-            <a:endParaRPr lang="en-US" dirty="0"/>
+            <a:endParaRPr lang="en-US" sz="2400" dirty="0"/>
           </a:p>
         </p:txBody>
       </p:sp>
@@ -7829,8 +7707,8 @@
         </p:nvSpPr>
         <p:spPr>
           <a:xfrm>
-            <a:off x="4070268" y="2314946"/>
-            <a:ext cx="1496291" cy="2524991"/>
+            <a:off x="3796392" y="2291938"/>
+            <a:ext cx="1670218" cy="2977737"/>
           </a:xfrm>
           <a:prstGeom prst="rect">
             <a:avLst/>
@@ -7856,18 +7734,10 @@
           <a:p>
             <a:pPr algn="ctr"/>
             <a:r>
-              <a:rPr lang="en-US" altLang="zh-CN" dirty="0"/>
-              <a:t>Upload the target pics to </a:t>
+              <a:rPr lang="en-US" altLang="zh-CN" sz="2400" dirty="0"/>
+              <a:t>Upload the target pics to Vuforia and import the Unity package to  Unity3d</a:t>
             </a:r>
-            <a:r>
-              <a:rPr lang="en-US" altLang="zh-CN" dirty="0" err="1"/>
-              <a:t>Vuforia</a:t>
-            </a:r>
-            <a:r>
-              <a:rPr lang="en-US" altLang="zh-CN" dirty="0"/>
-              <a:t> site and download  and import the Unity package to  Unity3d</a:t>
-            </a:r>
-            <a:endParaRPr lang="en-US" dirty="0"/>
+            <a:endParaRPr lang="en-US" sz="2400" dirty="0"/>
           </a:p>
         </p:txBody>
       </p:sp>
@@ -7885,8 +7755,8 @@
         </p:nvSpPr>
         <p:spPr>
           <a:xfrm>
-            <a:off x="8260277" y="3977492"/>
-            <a:ext cx="1655619" cy="807522"/>
+            <a:off x="8070779" y="3854288"/>
+            <a:ext cx="1845117" cy="930726"/>
           </a:xfrm>
           <a:prstGeom prst="rect">
             <a:avLst/>
@@ -7912,22 +7782,22 @@
           <a:p>
             <a:pPr algn="ctr"/>
             <a:r>
-              <a:rPr lang="en-US" dirty="0"/>
+              <a:rPr lang="en-US" sz="2400" dirty="0"/>
               <a:t>Pass the </a:t>
             </a:r>
             <a:r>
-              <a:rPr lang="en-US" dirty="0" err="1"/>
+              <a:rPr lang="en-US" sz="2400" dirty="0" err="1"/>
               <a:t>Shader</a:t>
             </a:r>
             <a:r>
-              <a:rPr lang="en-US" dirty="0"/>
+              <a:rPr lang="en-US" sz="2400" dirty="0"/>
               <a:t> </a:t>
             </a:r>
             <a:r>
-              <a:rPr lang="en-US" altLang="zh-CN" dirty="0"/>
+              <a:rPr lang="en-US" altLang="zh-CN" sz="2400" dirty="0"/>
               <a:t>value</a:t>
             </a:r>
-            <a:endParaRPr lang="en-US" dirty="0"/>
+            <a:endParaRPr lang="en-US" sz="2400" dirty="0"/>
           </a:p>
         </p:txBody>
       </p:sp>
@@ -7945,8 +7815,8 @@
         </p:nvSpPr>
         <p:spPr>
           <a:xfrm>
-            <a:off x="6337963" y="2490850"/>
-            <a:ext cx="1496291" cy="807522"/>
+            <a:off x="6095999" y="2341668"/>
+            <a:ext cx="1504706" cy="1223901"/>
           </a:xfrm>
           <a:prstGeom prst="rect">
             <a:avLst/>
@@ -7972,10 +7842,10 @@
           <a:p>
             <a:pPr algn="ctr"/>
             <a:r>
-              <a:rPr lang="en-US" altLang="zh-CN" dirty="0"/>
+              <a:rPr lang="en-US" altLang="zh-CN" sz="2400" dirty="0"/>
               <a:t>Get the Screen capture</a:t>
             </a:r>
-            <a:endParaRPr lang="en-US" dirty="0"/>
+            <a:endParaRPr lang="en-US" sz="2400" dirty="0"/>
           </a:p>
         </p:txBody>
       </p:sp>
@@ -7993,8 +7863,8 @@
         </p:nvSpPr>
         <p:spPr>
           <a:xfrm>
-            <a:off x="2291201" y="3108367"/>
-            <a:ext cx="1106632" cy="807522"/>
+            <a:off x="2149189" y="2977367"/>
+            <a:ext cx="1106632" cy="1283277"/>
           </a:xfrm>
           <a:prstGeom prst="rect">
             <a:avLst/>
@@ -8020,18 +7890,18 @@
           <a:p>
             <a:pPr algn="ctr"/>
             <a:r>
-              <a:rPr lang="en-US" dirty="0"/>
-              <a:t>UV Split and match</a:t>
+              <a:rPr lang="en-US" sz="2400" dirty="0"/>
+              <a:t>UV Split &amp; match</a:t>
             </a:r>
           </a:p>
         </p:txBody>
       </p:sp>
       <p:sp>
         <p:nvSpPr>
-          <p:cNvPr id="10" name="箭头: 右 9">
-            <a:extLst>
-              <a:ext uri="{FF2B5EF4-FFF2-40B4-BE49-F238E27FC236}">
-                <a16:creationId xmlns:a16="http://schemas.microsoft.com/office/drawing/2014/main" id="{5E3621F9-61A9-494A-818D-9D9365CDC39B}"/>
+          <p:cNvPr id="14" name="箭头: 右 13">
+            <a:extLst>
+              <a:ext uri="{FF2B5EF4-FFF2-40B4-BE49-F238E27FC236}">
+                <a16:creationId xmlns:a16="http://schemas.microsoft.com/office/drawing/2014/main" id="{81CF3B80-B7E2-4E46-83BE-FBD831FBC765}"/>
               </a:ext>
             </a:extLst>
           </p:cNvPr>
@@ -8040,8 +7910,8 @@
         </p:nvSpPr>
         <p:spPr>
           <a:xfrm>
-            <a:off x="3578436" y="3108367"/>
-            <a:ext cx="469072" cy="938150"/>
+            <a:off x="1775368" y="3298372"/>
+            <a:ext cx="329538" cy="617517"/>
           </a:xfrm>
           <a:prstGeom prst="rightArrow">
             <a:avLst/>
@@ -8068,16 +7938,16 @@
           <a:lstStyle/>
           <a:p>
             <a:pPr algn="ctr"/>
-            <a:endParaRPr lang="en-US"/>
+            <a:endParaRPr lang="en-US" sz="2400"/>
           </a:p>
         </p:txBody>
       </p:sp>
       <p:sp>
         <p:nvSpPr>
-          <p:cNvPr id="14" name="箭头: 右 13">
-            <a:extLst>
-              <a:ext uri="{FF2B5EF4-FFF2-40B4-BE49-F238E27FC236}">
-                <a16:creationId xmlns:a16="http://schemas.microsoft.com/office/drawing/2014/main" id="{81CF3B80-B7E2-4E46-83BE-FBD831FBC765}"/>
+          <p:cNvPr id="15" name="矩形: 圆角 14">
+            <a:extLst>
+              <a:ext uri="{FF2B5EF4-FFF2-40B4-BE49-F238E27FC236}">
+                <a16:creationId xmlns:a16="http://schemas.microsoft.com/office/drawing/2014/main" id="{A59199A4-1627-413F-9C4C-A485D3496999}"/>
               </a:ext>
             </a:extLst>
           </p:cNvPr>
@@ -8086,8 +7956,439 @@
         </p:nvSpPr>
         <p:spPr>
           <a:xfrm>
-            <a:off x="1775368" y="3298372"/>
-            <a:ext cx="422562" cy="617517"/>
+            <a:off x="251364" y="5269676"/>
+            <a:ext cx="3169719" cy="816429"/>
+          </a:xfrm>
+          <a:prstGeom prst="roundRect">
+            <a:avLst/>
+          </a:prstGeom>
+        </p:spPr>
+        <p:style>
+          <a:lnRef idx="2">
+            <a:schemeClr val="accent1"/>
+          </a:lnRef>
+          <a:fillRef idx="1">
+            <a:schemeClr val="lt1"/>
+          </a:fillRef>
+          <a:effectRef idx="0">
+            <a:schemeClr val="accent1"/>
+          </a:effectRef>
+          <a:fontRef idx="minor">
+            <a:schemeClr val="dk1"/>
+          </a:fontRef>
+        </p:style>
+        <p:txBody>
+          <a:bodyPr rtlCol="0" anchor="ctr"/>
+          <a:lstStyle/>
+          <a:p>
+            <a:pPr algn="ctr"/>
+            <a:r>
+              <a:rPr lang="en-US" sz="2400" dirty="0"/>
+              <a:t>P</a:t>
+            </a:r>
+            <a:r>
+              <a:rPr lang="en-US" altLang="zh-CN" sz="2400" dirty="0"/>
+              <a:t>hotoshop </a:t>
+            </a:r>
+          </a:p>
+          <a:p>
+            <a:pPr algn="ctr"/>
+            <a:r>
+              <a:rPr lang="en-US" sz="2400" dirty="0"/>
+              <a:t>Maya/3D max</a:t>
+            </a:r>
+          </a:p>
+        </p:txBody>
+      </p:sp>
+      <p:sp>
+        <p:nvSpPr>
+          <p:cNvPr id="17" name="矩形: 圆角 16">
+            <a:extLst>
+              <a:ext uri="{FF2B5EF4-FFF2-40B4-BE49-F238E27FC236}">
+                <a16:creationId xmlns:a16="http://schemas.microsoft.com/office/drawing/2014/main" id="{FAAD77A9-7234-48CC-B3D1-19DA40CE3A01}"/>
+              </a:ext>
+            </a:extLst>
+          </p:cNvPr>
+          <p:cNvSpPr/>
+          <p:nvPr/>
+        </p:nvSpPr>
+        <p:spPr>
+          <a:xfrm>
+            <a:off x="5872140" y="5269675"/>
+            <a:ext cx="4081153" cy="816429"/>
+          </a:xfrm>
+          <a:prstGeom prst="roundRect">
+            <a:avLst/>
+          </a:prstGeom>
+        </p:spPr>
+        <p:style>
+          <a:lnRef idx="2">
+            <a:schemeClr val="accent1"/>
+          </a:lnRef>
+          <a:fillRef idx="1">
+            <a:schemeClr val="lt1"/>
+          </a:fillRef>
+          <a:effectRef idx="0">
+            <a:schemeClr val="accent1"/>
+          </a:effectRef>
+          <a:fontRef idx="minor">
+            <a:schemeClr val="dk1"/>
+          </a:fontRef>
+        </p:style>
+        <p:txBody>
+          <a:bodyPr rtlCol="0" anchor="ctr"/>
+          <a:lstStyle/>
+          <a:p>
+            <a:pPr algn="ctr"/>
+            <a:r>
+              <a:rPr lang="en-US" sz="2400" dirty="0"/>
+              <a:t>Unity 3D</a:t>
+            </a:r>
+          </a:p>
+        </p:txBody>
+      </p:sp>
+      <p:sp>
+        <p:nvSpPr>
+          <p:cNvPr id="18" name="矩形: 圆角 17">
+            <a:extLst>
+              <a:ext uri="{FF2B5EF4-FFF2-40B4-BE49-F238E27FC236}">
+                <a16:creationId xmlns:a16="http://schemas.microsoft.com/office/drawing/2014/main" id="{A4DC0078-5D78-44E0-914F-918150EECAC5}"/>
+              </a:ext>
+            </a:extLst>
+          </p:cNvPr>
+          <p:cNvSpPr/>
+          <p:nvPr/>
+        </p:nvSpPr>
+        <p:spPr>
+          <a:xfrm>
+            <a:off x="10542318" y="2291938"/>
+            <a:ext cx="1202377" cy="2707574"/>
+          </a:xfrm>
+          <a:prstGeom prst="roundRect">
+            <a:avLst/>
+          </a:prstGeom>
+        </p:spPr>
+        <p:style>
+          <a:lnRef idx="2">
+            <a:schemeClr val="accent1"/>
+          </a:lnRef>
+          <a:fillRef idx="1">
+            <a:schemeClr val="lt1"/>
+          </a:fillRef>
+          <a:effectRef idx="0">
+            <a:schemeClr val="accent1"/>
+          </a:effectRef>
+          <a:fontRef idx="minor">
+            <a:schemeClr val="dk1"/>
+          </a:fontRef>
+        </p:style>
+        <p:txBody>
+          <a:bodyPr rtlCol="0" anchor="ctr"/>
+          <a:lstStyle/>
+          <a:p>
+            <a:pPr algn="ctr"/>
+            <a:r>
+              <a:rPr lang="en-US" sz="2400" dirty="0"/>
+              <a:t>AR D</a:t>
+            </a:r>
+            <a:r>
+              <a:rPr lang="en-US" altLang="zh-CN" sz="2400" dirty="0"/>
+              <a:t>isplay</a:t>
+            </a:r>
+            <a:endParaRPr lang="en-US" sz="2400" dirty="0"/>
+          </a:p>
+        </p:txBody>
+      </p:sp>
+      <p:sp>
+        <p:nvSpPr>
+          <p:cNvPr id="19" name="矩形: 圆角 18">
+            <a:extLst>
+              <a:ext uri="{FF2B5EF4-FFF2-40B4-BE49-F238E27FC236}">
+                <a16:creationId xmlns:a16="http://schemas.microsoft.com/office/drawing/2014/main" id="{9B5128DF-12EE-4483-8B23-186DFC143258}"/>
+              </a:ext>
+            </a:extLst>
+          </p:cNvPr>
+          <p:cNvSpPr/>
+          <p:nvPr/>
+        </p:nvSpPr>
+        <p:spPr>
+          <a:xfrm>
+            <a:off x="10488878" y="5269675"/>
+            <a:ext cx="1309255" cy="816429"/>
+          </a:xfrm>
+          <a:prstGeom prst="roundRect">
+            <a:avLst/>
+          </a:prstGeom>
+        </p:spPr>
+        <p:style>
+          <a:lnRef idx="2">
+            <a:schemeClr val="accent1"/>
+          </a:lnRef>
+          <a:fillRef idx="1">
+            <a:schemeClr val="lt1"/>
+          </a:fillRef>
+          <a:effectRef idx="0">
+            <a:schemeClr val="accent1"/>
+          </a:effectRef>
+          <a:fontRef idx="minor">
+            <a:schemeClr val="dk1"/>
+          </a:fontRef>
+        </p:style>
+        <p:txBody>
+          <a:bodyPr rtlCol="0" anchor="ctr"/>
+          <a:lstStyle/>
+          <a:p>
+            <a:pPr algn="ctr"/>
+            <a:r>
+              <a:rPr lang="en-US" sz="2400" dirty="0"/>
+              <a:t>M</a:t>
+            </a:r>
+            <a:r>
+              <a:rPr lang="en-US" altLang="zh-CN" sz="2400" dirty="0"/>
+              <a:t>obile Devices</a:t>
+            </a:r>
+            <a:endParaRPr lang="en-US" sz="2400" dirty="0"/>
+          </a:p>
+        </p:txBody>
+      </p:sp>
+      <p:sp>
+        <p:nvSpPr>
+          <p:cNvPr id="21" name="矩形 20">
+            <a:extLst>
+              <a:ext uri="{FF2B5EF4-FFF2-40B4-BE49-F238E27FC236}">
+                <a16:creationId xmlns:a16="http://schemas.microsoft.com/office/drawing/2014/main" id="{824ABD0B-93A4-45CE-9FD3-E0480EB8C706}"/>
+              </a:ext>
+            </a:extLst>
+          </p:cNvPr>
+          <p:cNvSpPr/>
+          <p:nvPr/>
+        </p:nvSpPr>
+        <p:spPr>
+          <a:xfrm>
+            <a:off x="7912717" y="2402527"/>
+            <a:ext cx="1989571" cy="1216479"/>
+          </a:xfrm>
+          <a:prstGeom prst="rect">
+            <a:avLst/>
+          </a:prstGeom>
+        </p:spPr>
+        <p:style>
+          <a:lnRef idx="2">
+            <a:schemeClr val="dk1"/>
+          </a:lnRef>
+          <a:fillRef idx="1">
+            <a:schemeClr val="lt1"/>
+          </a:fillRef>
+          <a:effectRef idx="0">
+            <a:schemeClr val="dk1"/>
+          </a:effectRef>
+          <a:fontRef idx="minor">
+            <a:schemeClr val="dk1"/>
+          </a:fontRef>
+        </p:style>
+        <p:txBody>
+          <a:bodyPr rtlCol="0" anchor="ctr"/>
+          <a:lstStyle/>
+          <a:p>
+            <a:pPr algn="ctr"/>
+            <a:r>
+              <a:rPr lang="en-US" sz="2400" dirty="0"/>
+              <a:t>Attach the captured map to the model</a:t>
+            </a:r>
+          </a:p>
+        </p:txBody>
+      </p:sp>
+      <p:cxnSp>
+        <p:nvCxnSpPr>
+          <p:cNvPr id="23" name="直接箭头连接符 22">
+            <a:extLst>
+              <a:ext uri="{FF2B5EF4-FFF2-40B4-BE49-F238E27FC236}">
+                <a16:creationId xmlns:a16="http://schemas.microsoft.com/office/drawing/2014/main" id="{ECC7F993-EAC4-4FB1-A5A4-8E2A8E721611}"/>
+              </a:ext>
+            </a:extLst>
+          </p:cNvPr>
+          <p:cNvCxnSpPr>
+            <a:cxnSpLocks/>
+            <a:stCxn id="8" idx="2"/>
+            <a:endCxn id="27" idx="0"/>
+          </p:cNvCxnSpPr>
+          <p:nvPr/>
+        </p:nvCxnSpPr>
+        <p:spPr>
+          <a:xfrm>
+            <a:off x="6848352" y="3565569"/>
+            <a:ext cx="19310" cy="270163"/>
+          </a:xfrm>
+          <a:prstGeom prst="straightConnector1">
+            <a:avLst/>
+          </a:prstGeom>
+          <a:ln>
+            <a:tailEnd type="triangle"/>
+          </a:ln>
+        </p:spPr>
+        <p:style>
+          <a:lnRef idx="1">
+            <a:schemeClr val="accent1"/>
+          </a:lnRef>
+          <a:fillRef idx="0">
+            <a:schemeClr val="accent1"/>
+          </a:fillRef>
+          <a:effectRef idx="0">
+            <a:schemeClr val="accent1"/>
+          </a:effectRef>
+          <a:fontRef idx="minor">
+            <a:schemeClr val="tx1"/>
+          </a:fontRef>
+        </p:style>
+      </p:cxnSp>
+      <p:cxnSp>
+        <p:nvCxnSpPr>
+          <p:cNvPr id="25" name="直接箭头连接符 24">
+            <a:extLst>
+              <a:ext uri="{FF2B5EF4-FFF2-40B4-BE49-F238E27FC236}">
+                <a16:creationId xmlns:a16="http://schemas.microsoft.com/office/drawing/2014/main" id="{BFDA9FA3-B853-452A-8370-F4F9DD296F0D}"/>
+              </a:ext>
+            </a:extLst>
+          </p:cNvPr>
+          <p:cNvCxnSpPr>
+            <a:cxnSpLocks/>
+            <a:stCxn id="27" idx="3"/>
+            <a:endCxn id="7" idx="1"/>
+          </p:cNvCxnSpPr>
+          <p:nvPr/>
+        </p:nvCxnSpPr>
+        <p:spPr>
+          <a:xfrm>
+            <a:off x="7695471" y="4304807"/>
+            <a:ext cx="375308" cy="14844"/>
+          </a:xfrm>
+          <a:prstGeom prst="straightConnector1">
+            <a:avLst/>
+          </a:prstGeom>
+          <a:ln>
+            <a:tailEnd type="triangle"/>
+          </a:ln>
+        </p:spPr>
+        <p:style>
+          <a:lnRef idx="1">
+            <a:schemeClr val="accent1"/>
+          </a:lnRef>
+          <a:fillRef idx="0">
+            <a:schemeClr val="accent1"/>
+          </a:fillRef>
+          <a:effectRef idx="0">
+            <a:schemeClr val="accent1"/>
+          </a:effectRef>
+          <a:fontRef idx="minor">
+            <a:schemeClr val="tx1"/>
+          </a:fontRef>
+        </p:style>
+      </p:cxnSp>
+      <p:sp>
+        <p:nvSpPr>
+          <p:cNvPr id="27" name="矩形 26">
+            <a:extLst>
+              <a:ext uri="{FF2B5EF4-FFF2-40B4-BE49-F238E27FC236}">
+                <a16:creationId xmlns:a16="http://schemas.microsoft.com/office/drawing/2014/main" id="{5F329189-1E44-4034-9B6E-2A7AC8F07B4F}"/>
+              </a:ext>
+            </a:extLst>
+          </p:cNvPr>
+          <p:cNvSpPr/>
+          <p:nvPr/>
+        </p:nvSpPr>
+        <p:spPr>
+          <a:xfrm>
+            <a:off x="6039853" y="3835732"/>
+            <a:ext cx="1655618" cy="938150"/>
+          </a:xfrm>
+          <a:prstGeom prst="rect">
+            <a:avLst/>
+          </a:prstGeom>
+        </p:spPr>
+        <p:style>
+          <a:lnRef idx="2">
+            <a:schemeClr val="dk1"/>
+          </a:lnRef>
+          <a:fillRef idx="1">
+            <a:schemeClr val="lt1"/>
+          </a:fillRef>
+          <a:effectRef idx="0">
+            <a:schemeClr val="dk1"/>
+          </a:effectRef>
+          <a:fontRef idx="minor">
+            <a:schemeClr val="dk1"/>
+          </a:fontRef>
+        </p:style>
+        <p:txBody>
+          <a:bodyPr rtlCol="0" anchor="ctr"/>
+          <a:lstStyle/>
+          <a:p>
+            <a:pPr algn="ctr"/>
+            <a:r>
+              <a:rPr lang="en-US" sz="2400" dirty="0"/>
+              <a:t>Mapping coordinates</a:t>
+            </a:r>
+          </a:p>
+        </p:txBody>
+      </p:sp>
+      <p:cxnSp>
+        <p:nvCxnSpPr>
+          <p:cNvPr id="31" name="直接箭头连接符 30">
+            <a:extLst>
+              <a:ext uri="{FF2B5EF4-FFF2-40B4-BE49-F238E27FC236}">
+                <a16:creationId xmlns:a16="http://schemas.microsoft.com/office/drawing/2014/main" id="{EFEE5F16-4586-4039-AA85-74C7DB4AABAE}"/>
+              </a:ext>
+            </a:extLst>
+          </p:cNvPr>
+          <p:cNvCxnSpPr>
+            <a:cxnSpLocks/>
+            <a:endCxn id="21" idx="2"/>
+          </p:cNvCxnSpPr>
+          <p:nvPr/>
+        </p:nvCxnSpPr>
+        <p:spPr>
+          <a:xfrm flipH="1" flipV="1">
+            <a:off x="8907503" y="3619006"/>
+            <a:ext cx="166976" cy="235282"/>
+          </a:xfrm>
+          <a:prstGeom prst="straightConnector1">
+            <a:avLst/>
+          </a:prstGeom>
+          <a:ln>
+            <a:tailEnd type="triangle"/>
+          </a:ln>
+        </p:spPr>
+        <p:style>
+          <a:lnRef idx="1">
+            <a:schemeClr val="accent1"/>
+          </a:lnRef>
+          <a:fillRef idx="0">
+            <a:schemeClr val="accent1"/>
+          </a:fillRef>
+          <a:effectRef idx="0">
+            <a:schemeClr val="accent1"/>
+          </a:effectRef>
+          <a:fontRef idx="minor">
+            <a:schemeClr val="tx1"/>
+          </a:fontRef>
+        </p:style>
+      </p:cxnSp>
+      <p:sp>
+        <p:nvSpPr>
+          <p:cNvPr id="32" name="箭头: 右 31">
+            <a:extLst>
+              <a:ext uri="{FF2B5EF4-FFF2-40B4-BE49-F238E27FC236}">
+                <a16:creationId xmlns:a16="http://schemas.microsoft.com/office/drawing/2014/main" id="{801C80E6-2649-44B9-B49D-32727D1B4DBD}"/>
+              </a:ext>
+            </a:extLst>
+          </p:cNvPr>
+          <p:cNvSpPr/>
+          <p:nvPr/>
+        </p:nvSpPr>
+        <p:spPr>
+          <a:xfrm>
+            <a:off x="3436927" y="3336966"/>
+            <a:ext cx="329538" cy="617517"/>
           </a:xfrm>
           <a:prstGeom prst="rightArrow">
             <a:avLst/>
@@ -8114,16 +8415,16 @@
           <a:lstStyle/>
           <a:p>
             <a:pPr algn="ctr"/>
-            <a:endParaRPr lang="en-US"/>
+            <a:endParaRPr lang="en-US" sz="2400"/>
           </a:p>
         </p:txBody>
       </p:sp>
       <p:sp>
         <p:nvSpPr>
-          <p:cNvPr id="15" name="矩形: 圆角 14">
-            <a:extLst>
-              <a:ext uri="{FF2B5EF4-FFF2-40B4-BE49-F238E27FC236}">
-                <a16:creationId xmlns:a16="http://schemas.microsoft.com/office/drawing/2014/main" id="{A59199A4-1627-413F-9C4C-A485D3496999}"/>
+          <p:cNvPr id="33" name="箭头: 右 32">
+            <a:extLst>
+              <a:ext uri="{FF2B5EF4-FFF2-40B4-BE49-F238E27FC236}">
+                <a16:creationId xmlns:a16="http://schemas.microsoft.com/office/drawing/2014/main" id="{01CE90F3-2467-47F8-891E-E30AEDBA5227}"/>
               </a:ext>
             </a:extLst>
           </p:cNvPr>
@@ -8132,217 +8433,8 @@
         </p:nvSpPr>
         <p:spPr>
           <a:xfrm>
-            <a:off x="251364" y="5269676"/>
-            <a:ext cx="3304311" cy="816429"/>
-          </a:xfrm>
-          <a:prstGeom prst="roundRect">
-            <a:avLst/>
-          </a:prstGeom>
-        </p:spPr>
-        <p:style>
-          <a:lnRef idx="2">
-            <a:schemeClr val="accent1"/>
-          </a:lnRef>
-          <a:fillRef idx="1">
-            <a:schemeClr val="lt1"/>
-          </a:fillRef>
-          <a:effectRef idx="0">
-            <a:schemeClr val="accent1"/>
-          </a:effectRef>
-          <a:fontRef idx="minor">
-            <a:schemeClr val="dk1"/>
-          </a:fontRef>
-        </p:style>
-        <p:txBody>
-          <a:bodyPr rtlCol="0" anchor="ctr"/>
-          <a:lstStyle/>
-          <a:p>
-            <a:pPr algn="ctr"/>
-            <a:r>
-              <a:rPr lang="en-US" dirty="0"/>
-              <a:t>P</a:t>
-            </a:r>
-            <a:r>
-              <a:rPr lang="en-US" altLang="zh-CN" dirty="0"/>
-              <a:t>hotoshop </a:t>
-            </a:r>
-          </a:p>
-          <a:p>
-            <a:pPr algn="ctr"/>
-            <a:r>
-              <a:rPr lang="en-US" dirty="0"/>
-              <a:t>Maya/3D max</a:t>
-            </a:r>
-          </a:p>
-        </p:txBody>
-      </p:sp>
-      <p:sp>
-        <p:nvSpPr>
-          <p:cNvPr id="17" name="矩形: 圆角 16">
-            <a:extLst>
-              <a:ext uri="{FF2B5EF4-FFF2-40B4-BE49-F238E27FC236}">
-                <a16:creationId xmlns:a16="http://schemas.microsoft.com/office/drawing/2014/main" id="{FAAD77A9-7234-48CC-B3D1-19DA40CE3A01}"/>
-              </a:ext>
-            </a:extLst>
-          </p:cNvPr>
-          <p:cNvSpPr/>
-          <p:nvPr/>
-        </p:nvSpPr>
-        <p:spPr>
-          <a:xfrm>
-            <a:off x="6095999" y="5269675"/>
-            <a:ext cx="4081153" cy="816429"/>
-          </a:xfrm>
-          <a:prstGeom prst="roundRect">
-            <a:avLst/>
-          </a:prstGeom>
-        </p:spPr>
-        <p:style>
-          <a:lnRef idx="2">
-            <a:schemeClr val="accent1"/>
-          </a:lnRef>
-          <a:fillRef idx="1">
-            <a:schemeClr val="lt1"/>
-          </a:fillRef>
-          <a:effectRef idx="0">
-            <a:schemeClr val="accent1"/>
-          </a:effectRef>
-          <a:fontRef idx="minor">
-            <a:schemeClr val="dk1"/>
-          </a:fontRef>
-        </p:style>
-        <p:txBody>
-          <a:bodyPr rtlCol="0" anchor="ctr"/>
-          <a:lstStyle/>
-          <a:p>
-            <a:pPr algn="ctr"/>
-            <a:r>
-              <a:rPr lang="en-US" dirty="0"/>
-              <a:t>Unity 3D</a:t>
-            </a:r>
-          </a:p>
-        </p:txBody>
-      </p:sp>
-      <p:sp>
-        <p:nvSpPr>
-          <p:cNvPr id="18" name="矩形: 圆角 17">
-            <a:extLst>
-              <a:ext uri="{FF2B5EF4-FFF2-40B4-BE49-F238E27FC236}">
-                <a16:creationId xmlns:a16="http://schemas.microsoft.com/office/drawing/2014/main" id="{A4DC0078-5D78-44E0-914F-918150EECAC5}"/>
-              </a:ext>
-            </a:extLst>
-          </p:cNvPr>
-          <p:cNvSpPr/>
-          <p:nvPr/>
-        </p:nvSpPr>
-        <p:spPr>
-          <a:xfrm>
-            <a:off x="10640291" y="2291939"/>
-            <a:ext cx="1202377" cy="2707574"/>
-          </a:xfrm>
-          <a:prstGeom prst="roundRect">
-            <a:avLst/>
-          </a:prstGeom>
-        </p:spPr>
-        <p:style>
-          <a:lnRef idx="2">
-            <a:schemeClr val="accent1"/>
-          </a:lnRef>
-          <a:fillRef idx="1">
-            <a:schemeClr val="lt1"/>
-          </a:fillRef>
-          <a:effectRef idx="0">
-            <a:schemeClr val="accent1"/>
-          </a:effectRef>
-          <a:fontRef idx="minor">
-            <a:schemeClr val="dk1"/>
-          </a:fontRef>
-        </p:style>
-        <p:txBody>
-          <a:bodyPr rtlCol="0" anchor="ctr"/>
-          <a:lstStyle/>
-          <a:p>
-            <a:pPr algn="ctr"/>
-            <a:r>
-              <a:rPr lang="en-US" dirty="0"/>
-              <a:t>AR </a:t>
-            </a:r>
-            <a:r>
-              <a:rPr lang="en-US" altLang="zh-CN" dirty="0"/>
-              <a:t>display</a:t>
-            </a:r>
-            <a:endParaRPr lang="en-US" dirty="0"/>
-          </a:p>
-        </p:txBody>
-      </p:sp>
-      <p:sp>
-        <p:nvSpPr>
-          <p:cNvPr id="19" name="矩形: 圆角 18">
-            <a:extLst>
-              <a:ext uri="{FF2B5EF4-FFF2-40B4-BE49-F238E27FC236}">
-                <a16:creationId xmlns:a16="http://schemas.microsoft.com/office/drawing/2014/main" id="{9B5128DF-12EE-4483-8B23-186DFC143258}"/>
-              </a:ext>
-            </a:extLst>
-          </p:cNvPr>
-          <p:cNvSpPr/>
-          <p:nvPr/>
-        </p:nvSpPr>
-        <p:spPr>
-          <a:xfrm>
-            <a:off x="10640291" y="5271903"/>
-            <a:ext cx="1202377" cy="816429"/>
-          </a:xfrm>
-          <a:prstGeom prst="roundRect">
-            <a:avLst/>
-          </a:prstGeom>
-        </p:spPr>
-        <p:style>
-          <a:lnRef idx="2">
-            <a:schemeClr val="accent1"/>
-          </a:lnRef>
-          <a:fillRef idx="1">
-            <a:schemeClr val="lt1"/>
-          </a:fillRef>
-          <a:effectRef idx="0">
-            <a:schemeClr val="accent1"/>
-          </a:effectRef>
-          <a:fontRef idx="minor">
-            <a:schemeClr val="dk1"/>
-          </a:fontRef>
-        </p:style>
-        <p:txBody>
-          <a:bodyPr rtlCol="0" anchor="ctr"/>
-          <a:lstStyle/>
-          <a:p>
-            <a:pPr algn="ctr"/>
-            <a:r>
-              <a:rPr lang="en-US" dirty="0"/>
-              <a:t>M</a:t>
-            </a:r>
-            <a:r>
-              <a:rPr lang="en-US" altLang="zh-CN" dirty="0"/>
-              <a:t>obile Devices</a:t>
-            </a:r>
-            <a:endParaRPr lang="en-US" dirty="0"/>
-          </a:p>
-        </p:txBody>
-      </p:sp>
-      <p:sp>
-        <p:nvSpPr>
-          <p:cNvPr id="20" name="箭头: 右 19">
-            <a:extLst>
-              <a:ext uri="{FF2B5EF4-FFF2-40B4-BE49-F238E27FC236}">
-                <a16:creationId xmlns:a16="http://schemas.microsoft.com/office/drawing/2014/main" id="{DE78A70B-7676-4A73-9270-76577CFBA6B8}"/>
-              </a:ext>
-            </a:extLst>
-          </p:cNvPr>
-          <p:cNvSpPr/>
-          <p:nvPr/>
-        </p:nvSpPr>
-        <p:spPr>
-          <a:xfrm>
-            <a:off x="5632622" y="3138055"/>
-            <a:ext cx="469072" cy="938150"/>
+            <a:off x="5475030" y="3336965"/>
+            <a:ext cx="329538" cy="617517"/>
           </a:xfrm>
           <a:prstGeom prst="rightArrow">
             <a:avLst/>
@@ -8369,16 +8461,16 @@
           <a:lstStyle/>
           <a:p>
             <a:pPr algn="ctr"/>
-            <a:endParaRPr lang="en-US"/>
+            <a:endParaRPr lang="en-US" sz="2400"/>
           </a:p>
         </p:txBody>
       </p:sp>
       <p:sp>
         <p:nvSpPr>
-          <p:cNvPr id="21" name="矩形 20">
-            <a:extLst>
-              <a:ext uri="{FF2B5EF4-FFF2-40B4-BE49-F238E27FC236}">
-                <a16:creationId xmlns:a16="http://schemas.microsoft.com/office/drawing/2014/main" id="{824ABD0B-93A4-45CE-9FD3-E0480EB8C706}"/>
+          <p:cNvPr id="41" name="箭头: 右 40">
+            <a:extLst>
+              <a:ext uri="{FF2B5EF4-FFF2-40B4-BE49-F238E27FC236}">
+                <a16:creationId xmlns:a16="http://schemas.microsoft.com/office/drawing/2014/main" id="{085E20EB-70FA-446C-A3A6-E144C1E68106}"/>
               </a:ext>
             </a:extLst>
           </p:cNvPr>
@@ -8387,138 +8479,8 @@
         </p:nvSpPr>
         <p:spPr>
           <a:xfrm>
-            <a:off x="8256316" y="2490850"/>
-            <a:ext cx="1655619" cy="807522"/>
-          </a:xfrm>
-          <a:prstGeom prst="rect">
-            <a:avLst/>
-          </a:prstGeom>
-        </p:spPr>
-        <p:style>
-          <a:lnRef idx="2">
-            <a:schemeClr val="dk1"/>
-          </a:lnRef>
-          <a:fillRef idx="1">
-            <a:schemeClr val="lt1"/>
-          </a:fillRef>
-          <a:effectRef idx="0">
-            <a:schemeClr val="dk1"/>
-          </a:effectRef>
-          <a:fontRef idx="minor">
-            <a:schemeClr val="dk1"/>
-          </a:fontRef>
-        </p:style>
-        <p:txBody>
-          <a:bodyPr rtlCol="0" anchor="ctr"/>
-          <a:lstStyle/>
-          <a:p>
-            <a:pPr algn="ctr"/>
-            <a:r>
-              <a:rPr lang="en-US" dirty="0"/>
-              <a:t>Attach the captured map to the model</a:t>
-            </a:r>
-          </a:p>
-        </p:txBody>
-      </p:sp>
-      <p:cxnSp>
-        <p:nvCxnSpPr>
-          <p:cNvPr id="23" name="直接箭头连接符 22">
-            <a:extLst>
-              <a:ext uri="{FF2B5EF4-FFF2-40B4-BE49-F238E27FC236}">
-                <a16:creationId xmlns:a16="http://schemas.microsoft.com/office/drawing/2014/main" id="{ECC7F993-EAC4-4FB1-A5A4-8E2A8E721611}"/>
-              </a:ext>
-            </a:extLst>
-          </p:cNvPr>
-          <p:cNvCxnSpPr>
-            <a:cxnSpLocks/>
-            <a:stCxn id="8" idx="2"/>
-          </p:cNvCxnSpPr>
-          <p:nvPr/>
-        </p:nvCxnSpPr>
-        <p:spPr>
-          <a:xfrm flipH="1">
-            <a:off x="7061606" y="3298372"/>
-            <a:ext cx="24503" cy="644237"/>
-          </a:xfrm>
-          <a:prstGeom prst="straightConnector1">
-            <a:avLst/>
-          </a:prstGeom>
-          <a:ln>
-            <a:tailEnd type="triangle"/>
-          </a:ln>
-        </p:spPr>
-        <p:style>
-          <a:lnRef idx="1">
-            <a:schemeClr val="accent1"/>
-          </a:lnRef>
-          <a:fillRef idx="0">
-            <a:schemeClr val="accent1"/>
-          </a:fillRef>
-          <a:effectRef idx="0">
-            <a:schemeClr val="accent1"/>
-          </a:effectRef>
-          <a:fontRef idx="minor">
-            <a:schemeClr val="tx1"/>
-          </a:fontRef>
-        </p:style>
-      </p:cxnSp>
-      <p:cxnSp>
-        <p:nvCxnSpPr>
-          <p:cNvPr id="25" name="直接箭头连接符 24">
-            <a:extLst>
-              <a:ext uri="{FF2B5EF4-FFF2-40B4-BE49-F238E27FC236}">
-                <a16:creationId xmlns:a16="http://schemas.microsoft.com/office/drawing/2014/main" id="{BFDA9FA3-B853-452A-8370-F4F9DD296F0D}"/>
-              </a:ext>
-            </a:extLst>
-          </p:cNvPr>
-          <p:cNvCxnSpPr>
-            <a:cxnSpLocks/>
-          </p:cNvCxnSpPr>
-          <p:nvPr/>
-        </p:nvCxnSpPr>
-        <p:spPr>
-          <a:xfrm>
-            <a:off x="7791701" y="4391644"/>
-            <a:ext cx="454968" cy="0"/>
-          </a:xfrm>
-          <a:prstGeom prst="straightConnector1">
-            <a:avLst/>
-          </a:prstGeom>
-          <a:ln>
-            <a:tailEnd type="triangle"/>
-          </a:ln>
-        </p:spPr>
-        <p:style>
-          <a:lnRef idx="1">
-            <a:schemeClr val="accent1"/>
-          </a:lnRef>
-          <a:fillRef idx="0">
-            <a:schemeClr val="accent1"/>
-          </a:fillRef>
-          <a:effectRef idx="0">
-            <a:schemeClr val="accent1"/>
-          </a:effectRef>
-          <a:fontRef idx="minor">
-            <a:schemeClr val="tx1"/>
-          </a:fontRef>
-        </p:style>
-      </p:cxnSp>
-      <p:sp>
-        <p:nvSpPr>
-          <p:cNvPr id="26" name="箭头: 右 25">
-            <a:extLst>
-              <a:ext uri="{FF2B5EF4-FFF2-40B4-BE49-F238E27FC236}">
-                <a16:creationId xmlns:a16="http://schemas.microsoft.com/office/drawing/2014/main" id="{77C1C87E-4BA4-4833-A7BE-DC1D7A65AC01}"/>
-              </a:ext>
-            </a:extLst>
-          </p:cNvPr>
-          <p:cNvSpPr/>
-          <p:nvPr/>
-        </p:nvSpPr>
-        <p:spPr>
-          <a:xfrm>
-            <a:off x="10190761" y="3138055"/>
-            <a:ext cx="469072" cy="938150"/>
+            <a:off x="10186555" y="3336964"/>
+            <a:ext cx="329538" cy="617517"/>
           </a:xfrm>
           <a:prstGeom prst="rightArrow">
             <a:avLst/>
@@ -8545,99 +8507,10 @@
           <a:lstStyle/>
           <a:p>
             <a:pPr algn="ctr"/>
-            <a:endParaRPr lang="en-US"/>
+            <a:endParaRPr lang="en-US" sz="2400"/>
           </a:p>
         </p:txBody>
       </p:sp>
-      <p:sp>
-        <p:nvSpPr>
-          <p:cNvPr id="27" name="矩形 26">
-            <a:extLst>
-              <a:ext uri="{FF2B5EF4-FFF2-40B4-BE49-F238E27FC236}">
-                <a16:creationId xmlns:a16="http://schemas.microsoft.com/office/drawing/2014/main" id="{5F329189-1E44-4034-9B6E-2A7AC8F07B4F}"/>
-              </a:ext>
-            </a:extLst>
-          </p:cNvPr>
-          <p:cNvSpPr/>
-          <p:nvPr/>
-        </p:nvSpPr>
-        <p:spPr>
-          <a:xfrm>
-            <a:off x="6349838" y="3942609"/>
-            <a:ext cx="1496291" cy="807522"/>
-          </a:xfrm>
-          <a:prstGeom prst="rect">
-            <a:avLst/>
-          </a:prstGeom>
-        </p:spPr>
-        <p:style>
-          <a:lnRef idx="2">
-            <a:schemeClr val="dk1"/>
-          </a:lnRef>
-          <a:fillRef idx="1">
-            <a:schemeClr val="lt1"/>
-          </a:fillRef>
-          <a:effectRef idx="0">
-            <a:schemeClr val="dk1"/>
-          </a:effectRef>
-          <a:fontRef idx="minor">
-            <a:schemeClr val="dk1"/>
-          </a:fontRef>
-        </p:style>
-        <p:txBody>
-          <a:bodyPr rtlCol="0" anchor="ctr"/>
-          <a:lstStyle/>
-          <a:p>
-            <a:pPr algn="ctr"/>
-            <a:r>
-              <a:rPr lang="en-US" dirty="0"/>
-              <a:t>Mapping coordinates</a:t>
-            </a:r>
-          </a:p>
-        </p:txBody>
-      </p:sp>
-      <p:cxnSp>
-        <p:nvCxnSpPr>
-          <p:cNvPr id="31" name="直接箭头连接符 30">
-            <a:extLst>
-              <a:ext uri="{FF2B5EF4-FFF2-40B4-BE49-F238E27FC236}">
-                <a16:creationId xmlns:a16="http://schemas.microsoft.com/office/drawing/2014/main" id="{EFEE5F16-4586-4039-AA85-74C7DB4AABAE}"/>
-              </a:ext>
-            </a:extLst>
-          </p:cNvPr>
-          <p:cNvCxnSpPr>
-            <a:cxnSpLocks/>
-            <a:endCxn id="21" idx="2"/>
-          </p:cNvCxnSpPr>
-          <p:nvPr/>
-        </p:nvCxnSpPr>
-        <p:spPr>
-          <a:xfrm flipV="1">
-            <a:off x="9084125" y="3298372"/>
-            <a:ext cx="1" cy="644238"/>
-          </a:xfrm>
-          <a:prstGeom prst="straightConnector1">
-            <a:avLst/>
-          </a:prstGeom>
-          <a:ln>
-            <a:tailEnd type="triangle"/>
-          </a:ln>
-        </p:spPr>
-        <p:style>
-          <a:lnRef idx="1">
-            <a:schemeClr val="accent1"/>
-          </a:lnRef>
-          <a:fillRef idx="0">
-            <a:schemeClr val="accent1"/>
-          </a:fillRef>
-          <a:effectRef idx="0">
-            <a:schemeClr val="accent1"/>
-          </a:effectRef>
-          <a:fontRef idx="minor">
-            <a:schemeClr val="tx1"/>
-          </a:fontRef>
-        </p:style>
-      </p:cxnSp>
     </p:spTree>
     <p:extLst>
       <p:ext uri="{BB962C8B-B14F-4D97-AF65-F5344CB8AC3E}">
@@ -9625,7 +9498,7 @@
         </p:nvSpPr>
         <p:spPr>
           <a:xfrm>
-            <a:off x="4911185" y="2073319"/>
+            <a:off x="5136816" y="1995290"/>
             <a:ext cx="2128649" cy="2616529"/>
           </a:xfrm>
           <a:prstGeom prst="rect">
@@ -9652,7 +9525,7 @@
           <a:p>
             <a:pPr algn="ctr"/>
             <a:r>
-              <a:rPr lang="en-US" sz="2400" dirty="0"/>
+              <a:rPr lang="en-US" sz="2800" dirty="0"/>
               <a:t>Educational Applications’ Evaluation</a:t>
             </a:r>
           </a:p>
@@ -9672,7 +9545,7 @@
         </p:nvSpPr>
         <p:spPr>
           <a:xfrm>
-            <a:off x="343399" y="1995290"/>
+            <a:off x="930841" y="1995290"/>
             <a:ext cx="1089560" cy="1014391"/>
           </a:xfrm>
           <a:prstGeom prst="rect">
@@ -9699,7 +9572,7 @@
           <a:p>
             <a:pPr algn="ctr"/>
             <a:r>
-              <a:rPr lang="en-US" sz="2400" dirty="0"/>
+              <a:rPr lang="en-US" sz="2800" dirty="0"/>
               <a:t>VR </a:t>
             </a:r>
           </a:p>
@@ -9746,13 +9619,9 @@
           <a:p>
             <a:pPr algn="ctr"/>
             <a:r>
-              <a:rPr lang="en-US" sz="2400" dirty="0"/>
+              <a:rPr lang="en-US" sz="2800" dirty="0"/>
               <a:t>Development and Evaluation of Mixed Reality Educational Applications</a:t>
             </a:r>
-          </a:p>
-          <a:p>
-            <a:pPr algn="ctr"/>
-            <a:endParaRPr lang="en-US" sz="2400" dirty="0"/>
           </a:p>
         </p:txBody>
       </p:sp>
@@ -9770,7 +9639,7 @@
         </p:nvSpPr>
         <p:spPr>
           <a:xfrm>
-            <a:off x="343399" y="3683374"/>
+            <a:off x="930841" y="3628418"/>
             <a:ext cx="1089560" cy="1014391"/>
           </a:xfrm>
           <a:prstGeom prst="rect">
@@ -9797,7 +9666,7 @@
           <a:p>
             <a:pPr algn="ctr"/>
             <a:r>
-              <a:rPr lang="en-US" sz="2400" dirty="0"/>
+              <a:rPr lang="en-US" sz="2800" dirty="0"/>
               <a:t>AR</a:t>
             </a:r>
           </a:p>
@@ -9817,8 +9686,8 @@
         </p:nvSpPr>
         <p:spPr>
           <a:xfrm>
-            <a:off x="2247893" y="1448790"/>
-            <a:ext cx="1822860" cy="802335"/>
+            <a:off x="2497274" y="1384639"/>
+            <a:ext cx="2266697" cy="802335"/>
           </a:xfrm>
           <a:prstGeom prst="rect">
             <a:avLst/>
@@ -9844,15 +9713,15 @@
           <a:p>
             <a:pPr algn="ctr"/>
             <a:r>
-              <a:rPr lang="en-US" sz="2400" dirty="0"/>
+              <a:rPr lang="en-US" sz="2800" dirty="0"/>
               <a:t>VR A</a:t>
             </a:r>
             <a:r>
-              <a:rPr lang="en-US" altLang="zh-CN" sz="2400" dirty="0"/>
+              <a:rPr lang="en-US" altLang="zh-CN" sz="2800" dirty="0"/>
               <a:t>rt E</a:t>
             </a:r>
             <a:r>
-              <a:rPr lang="en-US" sz="2400" dirty="0"/>
+              <a:rPr lang="en-US" sz="2800" dirty="0"/>
               <a:t>xhibition  </a:t>
             </a:r>
           </a:p>
@@ -9872,8 +9741,8 @@
         </p:nvSpPr>
         <p:spPr>
           <a:xfrm>
-            <a:off x="2247896" y="4429786"/>
-            <a:ext cx="1822857" cy="867110"/>
+            <a:off x="2497278" y="4292126"/>
+            <a:ext cx="2266693" cy="867110"/>
           </a:xfrm>
           <a:prstGeom prst="rect">
             <a:avLst/>
@@ -9899,15 +9768,15 @@
           <a:p>
             <a:pPr algn="ctr"/>
             <a:r>
-              <a:rPr lang="en-US" sz="2400" dirty="0"/>
+              <a:rPr lang="en-US" sz="2800" dirty="0"/>
               <a:t>3D Color</a:t>
             </a:r>
             <a:r>
-              <a:rPr lang="en-US" altLang="zh-CN" sz="2400" dirty="0"/>
+              <a:rPr lang="en-US" altLang="zh-CN" sz="2800" dirty="0"/>
               <a:t>ing G</a:t>
             </a:r>
             <a:r>
-              <a:rPr lang="en-US" sz="2400" dirty="0"/>
+              <a:rPr lang="en-US" sz="2800" dirty="0"/>
               <a:t>ame</a:t>
             </a:r>
           </a:p>
@@ -9927,8 +9796,8 @@
         </p:nvSpPr>
         <p:spPr>
           <a:xfrm>
-            <a:off x="1432959" y="2157578"/>
-            <a:ext cx="6447307" cy="641741"/>
+            <a:off x="2020401" y="2289435"/>
+            <a:ext cx="5859860" cy="465771"/>
           </a:xfrm>
           <a:prstGeom prst="rightArrow">
             <a:avLst/>
@@ -9953,7 +9822,7 @@
           <a:lstStyle/>
           <a:p>
             <a:pPr algn="ctr"/>
-            <a:endParaRPr lang="en-US" sz="2400" dirty="0"/>
+            <a:endParaRPr lang="en-US" sz="2800" dirty="0"/>
           </a:p>
         </p:txBody>
       </p:sp>
@@ -9971,8 +9840,8 @@
         </p:nvSpPr>
         <p:spPr>
           <a:xfrm>
-            <a:off x="1432959" y="3832418"/>
-            <a:ext cx="6447307" cy="641741"/>
+            <a:off x="2020399" y="3937730"/>
+            <a:ext cx="5859861" cy="395769"/>
           </a:xfrm>
           <a:prstGeom prst="rightArrow">
             <a:avLst/>
@@ -9997,7 +9866,7 @@
           <a:lstStyle/>
           <a:p>
             <a:pPr algn="ctr"/>
-            <a:endParaRPr lang="en-US" sz="2400"/>
+            <a:endParaRPr lang="en-US" sz="2800"/>
           </a:p>
         </p:txBody>
       </p:sp>
@@ -10015,8 +9884,8 @@
         </p:nvSpPr>
         <p:spPr>
           <a:xfrm>
-            <a:off x="2247895" y="2892866"/>
-            <a:ext cx="1848351" cy="977602"/>
+            <a:off x="2497277" y="2805472"/>
+            <a:ext cx="2266694" cy="977602"/>
           </a:xfrm>
           <a:prstGeom prst="rect">
             <a:avLst/>
@@ -10042,7 +9911,7 @@
           <a:p>
             <a:pPr algn="ctr"/>
             <a:r>
-              <a:rPr lang="en-US" sz="2400" dirty="0"/>
+              <a:rPr lang="en-US" sz="2800" dirty="0"/>
               <a:t>MR(AR &amp; VR) Chemistry Lab </a:t>
             </a:r>
           </a:p>
@@ -10718,14 +10587,14 @@
             <p:ph idx="1"/>
             <p:extLst>
               <p:ext uri="{D42A27DB-BD31-4B8C-83A1-F6EECF244321}">
-                <p14:modId xmlns:p14="http://schemas.microsoft.com/office/powerpoint/2010/main" val="2715588814"/>
+                <p14:modId xmlns:p14="http://schemas.microsoft.com/office/powerpoint/2010/main" val="1359006352"/>
               </p:ext>
             </p:extLst>
           </p:nvPr>
         </p:nvGraphicFramePr>
         <p:xfrm>
-          <a:off x="319952" y="558137"/>
-          <a:ext cx="11552096" cy="5611740"/>
+          <a:off x="319952" y="495887"/>
+          <a:ext cx="11552096" cy="5518947"/>
         </p:xfrm>
         <a:graphic>
           <a:graphicData uri="http://schemas.openxmlformats.org/drawingml/2006/table">
@@ -10734,42 +10603,42 @@
                 <a:tableStyleId>{5940675A-B579-460E-94D1-54222C63F5DA}</a:tableStyleId>
               </a:tblPr>
               <a:tblGrid>
-                <a:gridCol w="1612449">
+                <a:gridCol w="1200090">
                   <a:extLst>
                     <a:ext uri="{9D8B030D-6E8A-4147-A177-3AD203B41FA5}">
                       <a16:colId xmlns:a16="http://schemas.microsoft.com/office/drawing/2014/main" val="3557805364"/>
                     </a:ext>
                   </a:extLst>
                 </a:gridCol>
-                <a:gridCol w="1377537">
+                <a:gridCol w="1270659">
                   <a:extLst>
                     <a:ext uri="{9D8B030D-6E8A-4147-A177-3AD203B41FA5}">
                       <a16:colId xmlns:a16="http://schemas.microsoft.com/office/drawing/2014/main" val="3524856799"/>
                     </a:ext>
                   </a:extLst>
                 </a:gridCol>
-                <a:gridCol w="570016">
+                <a:gridCol w="475013">
                   <a:extLst>
                     <a:ext uri="{9D8B030D-6E8A-4147-A177-3AD203B41FA5}">
                       <a16:colId xmlns:a16="http://schemas.microsoft.com/office/drawing/2014/main" val="1805124618"/>
                     </a:ext>
                   </a:extLst>
                 </a:gridCol>
-                <a:gridCol w="3372592">
+                <a:gridCol w="3265715">
                   <a:extLst>
                     <a:ext uri="{9D8B030D-6E8A-4147-A177-3AD203B41FA5}">
                       <a16:colId xmlns:a16="http://schemas.microsoft.com/office/drawing/2014/main" val="1387593033"/>
                     </a:ext>
                   </a:extLst>
                 </a:gridCol>
-                <a:gridCol w="1745673">
+                <a:gridCol w="1816924">
                   <a:extLst>
                     <a:ext uri="{9D8B030D-6E8A-4147-A177-3AD203B41FA5}">
                       <a16:colId xmlns:a16="http://schemas.microsoft.com/office/drawing/2014/main" val="776739422"/>
                     </a:ext>
                   </a:extLst>
                 </a:gridCol>
-                <a:gridCol w="2873829">
+                <a:gridCol w="3523695">
                   <a:extLst>
                     <a:ext uri="{9D8B030D-6E8A-4147-A177-3AD203B41FA5}">
                       <a16:colId xmlns:a16="http://schemas.microsoft.com/office/drawing/2014/main" val="1361186130"/>
@@ -10987,7 +10856,7 @@
                           <a:latin typeface="Times New Roman" panose="02020603050405020304" pitchFamily="18" charset="0"/>
                           <a:cs typeface="Times New Roman" panose="02020603050405020304" pitchFamily="18" charset="0"/>
                         </a:rPr>
-                        <a:t>Alvaro &amp; Babette []</a:t>
+                        <a:t>Alvaro &amp; Babette </a:t>
                       </a:r>
                       <a:endParaRPr lang="en-US" sz="1800" dirty="0">
                         <a:effectLst/>
@@ -11248,7 +11117,7 @@
                     <a:bodyPr/>
                     <a:lstStyle/>
                     <a:p>
-                      <a:pPr marL="0" marR="0" lvl="0" indent="0" algn="ctr" defTabSz="914400" rtl="0" eaLnBrk="1" fontAlgn="auto" latinLnBrk="0" hangingPunct="1">
+                      <a:pPr marL="0" marR="0" lvl="0" indent="0" algn="just" defTabSz="914400" rtl="0" eaLnBrk="1" fontAlgn="auto" latinLnBrk="0" hangingPunct="1">
                         <a:lnSpc>
                           <a:spcPct val="107000"/>
                         </a:lnSpc>
@@ -12000,7 +11869,7 @@
                           <a:ea typeface="+mn-ea"/>
                           <a:cs typeface="Times New Roman" panose="02020603050405020304" pitchFamily="18" charset="0"/>
                         </a:rPr>
-                        <a:t>British Teacher Evaluation Education Media Organization []</a:t>
+                        <a:t>British Teacher Evaluation Education Media Organization </a:t>
                       </a:r>
                     </a:p>
                   </a:txBody>
@@ -12163,7 +12032,7 @@
                     <a:bodyPr/>
                     <a:lstStyle/>
                     <a:p>
-                      <a:pPr marL="0" marR="0" lvl="0" indent="0" algn="ctr" defTabSz="914400" rtl="0" eaLnBrk="1" fontAlgn="auto" latinLnBrk="0" hangingPunct="1">
+                      <a:pPr marL="0" marR="0" lvl="0" indent="0" algn="just" defTabSz="914400" rtl="0" eaLnBrk="1" fontAlgn="auto" latinLnBrk="0" hangingPunct="1">
                         <a:lnSpc>
                           <a:spcPct val="107000"/>
                         </a:lnSpc>
@@ -12190,7 +12059,7 @@
                           <a:ea typeface="+mn-ea"/>
                           <a:cs typeface="Times New Roman" panose="02020603050405020304" pitchFamily="18" charset="0"/>
                         </a:rPr>
-                        <a:t>There are a total of 37 questions, each of which must be enlarged with a complete sentence. This evaluation is more rigorous. Focuses on teachers’ teaching applications and is a qualitative assessment</a:t>
+                        <a:t>The six dimensions altogether set up 37 questions and each question must be answered by complete sentences. Such evaluation is more rigorous and meticulous. In view of its focus on teachers’ teaching application, it belongs to qualitative evaluation</a:t>
                       </a:r>
                     </a:p>
                   </a:txBody>
@@ -13177,14 +13046,14 @@
             <p:ph idx="1"/>
             <p:extLst>
               <p:ext uri="{D42A27DB-BD31-4B8C-83A1-F6EECF244321}">
-                <p14:modId xmlns:p14="http://schemas.microsoft.com/office/powerpoint/2010/main" val="2585127409"/>
+                <p14:modId xmlns:p14="http://schemas.microsoft.com/office/powerpoint/2010/main" val="3501508305"/>
               </p:ext>
             </p:extLst>
           </p:nvPr>
         </p:nvGraphicFramePr>
         <p:xfrm>
           <a:off x="204476" y="154378"/>
-          <a:ext cx="11552096" cy="6383784"/>
+          <a:ext cx="11552096" cy="6267050"/>
         </p:xfrm>
         <a:graphic>
           <a:graphicData uri="http://schemas.openxmlformats.org/drawingml/2006/table">
@@ -13193,42 +13062,42 @@
                 <a:tableStyleId>{5940675A-B579-460E-94D1-54222C63F5DA}</a:tableStyleId>
               </a:tblPr>
               <a:tblGrid>
-                <a:gridCol w="1612449">
+                <a:gridCol w="1208688">
                   <a:extLst>
                     <a:ext uri="{9D8B030D-6E8A-4147-A177-3AD203B41FA5}">
                       <a16:colId xmlns:a16="http://schemas.microsoft.com/office/drawing/2014/main" val="3557805364"/>
                     </a:ext>
                   </a:extLst>
                 </a:gridCol>
-                <a:gridCol w="1377537">
+                <a:gridCol w="1270659">
                   <a:extLst>
                     <a:ext uri="{9D8B030D-6E8A-4147-A177-3AD203B41FA5}">
                       <a16:colId xmlns:a16="http://schemas.microsoft.com/office/drawing/2014/main" val="3524856799"/>
                     </a:ext>
                   </a:extLst>
                 </a:gridCol>
-                <a:gridCol w="570016">
+                <a:gridCol w="463138">
                   <a:extLst>
                     <a:ext uri="{9D8B030D-6E8A-4147-A177-3AD203B41FA5}">
                       <a16:colId xmlns:a16="http://schemas.microsoft.com/office/drawing/2014/main" val="1805124618"/>
                     </a:ext>
                   </a:extLst>
                 </a:gridCol>
-                <a:gridCol w="3372592">
+                <a:gridCol w="3289465">
                   <a:extLst>
                     <a:ext uri="{9D8B030D-6E8A-4147-A177-3AD203B41FA5}">
                       <a16:colId xmlns:a16="http://schemas.microsoft.com/office/drawing/2014/main" val="1387593033"/>
                     </a:ext>
                   </a:extLst>
                 </a:gridCol>
-                <a:gridCol w="1745673">
+                <a:gridCol w="1816925">
                   <a:extLst>
                     <a:ext uri="{9D8B030D-6E8A-4147-A177-3AD203B41FA5}">
                       <a16:colId xmlns:a16="http://schemas.microsoft.com/office/drawing/2014/main" val="776739422"/>
                     </a:ext>
                   </a:extLst>
                 </a:gridCol>
-                <a:gridCol w="2873829">
+                <a:gridCol w="3503221">
                   <a:extLst>
                     <a:ext uri="{9D8B030D-6E8A-4147-A177-3AD203B41FA5}">
                       <a16:colId xmlns:a16="http://schemas.microsoft.com/office/drawing/2014/main" val="1361186130"/>
@@ -13525,7 +13394,7 @@
                     <a:bodyPr/>
                     <a:lstStyle/>
                     <a:p>
-                      <a:pPr marL="0" marR="0" algn="ctr" defTabSz="914400" rtl="0" eaLnBrk="1" latinLnBrk="0" hangingPunct="1">
+                      <a:pPr marL="0" marR="0" algn="just" defTabSz="914400" rtl="0" eaLnBrk="1" latinLnBrk="0" hangingPunct="1">
                         <a:lnSpc>
                           <a:spcPct val="107000"/>
                         </a:lnSpc>
@@ -13546,7 +13415,7 @@
                           <a:ea typeface="+mn-ea"/>
                           <a:cs typeface="Times New Roman" panose="02020603050405020304" pitchFamily="18" charset="0"/>
                         </a:rPr>
-                        <a:t>Education (as a specific indicator of the " knowledge" dimension in Gardner's Multiple Intelligences and the 2001 Anderson Educational Target Classification)</a:t>
+                        <a:t>Educational property (taking Gardner multi-intelligence and “knowledge” dimension in 2001 Anderson education goal classification as specific indicators) </a:t>
                       </a:r>
                     </a:p>
                   </a:txBody>
@@ -13657,7 +13526,7 @@
                     <a:bodyPr/>
                     <a:lstStyle/>
                     <a:p>
-                      <a:pPr marL="0" marR="0" lvl="0" indent="0" algn="ctr" defTabSz="914400" rtl="0" eaLnBrk="1" fontAlgn="auto" latinLnBrk="0" hangingPunct="1">
+                      <a:pPr marL="0" marR="0" lvl="0" indent="0" algn="just" defTabSz="914400" rtl="0" eaLnBrk="1" fontAlgn="auto" latinLnBrk="0" hangingPunct="1">
                         <a:lnSpc>
                           <a:spcPct val="107000"/>
                         </a:lnSpc>
@@ -13708,7 +13577,7 @@
                           <a:ea typeface="+mn-ea"/>
                           <a:cs typeface="Times New Roman" panose="02020603050405020304" pitchFamily="18" charset="0"/>
                         </a:rPr>
-                        <a:t> game type classification is not very suitable for the types of games in modern educational games, and it is a qualitative evaluation.</a:t>
+                        <a:t> game type classification is not very suitable for the types of games in modern educational games, and it is a qualitative evaluation</a:t>
                       </a:r>
                     </a:p>
                   </a:txBody>
@@ -13720,7 +13589,7 @@
                   </a:ext>
                 </a:extLst>
               </a:tr>
-              <a:tr h="1447737">
+              <a:tr h="1096751">
                 <a:tc vMerge="1">
                   <a:txBody>
                     <a:bodyPr/>
@@ -13756,7 +13625,7 @@
                     <a:bodyPr/>
                     <a:lstStyle/>
                     <a:p>
-                      <a:pPr marL="0" marR="0" lvl="0" indent="0" algn="ctr" defTabSz="914400" rtl="0" eaLnBrk="1" fontAlgn="auto" latinLnBrk="0" hangingPunct="1">
+                      <a:pPr marL="0" marR="0" lvl="0" indent="0" algn="just" defTabSz="914400" rtl="0" eaLnBrk="1" fontAlgn="auto" latinLnBrk="0" hangingPunct="1">
                         <a:lnSpc>
                           <a:spcPct val="100000"/>
                         </a:lnSpc>
@@ -13783,7 +13652,7 @@
                           <a:ea typeface="+mn-ea"/>
                           <a:cs typeface="Times New Roman" panose="02020603050405020304" pitchFamily="18" charset="0"/>
                         </a:rPr>
-                        <a:t>Gameplay (as a specific indicator of the Battle virtual world player type and </a:t>
+                        <a:t>Game property (taking Battle virtual world player and </a:t>
                       </a:r>
                       <a:r>
                         <a:rPr lang="en-US" sz="1800" kern="1200" dirty="0" err="1">
@@ -13807,27 +13676,8 @@
                           <a:ea typeface="+mn-ea"/>
                           <a:cs typeface="Times New Roman" panose="02020603050405020304" pitchFamily="18" charset="0"/>
                         </a:rPr>
-                        <a:t> game type)</a:t>
+                        <a:t> game category as specific indicators) </a:t>
                       </a:r>
-                    </a:p>
-                    <a:p>
-                      <a:pPr marL="0" marR="0" algn="ctr" defTabSz="914400" rtl="0" eaLnBrk="1" latinLnBrk="0" hangingPunct="1">
-                        <a:spcBef>
-                          <a:spcPts val="0"/>
-                        </a:spcBef>
-                        <a:spcAft>
-                          <a:spcPts val="1200"/>
-                        </a:spcAft>
-                      </a:pPr>
-                      <a:endParaRPr lang="en-US" sz="1800" kern="1200" dirty="0">
-                        <a:solidFill>
-                          <a:schemeClr val="tx1"/>
-                        </a:solidFill>
-                        <a:effectLst/>
-                        <a:latin typeface="Times New Roman" panose="02020603050405020304" pitchFamily="18" charset="0"/>
-                        <a:ea typeface="+mn-ea"/>
-                        <a:cs typeface="Times New Roman" panose="02020603050405020304" pitchFamily="18" charset="0"/>
-                      </a:endParaRPr>
                     </a:p>
                   </a:txBody>
                   <a:tcPr marL="68580" marR="68580" marT="0" marB="0" anchor="ctr" anchorCtr="1"/>
@@ -13917,7 +13767,7 @@
                           <a:ea typeface="+mn-ea"/>
                           <a:cs typeface="Times New Roman" panose="02020603050405020304" pitchFamily="18" charset="0"/>
                         </a:rPr>
-                        <a:t>Wang Wei[37]</a:t>
+                        <a:t>Wang Wei(2009)</a:t>
                       </a:r>
                     </a:p>
                   </a:txBody>
@@ -13955,53 +13805,8 @@
                           <a:ea typeface="+mn-ea"/>
                           <a:cs typeface="Times New Roman" panose="02020603050405020304" pitchFamily="18" charset="0"/>
                         </a:rPr>
-                        <a:t>Multi-intelligence-based electronic game education comprehensive evaluation index system</a:t>
+                        <a:t>Multi-intelligence-based e-game education comprehensive evaluation index system</a:t>
                       </a:r>
-                      <a:r>
-                        <a:rPr lang="zh-CN" altLang="en-US" sz="1800" kern="1200" dirty="0">
-                          <a:solidFill>
-                            <a:schemeClr val="tx1"/>
-                          </a:solidFill>
-                          <a:effectLst/>
-                          <a:latin typeface="Times New Roman" panose="02020603050405020304" pitchFamily="18" charset="0"/>
-                          <a:ea typeface="+mn-ea"/>
-                          <a:cs typeface="Times New Roman" panose="02020603050405020304" pitchFamily="18" charset="0"/>
-                        </a:rPr>
-                        <a:t>（</a:t>
-                      </a:r>
-                      <a:r>
-                        <a:rPr lang="en-US" sz="1800" kern="1200" dirty="0">
-                          <a:solidFill>
-                            <a:schemeClr val="tx1"/>
-                          </a:solidFill>
-                          <a:effectLst/>
-                          <a:latin typeface="Times New Roman" panose="02020603050405020304" pitchFamily="18" charset="0"/>
-                          <a:ea typeface="+mn-ea"/>
-                          <a:cs typeface="Times New Roman" panose="02020603050405020304" pitchFamily="18" charset="0"/>
-                        </a:rPr>
-                        <a:t>2009</a:t>
-                      </a:r>
-                      <a:r>
-                        <a:rPr lang="zh-CN" altLang="en-US" sz="1800" kern="1200" dirty="0">
-                          <a:solidFill>
-                            <a:schemeClr val="tx1"/>
-                          </a:solidFill>
-                          <a:effectLst/>
-                          <a:latin typeface="Times New Roman" panose="02020603050405020304" pitchFamily="18" charset="0"/>
-                          <a:ea typeface="+mn-ea"/>
-                          <a:cs typeface="Times New Roman" panose="02020603050405020304" pitchFamily="18" charset="0"/>
-                        </a:rPr>
-                        <a:t>）</a:t>
-                      </a:r>
-                      <a:endParaRPr lang="en-US" sz="1800" kern="1200" dirty="0">
-                        <a:solidFill>
-                          <a:schemeClr val="tx1"/>
-                        </a:solidFill>
-                        <a:effectLst/>
-                        <a:latin typeface="Times New Roman" panose="02020603050405020304" pitchFamily="18" charset="0"/>
-                        <a:ea typeface="+mn-ea"/>
-                        <a:cs typeface="Times New Roman" panose="02020603050405020304" pitchFamily="18" charset="0"/>
-                      </a:endParaRPr>
                     </a:p>
                   </a:txBody>
                   <a:tcPr marL="68580" marR="68580" marT="0" marB="0" anchor="ctr" anchorCtr="1"/>
@@ -14145,7 +13950,7 @@
                           <a:ea typeface="+mn-ea"/>
                           <a:cs typeface="Times New Roman" panose="02020603050405020304" pitchFamily="18" charset="0"/>
                         </a:rPr>
-                        <a:t>User </a:t>
+                        <a:t>Users </a:t>
                       </a:r>
                     </a:p>
                     <a:p>
@@ -14176,7 +13981,7 @@
                           <a:ea typeface="+mn-ea"/>
                           <a:cs typeface="Times New Roman" panose="02020603050405020304" pitchFamily="18" charset="0"/>
                         </a:rPr>
-                        <a:t>Educational game development company</a:t>
+                        <a:t>Educational game development companies</a:t>
                       </a:r>
                     </a:p>
                   </a:txBody>
@@ -14187,7 +13992,7 @@
                     <a:bodyPr/>
                     <a:lstStyle/>
                     <a:p>
-                      <a:pPr marL="0" marR="0" lvl="0" indent="0" algn="ctr" defTabSz="914400" rtl="0" eaLnBrk="1" fontAlgn="auto" latinLnBrk="0" hangingPunct="1">
+                      <a:pPr marL="0" marR="0" lvl="0" indent="0" algn="just" defTabSz="914400" rtl="0" eaLnBrk="1" fontAlgn="auto" latinLnBrk="0" hangingPunct="1">
                         <a:lnSpc>
                           <a:spcPct val="107000"/>
                         </a:lnSpc>
@@ -14214,7 +14019,7 @@
                           <a:ea typeface="+mn-ea"/>
                           <a:cs typeface="Times New Roman" panose="02020603050405020304" pitchFamily="18" charset="0"/>
                         </a:rPr>
-                        <a:t>11 task boxes, 27 scene indicators and 25 interaction indicators. The indicators are very subtle and have the right to restate, which helps to evaluate the accuracy of the results. It belongs to quantitative evaluation</a:t>
+                        <a:t>11 task boxes, 27 scene indicators and 25 interaction indicators. The classification of indicator is very refined with priority, which helps increase the preciseness of evaluation outcomes. It belongs to quantitative evaluation</a:t>
                       </a:r>
                     </a:p>
                   </a:txBody>
@@ -14680,7 +14485,7 @@
             <p:ph idx="1"/>
             <p:extLst>
               <p:ext uri="{D42A27DB-BD31-4B8C-83A1-F6EECF244321}">
-                <p14:modId xmlns:p14="http://schemas.microsoft.com/office/powerpoint/2010/main" val="2954564717"/>
+                <p14:modId xmlns:p14="http://schemas.microsoft.com/office/powerpoint/2010/main" val="4205061146"/>
               </p:ext>
             </p:extLst>
           </p:nvPr>
@@ -14696,42 +14501,42 @@
                 <a:tableStyleId>{5940675A-B579-460E-94D1-54222C63F5DA}</a:tableStyleId>
               </a:tblPr>
               <a:tblGrid>
-                <a:gridCol w="1612449">
+                <a:gridCol w="1208688">
                   <a:extLst>
                     <a:ext uri="{9D8B030D-6E8A-4147-A177-3AD203B41FA5}">
                       <a16:colId xmlns:a16="http://schemas.microsoft.com/office/drawing/2014/main" val="3557805364"/>
                     </a:ext>
                   </a:extLst>
                 </a:gridCol>
-                <a:gridCol w="1377537">
+                <a:gridCol w="1258784">
                   <a:extLst>
                     <a:ext uri="{9D8B030D-6E8A-4147-A177-3AD203B41FA5}">
                       <a16:colId xmlns:a16="http://schemas.microsoft.com/office/drawing/2014/main" val="3524856799"/>
                     </a:ext>
                   </a:extLst>
                 </a:gridCol>
-                <a:gridCol w="570016">
+                <a:gridCol w="510639">
                   <a:extLst>
                     <a:ext uri="{9D8B030D-6E8A-4147-A177-3AD203B41FA5}">
                       <a16:colId xmlns:a16="http://schemas.microsoft.com/office/drawing/2014/main" val="1805124618"/>
                     </a:ext>
                   </a:extLst>
                 </a:gridCol>
-                <a:gridCol w="3372592">
+                <a:gridCol w="3253839">
                   <a:extLst>
                     <a:ext uri="{9D8B030D-6E8A-4147-A177-3AD203B41FA5}">
                       <a16:colId xmlns:a16="http://schemas.microsoft.com/office/drawing/2014/main" val="1387593033"/>
                     </a:ext>
                   </a:extLst>
                 </a:gridCol>
-                <a:gridCol w="1745673">
+                <a:gridCol w="1805049">
                   <a:extLst>
                     <a:ext uri="{9D8B030D-6E8A-4147-A177-3AD203B41FA5}">
                       <a16:colId xmlns:a16="http://schemas.microsoft.com/office/drawing/2014/main" val="776739422"/>
                     </a:ext>
                   </a:extLst>
                 </a:gridCol>
-                <a:gridCol w="2873829">
+                <a:gridCol w="3515097">
                   <a:extLst>
                     <a:ext uri="{9D8B030D-6E8A-4147-A177-3AD203B41FA5}">
                       <a16:colId xmlns:a16="http://schemas.microsoft.com/office/drawing/2014/main" val="1361186130"/>
@@ -14959,7 +14764,7 @@
                           <a:ea typeface="+mn-ea"/>
                           <a:cs typeface="Times New Roman" panose="02020603050405020304" pitchFamily="18" charset="0"/>
                         </a:rPr>
-                        <a:t>LEONAR D A. ANNET_TA, RICHAR DLAMB &amp;MAR_CUS STONE[]</a:t>
+                        <a:t>LEONAR D A. ANNET_TA, RICHAR DLAMB &amp;MAR_CUS STONE</a:t>
                       </a:r>
                     </a:p>
                   </a:txBody>
@@ -15094,16 +14899,9 @@
                           <a:ea typeface="+mn-ea"/>
                           <a:cs typeface="Times New Roman" panose="02020603050405020304" pitchFamily="18" charset="0"/>
                         </a:rPr>
-                        <a:t>Teachers, game developers, etc.</a:t>
+                        <a:t>Teachers, </a:t>
                       </a:r>
                     </a:p>
-                  </a:txBody>
-                  <a:tcPr marL="68580" marR="68580" marT="0" marB="0" anchor="ctr" anchorCtr="1"/>
-                </a:tc>
-                <a:tc rowSpan="13">
-                  <a:txBody>
-                    <a:bodyPr/>
-                    <a:lstStyle/>
                     <a:p>
                       <a:pPr marL="0" marR="0" lvl="0" indent="0" algn="ctr" defTabSz="914400" rtl="0" eaLnBrk="1" fontAlgn="auto" latinLnBrk="0" hangingPunct="1">
                         <a:lnSpc>
@@ -15132,7 +14930,45 @@
                           <a:ea typeface="+mn-ea"/>
                           <a:cs typeface="Times New Roman" panose="02020603050405020304" pitchFamily="18" charset="0"/>
                         </a:rPr>
-                        <a:t>The integration of education and playability, using Kappa coefficient to test the various factors of the rating scale, improved reliability and validity. Really combine education games with classroom teaching and student’s psychology characteristics to formulate evaluation indicators, and consider the teaching needs of teachers. Each indicator (0 points, 1 point, 2 points...) is a quantitative evaluation</a:t>
+                        <a:t>Game developers, etc.</a:t>
+                      </a:r>
+                    </a:p>
+                  </a:txBody>
+                  <a:tcPr marL="68580" marR="68580" marT="0" marB="0" anchor="ctr" anchorCtr="1"/>
+                </a:tc>
+                <a:tc rowSpan="13">
+                  <a:txBody>
+                    <a:bodyPr/>
+                    <a:lstStyle/>
+                    <a:p>
+                      <a:pPr marL="0" marR="0" lvl="0" indent="0" algn="just" defTabSz="914400" rtl="0" eaLnBrk="1" fontAlgn="auto" latinLnBrk="0" hangingPunct="1">
+                        <a:lnSpc>
+                          <a:spcPct val="107000"/>
+                        </a:lnSpc>
+                        <a:spcBef>
+                          <a:spcPts val="0"/>
+                        </a:spcBef>
+                        <a:spcAft>
+                          <a:spcPts val="1200"/>
+                        </a:spcAft>
+                        <a:buClrTx/>
+                        <a:buSzTx/>
+                        <a:buFontTx/>
+                        <a:buNone/>
+                        <a:tabLst/>
+                        <a:defRPr/>
+                      </a:pPr>
+                      <a:r>
+                        <a:rPr lang="en-US" sz="1800" kern="1200" dirty="0">
+                          <a:solidFill>
+                            <a:schemeClr val="tx1"/>
+                          </a:solidFill>
+                          <a:effectLst/>
+                          <a:latin typeface="Times New Roman" panose="02020603050405020304" pitchFamily="18" charset="0"/>
+                          <a:ea typeface="+mn-ea"/>
+                          <a:cs typeface="Times New Roman" panose="02020603050405020304" pitchFamily="18" charset="0"/>
+                        </a:rPr>
+                        <a:t>It integrates educational property with game property. Kappa coefficient has been used to test every factor in the evaluation scale and accordingly improve reliability and validity. Through authentically combining education game with class teaching and students’ psychological characteristics, it comprehensively reflects teachers’ teaching demands. Every indicator (point 0, 1,2) belongs to quantitative evaluation</a:t>
                       </a:r>
                     </a:p>
                   </a:txBody>
@@ -16440,7 +16276,7 @@
                         </a:spcAft>
                       </a:pPr>
                       <a:r>
-                        <a:rPr lang="en-US" sz="1800" kern="1200" dirty="0">
+                        <a:rPr lang="en-US" sz="1800" kern="1200">
                           <a:solidFill>
                             <a:schemeClr val="tx1"/>
                           </a:solidFill>
@@ -16449,8 +16285,17 @@
                           <a:ea typeface="+mn-ea"/>
                           <a:cs typeface="Times New Roman" panose="02020603050405020304" pitchFamily="18" charset="0"/>
                         </a:rPr>
-                        <a:t>Rule</a:t>
+                        <a:t>Rules</a:t>
                       </a:r>
+                      <a:endParaRPr lang="en-US" sz="1800" kern="1200" dirty="0">
+                        <a:solidFill>
+                          <a:schemeClr val="tx1"/>
+                        </a:solidFill>
+                        <a:effectLst/>
+                        <a:latin typeface="Times New Roman" panose="02020603050405020304" pitchFamily="18" charset="0"/>
+                        <a:ea typeface="+mn-ea"/>
+                        <a:cs typeface="Times New Roman" panose="02020603050405020304" pitchFamily="18" charset="0"/>
+                      </a:endParaRPr>
                     </a:p>
                   </a:txBody>
                   <a:tcPr marL="68580" marR="68580" marT="0" marB="0" anchor="ctr" anchorCtr="1"/>
@@ -17158,6 +17003,2434 @@
                     </a:p>
                   </a:txBody>
                   <a:tcPr marL="68580" marR="68580" marT="0" marB="0" anchor="ctr" anchorCtr="1"/>
+                </a:tc>
+                <a:tc vMerge="1">
+                  <a:txBody>
+                    <a:bodyPr/>
+                    <a:lstStyle/>
+                    <a:p>
+                      <a:pPr marL="0" marR="0" lvl="0" indent="0" algn="ctr" defTabSz="914400" rtl="0" eaLnBrk="1" fontAlgn="auto" latinLnBrk="0" hangingPunct="1">
+                        <a:lnSpc>
+                          <a:spcPct val="107000"/>
+                        </a:lnSpc>
+                        <a:spcBef>
+                          <a:spcPts val="0"/>
+                        </a:spcBef>
+                        <a:spcAft>
+                          <a:spcPts val="0"/>
+                        </a:spcAft>
+                        <a:buClrTx/>
+                        <a:buSzTx/>
+                        <a:buFontTx/>
+                        <a:buNone/>
+                        <a:tabLst/>
+                        <a:defRPr/>
+                      </a:pPr>
+                      <a:endParaRPr lang="en-US" sz="1800" dirty="0">
+                        <a:effectLst/>
+                        <a:latin typeface="Times New Roman" panose="02020603050405020304" pitchFamily="18" charset="0"/>
+                        <a:cs typeface="Times New Roman" panose="02020603050405020304" pitchFamily="18" charset="0"/>
+                      </a:endParaRPr>
+                    </a:p>
+                  </a:txBody>
+                  <a:tcPr marL="68580" marR="68580" marT="0" marB="0" anchor="ctr"/>
+                </a:tc>
+                <a:tc vMerge="1">
+                  <a:txBody>
+                    <a:bodyPr/>
+                    <a:lstStyle/>
+                    <a:p>
+                      <a:pPr marL="0" marR="0" lvl="0" indent="0" algn="ctr" defTabSz="914400" rtl="0" eaLnBrk="1" fontAlgn="auto" latinLnBrk="0" hangingPunct="1">
+                        <a:lnSpc>
+                          <a:spcPct val="107000"/>
+                        </a:lnSpc>
+                        <a:spcBef>
+                          <a:spcPts val="0"/>
+                        </a:spcBef>
+                        <a:spcAft>
+                          <a:spcPts val="0"/>
+                        </a:spcAft>
+                        <a:buClrTx/>
+                        <a:buSzTx/>
+                        <a:buFontTx/>
+                        <a:buNone/>
+                        <a:tabLst/>
+                        <a:defRPr/>
+                      </a:pPr>
+                      <a:endParaRPr lang="en-US" sz="1800" dirty="0">
+                        <a:effectLst/>
+                        <a:latin typeface="Times New Roman" panose="02020603050405020304" pitchFamily="18" charset="0"/>
+                        <a:cs typeface="Times New Roman" panose="02020603050405020304" pitchFamily="18" charset="0"/>
+                      </a:endParaRPr>
+                    </a:p>
+                  </a:txBody>
+                  <a:tcPr marL="68580" marR="68580" marT="0" marB="0" anchor="ctr"/>
+                </a:tc>
+                <a:extLst>
+                  <a:ext uri="{0D108BD9-81ED-4DB2-BD59-A6C34878D82A}">
+                    <a16:rowId xmlns:a16="http://schemas.microsoft.com/office/drawing/2014/main" val="4289513594"/>
+                  </a:ext>
+                </a:extLst>
+              </a:tr>
+            </a:tbl>
+          </a:graphicData>
+        </a:graphic>
+      </p:graphicFrame>
+      <p:graphicFrame>
+        <p:nvGraphicFramePr>
+          <p:cNvPr id="3" name="内容占位符 3">
+            <a:extLst>
+              <a:ext uri="{FF2B5EF4-FFF2-40B4-BE49-F238E27FC236}">
+                <a16:creationId xmlns:a16="http://schemas.microsoft.com/office/drawing/2014/main" id="{24F3965C-B7EA-4BF3-8A45-7A28FBDF612D}"/>
+              </a:ext>
+            </a:extLst>
+          </p:cNvPr>
+          <p:cNvGraphicFramePr>
+            <a:graphicFrameLocks/>
+          </p:cNvGraphicFramePr>
+          <p:nvPr>
+            <p:extLst>
+              <p:ext uri="{D42A27DB-BD31-4B8C-83A1-F6EECF244321}">
+                <p14:modId xmlns:p14="http://schemas.microsoft.com/office/powerpoint/2010/main" val="1057190565"/>
+              </p:ext>
+            </p:extLst>
+          </p:nvPr>
+        </p:nvGraphicFramePr>
+        <p:xfrm>
+          <a:off x="204476" y="-5518947"/>
+          <a:ext cx="11552096" cy="5518947"/>
+        </p:xfrm>
+        <a:graphic>
+          <a:graphicData uri="http://schemas.openxmlformats.org/drawingml/2006/table">
+            <a:tbl>
+              <a:tblPr firstRow="1" firstCol="1" bandRow="1">
+                <a:tableStyleId>{5940675A-B579-460E-94D1-54222C63F5DA}</a:tableStyleId>
+              </a:tblPr>
+              <a:tblGrid>
+                <a:gridCol w="1200090">
+                  <a:extLst>
+                    <a:ext uri="{9D8B030D-6E8A-4147-A177-3AD203B41FA5}">
+                      <a16:colId xmlns:a16="http://schemas.microsoft.com/office/drawing/2014/main" val="3557805364"/>
+                    </a:ext>
+                  </a:extLst>
+                </a:gridCol>
+                <a:gridCol w="1270659">
+                  <a:extLst>
+                    <a:ext uri="{9D8B030D-6E8A-4147-A177-3AD203B41FA5}">
+                      <a16:colId xmlns:a16="http://schemas.microsoft.com/office/drawing/2014/main" val="3524856799"/>
+                    </a:ext>
+                  </a:extLst>
+                </a:gridCol>
+                <a:gridCol w="475013">
+                  <a:extLst>
+                    <a:ext uri="{9D8B030D-6E8A-4147-A177-3AD203B41FA5}">
+                      <a16:colId xmlns:a16="http://schemas.microsoft.com/office/drawing/2014/main" val="1805124618"/>
+                    </a:ext>
+                  </a:extLst>
+                </a:gridCol>
+                <a:gridCol w="3265715">
+                  <a:extLst>
+                    <a:ext uri="{9D8B030D-6E8A-4147-A177-3AD203B41FA5}">
+                      <a16:colId xmlns:a16="http://schemas.microsoft.com/office/drawing/2014/main" val="1387593033"/>
+                    </a:ext>
+                  </a:extLst>
+                </a:gridCol>
+                <a:gridCol w="1816924">
+                  <a:extLst>
+                    <a:ext uri="{9D8B030D-6E8A-4147-A177-3AD203B41FA5}">
+                      <a16:colId xmlns:a16="http://schemas.microsoft.com/office/drawing/2014/main" val="776739422"/>
+                    </a:ext>
+                  </a:extLst>
+                </a:gridCol>
+                <a:gridCol w="3523695">
+                  <a:extLst>
+                    <a:ext uri="{9D8B030D-6E8A-4147-A177-3AD203B41FA5}">
+                      <a16:colId xmlns:a16="http://schemas.microsoft.com/office/drawing/2014/main" val="1361186130"/>
+                    </a:ext>
+                  </a:extLst>
+                </a:gridCol>
+              </a:tblGrid>
+              <a:tr h="474453">
+                <a:tc>
+                  <a:txBody>
+                    <a:bodyPr/>
+                    <a:lstStyle/>
+                    <a:p>
+                      <a:pPr marL="0" marR="0" algn="ctr">
+                        <a:lnSpc>
+                          <a:spcPct val="107000"/>
+                        </a:lnSpc>
+                        <a:spcBef>
+                          <a:spcPts val="0"/>
+                        </a:spcBef>
+                        <a:spcAft>
+                          <a:spcPts val="0"/>
+                        </a:spcAft>
+                      </a:pPr>
+                      <a:r>
+                        <a:rPr lang="en-US" sz="1800" dirty="0">
+                          <a:effectLst/>
+                          <a:latin typeface="Times New Roman" panose="02020603050405020304" pitchFamily="18" charset="0"/>
+                          <a:cs typeface="Times New Roman" panose="02020603050405020304" pitchFamily="18" charset="0"/>
+                        </a:rPr>
+                        <a:t>Author</a:t>
+                      </a:r>
+                      <a:endParaRPr lang="en-US" sz="1800" dirty="0">
+                        <a:effectLst/>
+                        <a:latin typeface="Times New Roman" panose="02020603050405020304" pitchFamily="18" charset="0"/>
+                        <a:ea typeface="맑은 고딕" panose="020B0503020000020004" pitchFamily="50" charset="-127"/>
+                        <a:cs typeface="Times New Roman" panose="02020603050405020304" pitchFamily="18" charset="0"/>
+                      </a:endParaRPr>
+                    </a:p>
+                  </a:txBody>
+                  <a:tcPr marL="68580" marR="68580" marT="0" marB="0" anchor="ctr"/>
+                </a:tc>
+                <a:tc>
+                  <a:txBody>
+                    <a:bodyPr/>
+                    <a:lstStyle/>
+                    <a:p>
+                      <a:pPr marL="0" marR="0" algn="ctr">
+                        <a:lnSpc>
+                          <a:spcPct val="107000"/>
+                        </a:lnSpc>
+                        <a:spcBef>
+                          <a:spcPts val="0"/>
+                        </a:spcBef>
+                        <a:spcAft>
+                          <a:spcPts val="0"/>
+                        </a:spcAft>
+                      </a:pPr>
+                      <a:r>
+                        <a:rPr lang="en-US" sz="1800" dirty="0">
+                          <a:effectLst/>
+                          <a:latin typeface="Times New Roman" panose="02020603050405020304" pitchFamily="18" charset="0"/>
+                          <a:cs typeface="Times New Roman" panose="02020603050405020304" pitchFamily="18" charset="0"/>
+                        </a:rPr>
+                        <a:t>Essay topic</a:t>
+                      </a:r>
+                      <a:endParaRPr lang="en-US" sz="1800" dirty="0">
+                        <a:effectLst/>
+                        <a:latin typeface="Times New Roman" panose="02020603050405020304" pitchFamily="18" charset="0"/>
+                        <a:ea typeface="맑은 고딕" panose="020B0503020000020004" pitchFamily="50" charset="-127"/>
+                        <a:cs typeface="Times New Roman" panose="02020603050405020304" pitchFamily="18" charset="0"/>
+                      </a:endParaRPr>
+                    </a:p>
+                  </a:txBody>
+                  <a:tcPr marL="68580" marR="68580" marT="0" marB="0" anchor="ctr"/>
+                </a:tc>
+                <a:tc gridSpan="2">
+                  <a:txBody>
+                    <a:bodyPr/>
+                    <a:lstStyle/>
+                    <a:p>
+                      <a:pPr marL="0" marR="0" algn="ctr">
+                        <a:lnSpc>
+                          <a:spcPct val="107000"/>
+                        </a:lnSpc>
+                        <a:spcBef>
+                          <a:spcPts val="0"/>
+                        </a:spcBef>
+                        <a:spcAft>
+                          <a:spcPts val="0"/>
+                        </a:spcAft>
+                      </a:pPr>
+                      <a:r>
+                        <a:rPr lang="en-US" sz="1800" dirty="0">
+                          <a:effectLst/>
+                          <a:latin typeface="Times New Roman" panose="02020603050405020304" pitchFamily="18" charset="0"/>
+                          <a:cs typeface="Times New Roman" panose="02020603050405020304" pitchFamily="18" charset="0"/>
+                        </a:rPr>
+                        <a:t>Gauge dimensions</a:t>
+                      </a:r>
+                      <a:endParaRPr lang="en-US" sz="1800" dirty="0">
+                        <a:effectLst/>
+                        <a:latin typeface="Times New Roman" panose="02020603050405020304" pitchFamily="18" charset="0"/>
+                        <a:ea typeface="맑은 고딕" panose="020B0503020000020004" pitchFamily="50" charset="-127"/>
+                        <a:cs typeface="Times New Roman" panose="02020603050405020304" pitchFamily="18" charset="0"/>
+                      </a:endParaRPr>
+                    </a:p>
+                  </a:txBody>
+                  <a:tcPr marL="68580" marR="68580" marT="0" marB="0" anchor="ctr"/>
+                </a:tc>
+                <a:tc hMerge="1">
+                  <a:txBody>
+                    <a:bodyPr/>
+                    <a:lstStyle/>
+                    <a:p>
+                      <a:endParaRPr lang="en-US"/>
+                    </a:p>
+                  </a:txBody>
+                  <a:tcPr/>
+                </a:tc>
+                <a:tc>
+                  <a:txBody>
+                    <a:bodyPr/>
+                    <a:lstStyle/>
+                    <a:p>
+                      <a:pPr marL="0" marR="0" algn="ctr">
+                        <a:lnSpc>
+                          <a:spcPct val="107000"/>
+                        </a:lnSpc>
+                        <a:spcBef>
+                          <a:spcPts val="0"/>
+                        </a:spcBef>
+                        <a:spcAft>
+                          <a:spcPts val="0"/>
+                        </a:spcAft>
+                      </a:pPr>
+                      <a:r>
+                        <a:rPr lang="en-US" sz="1800" dirty="0">
+                          <a:effectLst/>
+                          <a:latin typeface="Times New Roman" panose="02020603050405020304" pitchFamily="18" charset="0"/>
+                          <a:cs typeface="Times New Roman" panose="02020603050405020304" pitchFamily="18" charset="0"/>
+                        </a:rPr>
+                        <a:t>Applicable people</a:t>
+                      </a:r>
+                      <a:endParaRPr lang="en-US" sz="1800" dirty="0">
+                        <a:effectLst/>
+                        <a:latin typeface="Times New Roman" panose="02020603050405020304" pitchFamily="18" charset="0"/>
+                        <a:ea typeface="맑은 고딕" panose="020B0503020000020004" pitchFamily="50" charset="-127"/>
+                        <a:cs typeface="Times New Roman" panose="02020603050405020304" pitchFamily="18" charset="0"/>
+                      </a:endParaRPr>
+                    </a:p>
+                  </a:txBody>
+                  <a:tcPr marL="68580" marR="68580" marT="0" marB="0" anchor="ctr"/>
+                </a:tc>
+                <a:tc>
+                  <a:txBody>
+                    <a:bodyPr/>
+                    <a:lstStyle/>
+                    <a:p>
+                      <a:pPr marL="0" marR="0" algn="ctr">
+                        <a:lnSpc>
+                          <a:spcPct val="107000"/>
+                        </a:lnSpc>
+                        <a:spcBef>
+                          <a:spcPts val="0"/>
+                        </a:spcBef>
+                        <a:spcAft>
+                          <a:spcPts val="0"/>
+                        </a:spcAft>
+                      </a:pPr>
+                      <a:r>
+                        <a:rPr lang="en-US" sz="1800" dirty="0">
+                          <a:effectLst/>
+                          <a:latin typeface="Times New Roman" panose="02020603050405020304" pitchFamily="18" charset="0"/>
+                          <a:cs typeface="Times New Roman" panose="02020603050405020304" pitchFamily="18" charset="0"/>
+                        </a:rPr>
+                        <a:t>Gauge features</a:t>
+                      </a:r>
+                      <a:endParaRPr lang="en-US" sz="1800" dirty="0">
+                        <a:effectLst/>
+                        <a:latin typeface="Times New Roman" panose="02020603050405020304" pitchFamily="18" charset="0"/>
+                        <a:ea typeface="맑은 고딕" panose="020B0503020000020004" pitchFamily="50" charset="-127"/>
+                        <a:cs typeface="Times New Roman" panose="02020603050405020304" pitchFamily="18" charset="0"/>
+                      </a:endParaRPr>
+                    </a:p>
+                  </a:txBody>
+                  <a:tcPr marL="68580" marR="68580" marT="0" marB="0" anchor="ctr"/>
+                </a:tc>
+                <a:extLst>
+                  <a:ext uri="{0D108BD9-81ED-4DB2-BD59-A6C34878D82A}">
+                    <a16:rowId xmlns:a16="http://schemas.microsoft.com/office/drawing/2014/main" val="477381270"/>
+                  </a:ext>
+                </a:extLst>
+              </a:tr>
+              <a:tr h="388038">
+                <a:tc rowSpan="7">
+                  <a:txBody>
+                    <a:bodyPr/>
+                    <a:lstStyle/>
+                    <a:p>
+                      <a:pPr marL="0" marR="0" algn="ctr">
+                        <a:lnSpc>
+                          <a:spcPct val="107000"/>
+                        </a:lnSpc>
+                        <a:spcBef>
+                          <a:spcPts val="0"/>
+                        </a:spcBef>
+                        <a:spcAft>
+                          <a:spcPts val="0"/>
+                        </a:spcAft>
+                      </a:pPr>
+                      <a:r>
+                        <a:rPr lang="en-US" sz="1800" dirty="0">
+                          <a:effectLst/>
+                          <a:latin typeface="Times New Roman" panose="02020603050405020304" pitchFamily="18" charset="0"/>
+                          <a:cs typeface="Times New Roman" panose="02020603050405020304" pitchFamily="18" charset="0"/>
+                        </a:rPr>
+                        <a:t>Alvaro &amp; Babette </a:t>
+                      </a:r>
+                      <a:endParaRPr lang="en-US" sz="1800" dirty="0">
+                        <a:effectLst/>
+                        <a:latin typeface="Times New Roman" panose="02020603050405020304" pitchFamily="18" charset="0"/>
+                        <a:ea typeface="맑은 고딕" panose="020B0503020000020004" pitchFamily="50" charset="-127"/>
+                        <a:cs typeface="Times New Roman" panose="02020603050405020304" pitchFamily="18" charset="0"/>
+                      </a:endParaRPr>
+                    </a:p>
+                  </a:txBody>
+                  <a:tcPr marL="68580" marR="68580" marT="0" marB="0" anchor="ctr"/>
+                </a:tc>
+                <a:tc rowSpan="7">
+                  <a:txBody>
+                    <a:bodyPr/>
+                    <a:lstStyle/>
+                    <a:p>
+                      <a:pPr marL="0" marR="0" algn="ctr">
+                        <a:lnSpc>
+                          <a:spcPct val="107000"/>
+                        </a:lnSpc>
+                        <a:spcBef>
+                          <a:spcPts val="0"/>
+                        </a:spcBef>
+                        <a:spcAft>
+                          <a:spcPts val="0"/>
+                        </a:spcAft>
+                      </a:pPr>
+                      <a:r>
+                        <a:rPr lang="en-US" sz="1800" dirty="0">
+                          <a:effectLst/>
+                          <a:latin typeface="Times New Roman" panose="02020603050405020304" pitchFamily="18" charset="0"/>
+                          <a:cs typeface="Times New Roman" panose="02020603050405020304" pitchFamily="18" charset="0"/>
+                        </a:rPr>
+                        <a:t>Rubric for Assessing or Designing Digital Playful Learning Spaces(2001)</a:t>
+                      </a:r>
+                      <a:endParaRPr lang="en-US" sz="1800" dirty="0">
+                        <a:effectLst/>
+                        <a:latin typeface="Times New Roman" panose="02020603050405020304" pitchFamily="18" charset="0"/>
+                        <a:ea typeface="맑은 고딕" panose="020B0503020000020004" pitchFamily="50" charset="-127"/>
+                        <a:cs typeface="Times New Roman" panose="02020603050405020304" pitchFamily="18" charset="0"/>
+                      </a:endParaRPr>
+                    </a:p>
+                  </a:txBody>
+                  <a:tcPr marL="68580" marR="68580" marT="0" marB="0" anchor="ctr"/>
+                </a:tc>
+                <a:tc rowSpan="7">
+                  <a:txBody>
+                    <a:bodyPr/>
+                    <a:lstStyle/>
+                    <a:p>
+                      <a:pPr marL="0" marR="0" algn="ctr">
+                        <a:lnSpc>
+                          <a:spcPct val="107000"/>
+                        </a:lnSpc>
+                        <a:spcBef>
+                          <a:spcPts val="0"/>
+                        </a:spcBef>
+                        <a:spcAft>
+                          <a:spcPts val="0"/>
+                        </a:spcAft>
+                      </a:pPr>
+                      <a:r>
+                        <a:rPr lang="en-US" sz="1800" dirty="0">
+                          <a:effectLst/>
+                          <a:latin typeface="Times New Roman" panose="02020603050405020304" pitchFamily="18" charset="0"/>
+                          <a:cs typeface="Times New Roman" panose="02020603050405020304" pitchFamily="18" charset="0"/>
+                        </a:rPr>
+                        <a:t>7D</a:t>
+                      </a:r>
+                      <a:endParaRPr lang="en-US" sz="1800" dirty="0">
+                        <a:effectLst/>
+                        <a:latin typeface="Times New Roman" panose="02020603050405020304" pitchFamily="18" charset="0"/>
+                        <a:ea typeface="맑은 고딕" panose="020B0503020000020004" pitchFamily="50" charset="-127"/>
+                        <a:cs typeface="Times New Roman" panose="02020603050405020304" pitchFamily="18" charset="0"/>
+                      </a:endParaRPr>
+                    </a:p>
+                  </a:txBody>
+                  <a:tcPr marL="68580" marR="68580" marT="0" marB="0" anchor="ctr"/>
+                </a:tc>
+                <a:tc>
+                  <a:txBody>
+                    <a:bodyPr/>
+                    <a:lstStyle/>
+                    <a:p>
+                      <a:pPr marL="0" marR="0" algn="ctr">
+                        <a:lnSpc>
+                          <a:spcPct val="107000"/>
+                        </a:lnSpc>
+                        <a:spcBef>
+                          <a:spcPts val="0"/>
+                        </a:spcBef>
+                        <a:spcAft>
+                          <a:spcPts val="0"/>
+                        </a:spcAft>
+                      </a:pPr>
+                      <a:r>
+                        <a:rPr lang="en-US" sz="1800" dirty="0">
+                          <a:effectLst/>
+                          <a:latin typeface="Times New Roman" panose="02020603050405020304" pitchFamily="18" charset="0"/>
+                          <a:cs typeface="Times New Roman" panose="02020603050405020304" pitchFamily="18" charset="0"/>
+                        </a:rPr>
+                        <a:t>Fantasy space</a:t>
+                      </a:r>
+                      <a:endParaRPr lang="en-US" sz="1800" dirty="0">
+                        <a:effectLst/>
+                        <a:latin typeface="Times New Roman" panose="02020603050405020304" pitchFamily="18" charset="0"/>
+                        <a:ea typeface="맑은 고딕" panose="020B0503020000020004" pitchFamily="50" charset="-127"/>
+                        <a:cs typeface="Times New Roman" panose="02020603050405020304" pitchFamily="18" charset="0"/>
+                      </a:endParaRPr>
+                    </a:p>
+                  </a:txBody>
+                  <a:tcPr marL="68580" marR="68580" marT="0" marB="0" anchor="ctr"/>
+                </a:tc>
+                <a:tc rowSpan="7">
+                  <a:txBody>
+                    <a:bodyPr/>
+                    <a:lstStyle/>
+                    <a:p>
+                      <a:pPr marL="0" marR="0" lvl="0" indent="0" algn="ctr" defTabSz="914400" rtl="0" eaLnBrk="1" fontAlgn="auto" latinLnBrk="0" hangingPunct="1">
+                        <a:lnSpc>
+                          <a:spcPct val="107000"/>
+                        </a:lnSpc>
+                        <a:spcBef>
+                          <a:spcPts val="0"/>
+                        </a:spcBef>
+                        <a:spcAft>
+                          <a:spcPts val="0"/>
+                        </a:spcAft>
+                        <a:buClrTx/>
+                        <a:buSzTx/>
+                        <a:buFontTx/>
+                        <a:buNone/>
+                        <a:tabLst/>
+                        <a:defRPr/>
+                      </a:pPr>
+                      <a:r>
+                        <a:rPr lang="en-US" sz="1800" dirty="0">
+                          <a:effectLst/>
+                          <a:latin typeface="Times New Roman" panose="02020603050405020304" pitchFamily="18" charset="0"/>
+                          <a:cs typeface="Times New Roman" panose="02020603050405020304" pitchFamily="18" charset="0"/>
+                        </a:rPr>
+                        <a:t>Decision makers</a:t>
+                      </a:r>
+                    </a:p>
+                    <a:p>
+                      <a:pPr marL="0" marR="0" lvl="0" indent="0" algn="ctr" defTabSz="914400" rtl="0" eaLnBrk="1" fontAlgn="auto" latinLnBrk="0" hangingPunct="1">
+                        <a:lnSpc>
+                          <a:spcPct val="107000"/>
+                        </a:lnSpc>
+                        <a:spcBef>
+                          <a:spcPts val="0"/>
+                        </a:spcBef>
+                        <a:spcAft>
+                          <a:spcPts val="0"/>
+                        </a:spcAft>
+                        <a:buClrTx/>
+                        <a:buSzTx/>
+                        <a:buFontTx/>
+                        <a:buNone/>
+                        <a:tabLst/>
+                        <a:defRPr/>
+                      </a:pPr>
+                      <a:r>
+                        <a:rPr lang="en-US" sz="1800" dirty="0">
+                          <a:effectLst/>
+                          <a:latin typeface="Times New Roman" panose="02020603050405020304" pitchFamily="18" charset="0"/>
+                          <a:cs typeface="Times New Roman" panose="02020603050405020304" pitchFamily="18" charset="0"/>
+                        </a:rPr>
+                        <a:t>Parents Teachers  </a:t>
+                      </a:r>
+                    </a:p>
+                    <a:p>
+                      <a:pPr marL="0" marR="0" lvl="0" indent="0" algn="ctr" defTabSz="914400" rtl="0" eaLnBrk="1" fontAlgn="auto" latinLnBrk="0" hangingPunct="1">
+                        <a:lnSpc>
+                          <a:spcPct val="107000"/>
+                        </a:lnSpc>
+                        <a:spcBef>
+                          <a:spcPts val="0"/>
+                        </a:spcBef>
+                        <a:spcAft>
+                          <a:spcPts val="0"/>
+                        </a:spcAft>
+                        <a:buClrTx/>
+                        <a:buSzTx/>
+                        <a:buFontTx/>
+                        <a:buNone/>
+                        <a:tabLst/>
+                        <a:defRPr/>
+                      </a:pPr>
+                      <a:r>
+                        <a:rPr lang="en-US" sz="1800" dirty="0">
+                          <a:effectLst/>
+                          <a:latin typeface="Times New Roman" panose="02020603050405020304" pitchFamily="18" charset="0"/>
+                          <a:cs typeface="Times New Roman" panose="02020603050405020304" pitchFamily="18" charset="0"/>
+                        </a:rPr>
+                        <a:t>Businesses  </a:t>
+                      </a:r>
+                    </a:p>
+                    <a:p>
+                      <a:pPr marL="0" marR="0" lvl="0" indent="0" algn="ctr" defTabSz="914400" rtl="0" eaLnBrk="1" fontAlgn="auto" latinLnBrk="0" hangingPunct="1">
+                        <a:lnSpc>
+                          <a:spcPct val="107000"/>
+                        </a:lnSpc>
+                        <a:spcBef>
+                          <a:spcPts val="0"/>
+                        </a:spcBef>
+                        <a:spcAft>
+                          <a:spcPts val="0"/>
+                        </a:spcAft>
+                        <a:buClrTx/>
+                        <a:buSzTx/>
+                        <a:buFontTx/>
+                        <a:buNone/>
+                        <a:tabLst/>
+                        <a:defRPr/>
+                      </a:pPr>
+                      <a:r>
+                        <a:rPr lang="en-US" sz="1800" dirty="0">
+                          <a:effectLst/>
+                          <a:latin typeface="Times New Roman" panose="02020603050405020304" pitchFamily="18" charset="0"/>
+                          <a:cs typeface="Times New Roman" panose="02020603050405020304" pitchFamily="18" charset="0"/>
+                        </a:rPr>
+                        <a:t>Educators </a:t>
+                      </a:r>
+                    </a:p>
+                    <a:p>
+                      <a:pPr marL="0" marR="0" lvl="0" indent="0" algn="ctr" defTabSz="914400" rtl="0" eaLnBrk="1" fontAlgn="auto" latinLnBrk="0" hangingPunct="1">
+                        <a:lnSpc>
+                          <a:spcPct val="107000"/>
+                        </a:lnSpc>
+                        <a:spcBef>
+                          <a:spcPts val="0"/>
+                        </a:spcBef>
+                        <a:spcAft>
+                          <a:spcPts val="0"/>
+                        </a:spcAft>
+                        <a:buClrTx/>
+                        <a:buSzTx/>
+                        <a:buFontTx/>
+                        <a:buNone/>
+                        <a:tabLst/>
+                        <a:defRPr/>
+                      </a:pPr>
+                      <a:r>
+                        <a:rPr lang="en-US" sz="1800" dirty="0">
+                          <a:effectLst/>
+                          <a:latin typeface="Times New Roman" panose="02020603050405020304" pitchFamily="18" charset="0"/>
+                          <a:cs typeface="Times New Roman" panose="02020603050405020304" pitchFamily="18" charset="0"/>
+                        </a:rPr>
+                        <a:t>Developers</a:t>
+                      </a:r>
+                    </a:p>
+                  </a:txBody>
+                  <a:tcPr marL="68580" marR="68580" marT="0" marB="0" anchor="ctr"/>
+                </a:tc>
+                <a:tc rowSpan="7">
+                  <a:txBody>
+                    <a:bodyPr/>
+                    <a:lstStyle/>
+                    <a:p>
+                      <a:pPr marL="0" marR="0" lvl="0" indent="0" algn="just" defTabSz="914400" rtl="0" eaLnBrk="1" fontAlgn="auto" latinLnBrk="0" hangingPunct="1">
+                        <a:lnSpc>
+                          <a:spcPct val="107000"/>
+                        </a:lnSpc>
+                        <a:spcBef>
+                          <a:spcPts val="0"/>
+                        </a:spcBef>
+                        <a:spcAft>
+                          <a:spcPts val="0"/>
+                        </a:spcAft>
+                        <a:buClrTx/>
+                        <a:buSzTx/>
+                        <a:buFontTx/>
+                        <a:buNone/>
+                        <a:tabLst/>
+                        <a:defRPr/>
+                      </a:pPr>
+                      <a:r>
+                        <a:rPr lang="en-US" sz="1800" dirty="0">
+                          <a:effectLst/>
+                          <a:latin typeface="Times New Roman" panose="02020603050405020304" pitchFamily="18" charset="0"/>
+                          <a:cs typeface="Times New Roman" panose="02020603050405020304" pitchFamily="18" charset="0"/>
+                        </a:rPr>
+                        <a:t>Emphasis is placed on the learning needs of users and less attention is paid to gameplay and entertainment. In the form of questions, it is a qualitative assessment</a:t>
+                      </a:r>
+                    </a:p>
+                  </a:txBody>
+                  <a:tcPr marL="68580" marR="68580" marT="0" marB="0" anchor="ctr"/>
+                </a:tc>
+                <a:extLst>
+                  <a:ext uri="{0D108BD9-81ED-4DB2-BD59-A6C34878D82A}">
+                    <a16:rowId xmlns:a16="http://schemas.microsoft.com/office/drawing/2014/main" val="372984438"/>
+                  </a:ext>
+                </a:extLst>
+              </a:tr>
+              <a:tr h="388038">
+                <a:tc vMerge="1">
+                  <a:txBody>
+                    <a:bodyPr/>
+                    <a:lstStyle/>
+                    <a:p>
+                      <a:endParaRPr lang="en-US"/>
+                    </a:p>
+                  </a:txBody>
+                  <a:tcPr/>
+                </a:tc>
+                <a:tc vMerge="1">
+                  <a:txBody>
+                    <a:bodyPr/>
+                    <a:lstStyle/>
+                    <a:p>
+                      <a:endParaRPr lang="en-US"/>
+                    </a:p>
+                  </a:txBody>
+                  <a:tcPr/>
+                </a:tc>
+                <a:tc vMerge="1">
+                  <a:txBody>
+                    <a:bodyPr/>
+                    <a:lstStyle/>
+                    <a:p>
+                      <a:endParaRPr lang="en-US"/>
+                    </a:p>
+                  </a:txBody>
+                  <a:tcPr/>
+                </a:tc>
+                <a:tc>
+                  <a:txBody>
+                    <a:bodyPr/>
+                    <a:lstStyle/>
+                    <a:p>
+                      <a:pPr marL="0" marR="0" algn="ctr">
+                        <a:spcBef>
+                          <a:spcPts val="0"/>
+                        </a:spcBef>
+                        <a:spcAft>
+                          <a:spcPts val="1200"/>
+                        </a:spcAft>
+                      </a:pPr>
+                      <a:r>
+                        <a:rPr lang="en-US" sz="1800" dirty="0">
+                          <a:effectLst/>
+                          <a:latin typeface="Times New Roman" panose="02020603050405020304" pitchFamily="18" charset="0"/>
+                          <a:cs typeface="Times New Roman" panose="02020603050405020304" pitchFamily="18" charset="0"/>
+                        </a:rPr>
+                        <a:t>Feedback</a:t>
+                      </a:r>
+                      <a:endParaRPr lang="en-US" sz="1800" dirty="0">
+                        <a:effectLst/>
+                        <a:latin typeface="Times New Roman" panose="02020603050405020304" pitchFamily="18" charset="0"/>
+                        <a:ea typeface="Times New Roman" panose="02020603050405020304" pitchFamily="18" charset="0"/>
+                        <a:cs typeface="Times New Roman" panose="02020603050405020304" pitchFamily="18" charset="0"/>
+                      </a:endParaRPr>
+                    </a:p>
+                  </a:txBody>
+                  <a:tcPr marL="68580" marR="68580" marT="0" marB="0" anchor="ctr"/>
+                </a:tc>
+                <a:tc vMerge="1">
+                  <a:txBody>
+                    <a:bodyPr/>
+                    <a:lstStyle/>
+                    <a:p>
+                      <a:pPr marL="0" marR="0" algn="ctr">
+                        <a:spcBef>
+                          <a:spcPts val="0"/>
+                        </a:spcBef>
+                        <a:spcAft>
+                          <a:spcPts val="1200"/>
+                        </a:spcAft>
+                      </a:pPr>
+                      <a:endParaRPr lang="en-US" sz="1200" dirty="0">
+                        <a:effectLst/>
+                        <a:latin typeface="Times New Roman" panose="02020603050405020304" pitchFamily="18" charset="0"/>
+                        <a:ea typeface="Times New Roman" panose="02020603050405020304" pitchFamily="18" charset="0"/>
+                        <a:cs typeface="Times New Roman" panose="02020603050405020304" pitchFamily="18" charset="0"/>
+                      </a:endParaRPr>
+                    </a:p>
+                  </a:txBody>
+                  <a:tcPr marL="68580" marR="68580" marT="0" marB="0"/>
+                </a:tc>
+                <a:tc vMerge="1">
+                  <a:txBody>
+                    <a:bodyPr/>
+                    <a:lstStyle/>
+                    <a:p>
+                      <a:pPr marL="0" marR="0" algn="ctr">
+                        <a:spcBef>
+                          <a:spcPts val="0"/>
+                        </a:spcBef>
+                        <a:spcAft>
+                          <a:spcPts val="1200"/>
+                        </a:spcAft>
+                      </a:pPr>
+                      <a:endParaRPr lang="en-US" sz="1200" dirty="0">
+                        <a:effectLst/>
+                        <a:latin typeface="Times New Roman" panose="02020603050405020304" pitchFamily="18" charset="0"/>
+                        <a:ea typeface="Times New Roman" panose="02020603050405020304" pitchFamily="18" charset="0"/>
+                        <a:cs typeface="Times New Roman" panose="02020603050405020304" pitchFamily="18" charset="0"/>
+                      </a:endParaRPr>
+                    </a:p>
+                  </a:txBody>
+                  <a:tcPr marL="68580" marR="68580" marT="0" marB="0"/>
+                </a:tc>
+                <a:extLst>
+                  <a:ext uri="{0D108BD9-81ED-4DB2-BD59-A6C34878D82A}">
+                    <a16:rowId xmlns:a16="http://schemas.microsoft.com/office/drawing/2014/main" val="152148575"/>
+                  </a:ext>
+                </a:extLst>
+              </a:tr>
+              <a:tr h="388038">
+                <a:tc vMerge="1">
+                  <a:txBody>
+                    <a:bodyPr/>
+                    <a:lstStyle/>
+                    <a:p>
+                      <a:endParaRPr lang="en-US"/>
+                    </a:p>
+                  </a:txBody>
+                  <a:tcPr/>
+                </a:tc>
+                <a:tc vMerge="1">
+                  <a:txBody>
+                    <a:bodyPr/>
+                    <a:lstStyle/>
+                    <a:p>
+                      <a:endParaRPr lang="en-US"/>
+                    </a:p>
+                  </a:txBody>
+                  <a:tcPr/>
+                </a:tc>
+                <a:tc vMerge="1">
+                  <a:txBody>
+                    <a:bodyPr/>
+                    <a:lstStyle/>
+                    <a:p>
+                      <a:endParaRPr lang="en-US"/>
+                    </a:p>
+                  </a:txBody>
+                  <a:tcPr/>
+                </a:tc>
+                <a:tc>
+                  <a:txBody>
+                    <a:bodyPr/>
+                    <a:lstStyle/>
+                    <a:p>
+                      <a:pPr marL="0" marR="0" algn="ctr">
+                        <a:spcBef>
+                          <a:spcPts val="0"/>
+                        </a:spcBef>
+                        <a:spcAft>
+                          <a:spcPts val="1200"/>
+                        </a:spcAft>
+                      </a:pPr>
+                      <a:r>
+                        <a:rPr lang="en-US" sz="1800" dirty="0">
+                          <a:effectLst/>
+                          <a:latin typeface="Times New Roman" panose="02020603050405020304" pitchFamily="18" charset="0"/>
+                          <a:cs typeface="Times New Roman" panose="02020603050405020304" pitchFamily="18" charset="0"/>
+                        </a:rPr>
+                        <a:t>Sense of control</a:t>
+                      </a:r>
+                      <a:endParaRPr lang="en-US" sz="1800" dirty="0">
+                        <a:effectLst/>
+                        <a:latin typeface="Times New Roman" panose="02020603050405020304" pitchFamily="18" charset="0"/>
+                        <a:ea typeface="Times New Roman" panose="02020603050405020304" pitchFamily="18" charset="0"/>
+                        <a:cs typeface="Times New Roman" panose="02020603050405020304" pitchFamily="18" charset="0"/>
+                      </a:endParaRPr>
+                    </a:p>
+                  </a:txBody>
+                  <a:tcPr marL="68580" marR="68580" marT="0" marB="0" anchor="ctr"/>
+                </a:tc>
+                <a:tc vMerge="1">
+                  <a:txBody>
+                    <a:bodyPr/>
+                    <a:lstStyle/>
+                    <a:p>
+                      <a:pPr marL="0" marR="0" algn="ctr">
+                        <a:spcBef>
+                          <a:spcPts val="0"/>
+                        </a:spcBef>
+                        <a:spcAft>
+                          <a:spcPts val="1200"/>
+                        </a:spcAft>
+                      </a:pPr>
+                      <a:endParaRPr lang="en-US" sz="1200" dirty="0">
+                        <a:effectLst/>
+                        <a:latin typeface="Times New Roman" panose="02020603050405020304" pitchFamily="18" charset="0"/>
+                        <a:ea typeface="Times New Roman" panose="02020603050405020304" pitchFamily="18" charset="0"/>
+                        <a:cs typeface="Times New Roman" panose="02020603050405020304" pitchFamily="18" charset="0"/>
+                      </a:endParaRPr>
+                    </a:p>
+                  </a:txBody>
+                  <a:tcPr marL="68580" marR="68580" marT="0" marB="0"/>
+                </a:tc>
+                <a:tc vMerge="1">
+                  <a:txBody>
+                    <a:bodyPr/>
+                    <a:lstStyle/>
+                    <a:p>
+                      <a:pPr marL="0" marR="0" algn="ctr">
+                        <a:spcBef>
+                          <a:spcPts val="0"/>
+                        </a:spcBef>
+                        <a:spcAft>
+                          <a:spcPts val="1200"/>
+                        </a:spcAft>
+                      </a:pPr>
+                      <a:endParaRPr lang="en-US" sz="1200" dirty="0">
+                        <a:effectLst/>
+                        <a:latin typeface="Times New Roman" panose="02020603050405020304" pitchFamily="18" charset="0"/>
+                        <a:ea typeface="Times New Roman" panose="02020603050405020304" pitchFamily="18" charset="0"/>
+                        <a:cs typeface="Times New Roman" panose="02020603050405020304" pitchFamily="18" charset="0"/>
+                      </a:endParaRPr>
+                    </a:p>
+                  </a:txBody>
+                  <a:tcPr marL="68580" marR="68580" marT="0" marB="0"/>
+                </a:tc>
+                <a:extLst>
+                  <a:ext uri="{0D108BD9-81ED-4DB2-BD59-A6C34878D82A}">
+                    <a16:rowId xmlns:a16="http://schemas.microsoft.com/office/drawing/2014/main" val="4197519745"/>
+                  </a:ext>
+                </a:extLst>
+              </a:tr>
+              <a:tr h="388038">
+                <a:tc vMerge="1">
+                  <a:txBody>
+                    <a:bodyPr/>
+                    <a:lstStyle/>
+                    <a:p>
+                      <a:endParaRPr lang="en-US"/>
+                    </a:p>
+                  </a:txBody>
+                  <a:tcPr/>
+                </a:tc>
+                <a:tc vMerge="1">
+                  <a:txBody>
+                    <a:bodyPr/>
+                    <a:lstStyle/>
+                    <a:p>
+                      <a:endParaRPr lang="en-US"/>
+                    </a:p>
+                  </a:txBody>
+                  <a:tcPr/>
+                </a:tc>
+                <a:tc vMerge="1">
+                  <a:txBody>
+                    <a:bodyPr/>
+                    <a:lstStyle/>
+                    <a:p>
+                      <a:endParaRPr lang="en-US"/>
+                    </a:p>
+                  </a:txBody>
+                  <a:tcPr/>
+                </a:tc>
+                <a:tc>
+                  <a:txBody>
+                    <a:bodyPr/>
+                    <a:lstStyle/>
+                    <a:p>
+                      <a:pPr marL="0" marR="0" algn="ctr">
+                        <a:spcBef>
+                          <a:spcPts val="0"/>
+                        </a:spcBef>
+                        <a:spcAft>
+                          <a:spcPts val="1200"/>
+                        </a:spcAft>
+                      </a:pPr>
+                      <a:r>
+                        <a:rPr lang="en-US" sz="1800" dirty="0">
+                          <a:effectLst/>
+                          <a:latin typeface="Times New Roman" panose="02020603050405020304" pitchFamily="18" charset="0"/>
+                          <a:cs typeface="Times New Roman" panose="02020603050405020304" pitchFamily="18" charset="0"/>
+                        </a:rPr>
+                        <a:t>Gamification learning curve</a:t>
+                      </a:r>
+                      <a:endParaRPr lang="en-US" sz="1800" dirty="0">
+                        <a:effectLst/>
+                        <a:latin typeface="Times New Roman" panose="02020603050405020304" pitchFamily="18" charset="0"/>
+                        <a:ea typeface="Times New Roman" panose="02020603050405020304" pitchFamily="18" charset="0"/>
+                        <a:cs typeface="Times New Roman" panose="02020603050405020304" pitchFamily="18" charset="0"/>
+                      </a:endParaRPr>
+                    </a:p>
+                  </a:txBody>
+                  <a:tcPr marL="68580" marR="68580" marT="0" marB="0" anchor="ctr"/>
+                </a:tc>
+                <a:tc vMerge="1">
+                  <a:txBody>
+                    <a:bodyPr/>
+                    <a:lstStyle/>
+                    <a:p>
+                      <a:pPr marL="0" marR="0" algn="ctr">
+                        <a:spcBef>
+                          <a:spcPts val="0"/>
+                        </a:spcBef>
+                        <a:spcAft>
+                          <a:spcPts val="1200"/>
+                        </a:spcAft>
+                      </a:pPr>
+                      <a:endParaRPr lang="en-US" sz="1200" dirty="0">
+                        <a:effectLst/>
+                        <a:latin typeface="Times New Roman" panose="02020603050405020304" pitchFamily="18" charset="0"/>
+                        <a:ea typeface="Times New Roman" panose="02020603050405020304" pitchFamily="18" charset="0"/>
+                        <a:cs typeface="Times New Roman" panose="02020603050405020304" pitchFamily="18" charset="0"/>
+                      </a:endParaRPr>
+                    </a:p>
+                  </a:txBody>
+                  <a:tcPr marL="68580" marR="68580" marT="0" marB="0"/>
+                </a:tc>
+                <a:tc vMerge="1">
+                  <a:txBody>
+                    <a:bodyPr/>
+                    <a:lstStyle/>
+                    <a:p>
+                      <a:pPr marL="0" marR="0" algn="ctr">
+                        <a:spcBef>
+                          <a:spcPts val="0"/>
+                        </a:spcBef>
+                        <a:spcAft>
+                          <a:spcPts val="1200"/>
+                        </a:spcAft>
+                      </a:pPr>
+                      <a:endParaRPr lang="en-US" sz="1200" dirty="0">
+                        <a:effectLst/>
+                        <a:latin typeface="Times New Roman" panose="02020603050405020304" pitchFamily="18" charset="0"/>
+                        <a:ea typeface="Times New Roman" panose="02020603050405020304" pitchFamily="18" charset="0"/>
+                        <a:cs typeface="Times New Roman" panose="02020603050405020304" pitchFamily="18" charset="0"/>
+                      </a:endParaRPr>
+                    </a:p>
+                  </a:txBody>
+                  <a:tcPr marL="68580" marR="68580" marT="0" marB="0"/>
+                </a:tc>
+                <a:extLst>
+                  <a:ext uri="{0D108BD9-81ED-4DB2-BD59-A6C34878D82A}">
+                    <a16:rowId xmlns:a16="http://schemas.microsoft.com/office/drawing/2014/main" val="3515630180"/>
+                  </a:ext>
+                </a:extLst>
+              </a:tr>
+              <a:tr h="388038">
+                <a:tc vMerge="1">
+                  <a:txBody>
+                    <a:bodyPr/>
+                    <a:lstStyle/>
+                    <a:p>
+                      <a:endParaRPr lang="en-US"/>
+                    </a:p>
+                  </a:txBody>
+                  <a:tcPr/>
+                </a:tc>
+                <a:tc vMerge="1">
+                  <a:txBody>
+                    <a:bodyPr/>
+                    <a:lstStyle/>
+                    <a:p>
+                      <a:endParaRPr lang="en-US"/>
+                    </a:p>
+                  </a:txBody>
+                  <a:tcPr/>
+                </a:tc>
+                <a:tc vMerge="1">
+                  <a:txBody>
+                    <a:bodyPr/>
+                    <a:lstStyle/>
+                    <a:p>
+                      <a:endParaRPr lang="en-US"/>
+                    </a:p>
+                  </a:txBody>
+                  <a:tcPr/>
+                </a:tc>
+                <a:tc>
+                  <a:txBody>
+                    <a:bodyPr/>
+                    <a:lstStyle/>
+                    <a:p>
+                      <a:pPr marL="0" marR="0" algn="ctr">
+                        <a:spcBef>
+                          <a:spcPts val="0"/>
+                        </a:spcBef>
+                        <a:spcAft>
+                          <a:spcPts val="1200"/>
+                        </a:spcAft>
+                      </a:pPr>
+                      <a:r>
+                        <a:rPr lang="en-US" sz="1800" dirty="0">
+                          <a:effectLst/>
+                          <a:latin typeface="Times New Roman" panose="02020603050405020304" pitchFamily="18" charset="0"/>
+                          <a:cs typeface="Times New Roman" panose="02020603050405020304" pitchFamily="18" charset="0"/>
+                        </a:rPr>
+                        <a:t>Special needs adaptability</a:t>
+                      </a:r>
+                      <a:endParaRPr lang="en-US" sz="1800" dirty="0">
+                        <a:effectLst/>
+                        <a:latin typeface="Times New Roman" panose="02020603050405020304" pitchFamily="18" charset="0"/>
+                        <a:ea typeface="Times New Roman" panose="02020603050405020304" pitchFamily="18" charset="0"/>
+                        <a:cs typeface="Times New Roman" panose="02020603050405020304" pitchFamily="18" charset="0"/>
+                      </a:endParaRPr>
+                    </a:p>
+                  </a:txBody>
+                  <a:tcPr marL="68580" marR="68580" marT="0" marB="0" anchor="ctr"/>
+                </a:tc>
+                <a:tc vMerge="1">
+                  <a:txBody>
+                    <a:bodyPr/>
+                    <a:lstStyle/>
+                    <a:p>
+                      <a:pPr marL="0" marR="0" algn="ctr">
+                        <a:spcBef>
+                          <a:spcPts val="0"/>
+                        </a:spcBef>
+                        <a:spcAft>
+                          <a:spcPts val="1200"/>
+                        </a:spcAft>
+                      </a:pPr>
+                      <a:endParaRPr lang="en-US" sz="1200" dirty="0">
+                        <a:effectLst/>
+                        <a:latin typeface="Times New Roman" panose="02020603050405020304" pitchFamily="18" charset="0"/>
+                        <a:ea typeface="Times New Roman" panose="02020603050405020304" pitchFamily="18" charset="0"/>
+                        <a:cs typeface="Times New Roman" panose="02020603050405020304" pitchFamily="18" charset="0"/>
+                      </a:endParaRPr>
+                    </a:p>
+                  </a:txBody>
+                  <a:tcPr marL="68580" marR="68580" marT="0" marB="0"/>
+                </a:tc>
+                <a:tc vMerge="1">
+                  <a:txBody>
+                    <a:bodyPr/>
+                    <a:lstStyle/>
+                    <a:p>
+                      <a:pPr marL="0" marR="0" algn="ctr">
+                        <a:spcBef>
+                          <a:spcPts val="0"/>
+                        </a:spcBef>
+                        <a:spcAft>
+                          <a:spcPts val="1200"/>
+                        </a:spcAft>
+                      </a:pPr>
+                      <a:endParaRPr lang="en-US" sz="1200" dirty="0">
+                        <a:effectLst/>
+                        <a:latin typeface="Times New Roman" panose="02020603050405020304" pitchFamily="18" charset="0"/>
+                        <a:ea typeface="Times New Roman" panose="02020603050405020304" pitchFamily="18" charset="0"/>
+                        <a:cs typeface="Times New Roman" panose="02020603050405020304" pitchFamily="18" charset="0"/>
+                      </a:endParaRPr>
+                    </a:p>
+                  </a:txBody>
+                  <a:tcPr marL="68580" marR="68580" marT="0" marB="0"/>
+                </a:tc>
+                <a:extLst>
+                  <a:ext uri="{0D108BD9-81ED-4DB2-BD59-A6C34878D82A}">
+                    <a16:rowId xmlns:a16="http://schemas.microsoft.com/office/drawing/2014/main" val="3188764998"/>
+                  </a:ext>
+                </a:extLst>
+              </a:tr>
+              <a:tr h="388038">
+                <a:tc vMerge="1">
+                  <a:txBody>
+                    <a:bodyPr/>
+                    <a:lstStyle/>
+                    <a:p>
+                      <a:endParaRPr lang="en-US"/>
+                    </a:p>
+                  </a:txBody>
+                  <a:tcPr/>
+                </a:tc>
+                <a:tc vMerge="1">
+                  <a:txBody>
+                    <a:bodyPr/>
+                    <a:lstStyle/>
+                    <a:p>
+                      <a:endParaRPr lang="en-US"/>
+                    </a:p>
+                  </a:txBody>
+                  <a:tcPr/>
+                </a:tc>
+                <a:tc vMerge="1">
+                  <a:txBody>
+                    <a:bodyPr/>
+                    <a:lstStyle/>
+                    <a:p>
+                      <a:endParaRPr lang="en-US"/>
+                    </a:p>
+                  </a:txBody>
+                  <a:tcPr/>
+                </a:tc>
+                <a:tc>
+                  <a:txBody>
+                    <a:bodyPr/>
+                    <a:lstStyle/>
+                    <a:p>
+                      <a:pPr marL="0" marR="0" algn="ctr">
+                        <a:spcBef>
+                          <a:spcPts val="0"/>
+                        </a:spcBef>
+                        <a:spcAft>
+                          <a:spcPts val="1200"/>
+                        </a:spcAft>
+                      </a:pPr>
+                      <a:r>
+                        <a:rPr lang="en-US" sz="1800" dirty="0">
+                          <a:effectLst/>
+                          <a:latin typeface="Times New Roman" panose="02020603050405020304" pitchFamily="18" charset="0"/>
+                          <a:cs typeface="Times New Roman" panose="02020603050405020304" pitchFamily="18" charset="0"/>
+                        </a:rPr>
+                        <a:t>Learning opportunities</a:t>
+                      </a:r>
+                      <a:endParaRPr lang="en-US" sz="1800" dirty="0">
+                        <a:effectLst/>
+                        <a:latin typeface="Times New Roman" panose="02020603050405020304" pitchFamily="18" charset="0"/>
+                        <a:ea typeface="Times New Roman" panose="02020603050405020304" pitchFamily="18" charset="0"/>
+                        <a:cs typeface="Times New Roman" panose="02020603050405020304" pitchFamily="18" charset="0"/>
+                      </a:endParaRPr>
+                    </a:p>
+                  </a:txBody>
+                  <a:tcPr marL="68580" marR="68580" marT="0" marB="0" anchor="ctr"/>
+                </a:tc>
+                <a:tc vMerge="1">
+                  <a:txBody>
+                    <a:bodyPr/>
+                    <a:lstStyle/>
+                    <a:p>
+                      <a:pPr marL="0" marR="0" algn="ctr">
+                        <a:spcBef>
+                          <a:spcPts val="0"/>
+                        </a:spcBef>
+                        <a:spcAft>
+                          <a:spcPts val="1200"/>
+                        </a:spcAft>
+                      </a:pPr>
+                      <a:endParaRPr lang="en-US" sz="1200" dirty="0">
+                        <a:effectLst/>
+                        <a:latin typeface="Times New Roman" panose="02020603050405020304" pitchFamily="18" charset="0"/>
+                        <a:ea typeface="Times New Roman" panose="02020603050405020304" pitchFamily="18" charset="0"/>
+                        <a:cs typeface="Times New Roman" panose="02020603050405020304" pitchFamily="18" charset="0"/>
+                      </a:endParaRPr>
+                    </a:p>
+                  </a:txBody>
+                  <a:tcPr marL="68580" marR="68580" marT="0" marB="0"/>
+                </a:tc>
+                <a:tc vMerge="1">
+                  <a:txBody>
+                    <a:bodyPr/>
+                    <a:lstStyle/>
+                    <a:p>
+                      <a:pPr marL="0" marR="0" algn="ctr">
+                        <a:spcBef>
+                          <a:spcPts val="0"/>
+                        </a:spcBef>
+                        <a:spcAft>
+                          <a:spcPts val="1200"/>
+                        </a:spcAft>
+                      </a:pPr>
+                      <a:endParaRPr lang="en-US" sz="1200" dirty="0">
+                        <a:effectLst/>
+                        <a:latin typeface="Times New Roman" panose="02020603050405020304" pitchFamily="18" charset="0"/>
+                        <a:ea typeface="Times New Roman" panose="02020603050405020304" pitchFamily="18" charset="0"/>
+                        <a:cs typeface="Times New Roman" panose="02020603050405020304" pitchFamily="18" charset="0"/>
+                      </a:endParaRPr>
+                    </a:p>
+                  </a:txBody>
+                  <a:tcPr marL="68580" marR="68580" marT="0" marB="0"/>
+                </a:tc>
+                <a:extLst>
+                  <a:ext uri="{0D108BD9-81ED-4DB2-BD59-A6C34878D82A}">
+                    <a16:rowId xmlns:a16="http://schemas.microsoft.com/office/drawing/2014/main" val="1267695427"/>
+                  </a:ext>
+                </a:extLst>
+              </a:tr>
+              <a:tr h="388038">
+                <a:tc vMerge="1">
+                  <a:txBody>
+                    <a:bodyPr/>
+                    <a:lstStyle/>
+                    <a:p>
+                      <a:endParaRPr lang="en-US"/>
+                    </a:p>
+                  </a:txBody>
+                  <a:tcPr/>
+                </a:tc>
+                <a:tc vMerge="1">
+                  <a:txBody>
+                    <a:bodyPr/>
+                    <a:lstStyle/>
+                    <a:p>
+                      <a:endParaRPr lang="en-US"/>
+                    </a:p>
+                  </a:txBody>
+                  <a:tcPr/>
+                </a:tc>
+                <a:tc vMerge="1">
+                  <a:txBody>
+                    <a:bodyPr/>
+                    <a:lstStyle/>
+                    <a:p>
+                      <a:endParaRPr lang="en-US"/>
+                    </a:p>
+                  </a:txBody>
+                  <a:tcPr/>
+                </a:tc>
+                <a:tc>
+                  <a:txBody>
+                    <a:bodyPr/>
+                    <a:lstStyle/>
+                    <a:p>
+                      <a:pPr marL="0" marR="0" algn="ctr">
+                        <a:spcBef>
+                          <a:spcPts val="0"/>
+                        </a:spcBef>
+                        <a:spcAft>
+                          <a:spcPts val="1200"/>
+                        </a:spcAft>
+                      </a:pPr>
+                      <a:r>
+                        <a:rPr lang="en-US" sz="1800" dirty="0">
+                          <a:effectLst/>
+                          <a:latin typeface="Times New Roman" panose="02020603050405020304" pitchFamily="18" charset="0"/>
+                          <a:cs typeface="Times New Roman" panose="02020603050405020304" pitchFamily="18" charset="0"/>
+                        </a:rPr>
+                        <a:t>Various educational opportunities</a:t>
+                      </a:r>
+                      <a:endParaRPr lang="en-US" sz="1800" dirty="0">
+                        <a:effectLst/>
+                        <a:latin typeface="Times New Roman" panose="02020603050405020304" pitchFamily="18" charset="0"/>
+                        <a:ea typeface="Times New Roman" panose="02020603050405020304" pitchFamily="18" charset="0"/>
+                        <a:cs typeface="Times New Roman" panose="02020603050405020304" pitchFamily="18" charset="0"/>
+                      </a:endParaRPr>
+                    </a:p>
+                  </a:txBody>
+                  <a:tcPr marL="68580" marR="68580" marT="0" marB="0" anchor="ctr"/>
+                </a:tc>
+                <a:tc vMerge="1">
+                  <a:txBody>
+                    <a:bodyPr/>
+                    <a:lstStyle/>
+                    <a:p>
+                      <a:pPr marL="0" marR="0" algn="ctr">
+                        <a:spcBef>
+                          <a:spcPts val="0"/>
+                        </a:spcBef>
+                        <a:spcAft>
+                          <a:spcPts val="1200"/>
+                        </a:spcAft>
+                      </a:pPr>
+                      <a:endParaRPr lang="en-US" sz="1200" dirty="0">
+                        <a:effectLst/>
+                        <a:latin typeface="Times New Roman" panose="02020603050405020304" pitchFamily="18" charset="0"/>
+                        <a:ea typeface="Times New Roman" panose="02020603050405020304" pitchFamily="18" charset="0"/>
+                        <a:cs typeface="Times New Roman" panose="02020603050405020304" pitchFamily="18" charset="0"/>
+                      </a:endParaRPr>
+                    </a:p>
+                  </a:txBody>
+                  <a:tcPr marL="68580" marR="68580" marT="0" marB="0"/>
+                </a:tc>
+                <a:tc vMerge="1">
+                  <a:txBody>
+                    <a:bodyPr/>
+                    <a:lstStyle/>
+                    <a:p>
+                      <a:pPr marL="0" marR="0" algn="ctr">
+                        <a:spcBef>
+                          <a:spcPts val="0"/>
+                        </a:spcBef>
+                        <a:spcAft>
+                          <a:spcPts val="1200"/>
+                        </a:spcAft>
+                      </a:pPr>
+                      <a:endParaRPr lang="en-US" sz="1200" dirty="0">
+                        <a:effectLst/>
+                        <a:latin typeface="Times New Roman" panose="02020603050405020304" pitchFamily="18" charset="0"/>
+                        <a:ea typeface="Times New Roman" panose="02020603050405020304" pitchFamily="18" charset="0"/>
+                        <a:cs typeface="Times New Roman" panose="02020603050405020304" pitchFamily="18" charset="0"/>
+                      </a:endParaRPr>
+                    </a:p>
+                  </a:txBody>
+                  <a:tcPr marL="68580" marR="68580" marT="0" marB="0"/>
+                </a:tc>
+                <a:extLst>
+                  <a:ext uri="{0D108BD9-81ED-4DB2-BD59-A6C34878D82A}">
+                    <a16:rowId xmlns:a16="http://schemas.microsoft.com/office/drawing/2014/main" val="1515937901"/>
+                  </a:ext>
+                </a:extLst>
+              </a:tr>
+              <a:tr h="388038">
+                <a:tc rowSpan="6">
+                  <a:txBody>
+                    <a:bodyPr/>
+                    <a:lstStyle/>
+                    <a:p>
+                      <a:pPr marL="0" marR="0" lvl="0" indent="0" algn="ctr" defTabSz="914400" rtl="0" eaLnBrk="1" fontAlgn="auto" latinLnBrk="0" hangingPunct="1">
+                        <a:lnSpc>
+                          <a:spcPct val="107000"/>
+                        </a:lnSpc>
+                        <a:spcBef>
+                          <a:spcPts val="0"/>
+                        </a:spcBef>
+                        <a:spcAft>
+                          <a:spcPts val="0"/>
+                        </a:spcAft>
+                        <a:buClrTx/>
+                        <a:buSzTx/>
+                        <a:buFontTx/>
+                        <a:buNone/>
+                        <a:tabLst/>
+                        <a:defRPr/>
+                      </a:pPr>
+                      <a:r>
+                        <a:rPr lang="en-US" sz="1800" kern="1200" dirty="0">
+                          <a:solidFill>
+                            <a:schemeClr val="tx1"/>
+                          </a:solidFill>
+                          <a:effectLst/>
+                          <a:latin typeface="Times New Roman" panose="02020603050405020304" pitchFamily="18" charset="0"/>
+                          <a:ea typeface="+mn-ea"/>
+                          <a:cs typeface="Times New Roman" panose="02020603050405020304" pitchFamily="18" charset="0"/>
+                        </a:rPr>
+                        <a:t>British Teacher Evaluation Education Media Organization </a:t>
+                      </a:r>
+                    </a:p>
+                  </a:txBody>
+                  <a:tcPr marL="68580" marR="68580" marT="0" marB="0" anchor="ctr"/>
+                </a:tc>
+                <a:tc rowSpan="6">
+                  <a:txBody>
+                    <a:bodyPr/>
+                    <a:lstStyle/>
+                    <a:p>
+                      <a:pPr marL="0" marR="0" lvl="0" indent="0" algn="ctr" defTabSz="914400" rtl="0" eaLnBrk="1" fontAlgn="auto" latinLnBrk="0" hangingPunct="1">
+                        <a:lnSpc>
+                          <a:spcPct val="107000"/>
+                        </a:lnSpc>
+                        <a:spcBef>
+                          <a:spcPts val="0"/>
+                        </a:spcBef>
+                        <a:spcAft>
+                          <a:spcPts val="0"/>
+                        </a:spcAft>
+                        <a:buClrTx/>
+                        <a:buSzTx/>
+                        <a:buFontTx/>
+                        <a:buNone/>
+                        <a:tabLst/>
+                        <a:defRPr/>
+                      </a:pPr>
+                      <a:r>
+                        <a:rPr lang="en-US" sz="1800" kern="1200" dirty="0">
+                          <a:solidFill>
+                            <a:schemeClr val="tx1"/>
+                          </a:solidFill>
+                          <a:effectLst/>
+                          <a:latin typeface="Times New Roman" panose="02020603050405020304" pitchFamily="18" charset="0"/>
+                          <a:ea typeface="+mn-ea"/>
+                          <a:cs typeface="Times New Roman" panose="02020603050405020304" pitchFamily="18" charset="0"/>
+                        </a:rPr>
+                        <a:t>TEEM Teacher Evaluation Framework (2002)</a:t>
+                      </a:r>
+                    </a:p>
+                  </a:txBody>
+                  <a:tcPr marL="68580" marR="68580" marT="0" marB="0" anchor="ctr"/>
+                </a:tc>
+                <a:tc rowSpan="6">
+                  <a:txBody>
+                    <a:bodyPr/>
+                    <a:lstStyle/>
+                    <a:p>
+                      <a:pPr marL="0" marR="0" lvl="0" indent="0" algn="ctr" defTabSz="914400" rtl="0" eaLnBrk="1" fontAlgn="auto" latinLnBrk="0" hangingPunct="1">
+                        <a:lnSpc>
+                          <a:spcPct val="107000"/>
+                        </a:lnSpc>
+                        <a:spcBef>
+                          <a:spcPts val="0"/>
+                        </a:spcBef>
+                        <a:spcAft>
+                          <a:spcPts val="0"/>
+                        </a:spcAft>
+                        <a:buClrTx/>
+                        <a:buSzTx/>
+                        <a:buFontTx/>
+                        <a:buNone/>
+                        <a:tabLst/>
+                        <a:defRPr/>
+                      </a:pPr>
+                      <a:r>
+                        <a:rPr lang="en-US" sz="1800" kern="1200" dirty="0">
+                          <a:solidFill>
+                            <a:schemeClr val="tx1"/>
+                          </a:solidFill>
+                          <a:effectLst/>
+                          <a:latin typeface="Times New Roman" panose="02020603050405020304" pitchFamily="18" charset="0"/>
+                          <a:ea typeface="+mn-ea"/>
+                          <a:cs typeface="Times New Roman" panose="02020603050405020304" pitchFamily="18" charset="0"/>
+                        </a:rPr>
+                        <a:t>6D</a:t>
+                      </a:r>
+                    </a:p>
+                  </a:txBody>
+                  <a:tcPr marL="68580" marR="68580" marT="0" marB="0" anchor="ctr"/>
+                </a:tc>
+                <a:tc>
+                  <a:txBody>
+                    <a:bodyPr/>
+                    <a:lstStyle/>
+                    <a:p>
+                      <a:pPr marL="0" marR="0" lvl="0" indent="0" algn="ctr" defTabSz="914400" rtl="0" eaLnBrk="1" fontAlgn="auto" latinLnBrk="0" hangingPunct="1">
+                        <a:lnSpc>
+                          <a:spcPct val="107000"/>
+                        </a:lnSpc>
+                        <a:spcBef>
+                          <a:spcPts val="0"/>
+                        </a:spcBef>
+                        <a:spcAft>
+                          <a:spcPts val="0"/>
+                        </a:spcAft>
+                        <a:buClrTx/>
+                        <a:buSzTx/>
+                        <a:buFontTx/>
+                        <a:buNone/>
+                        <a:tabLst/>
+                        <a:defRPr/>
+                      </a:pPr>
+                      <a:r>
+                        <a:rPr lang="en-US" sz="1800" kern="1200" dirty="0">
+                          <a:solidFill>
+                            <a:schemeClr val="tx1"/>
+                          </a:solidFill>
+                          <a:effectLst/>
+                          <a:latin typeface="Times New Roman" panose="02020603050405020304" pitchFamily="18" charset="0"/>
+                          <a:ea typeface="+mn-ea"/>
+                          <a:cs typeface="Times New Roman" panose="02020603050405020304" pitchFamily="18" charset="0"/>
+                        </a:rPr>
+                        <a:t>Use profile</a:t>
+                      </a:r>
+                    </a:p>
+                  </a:txBody>
+                  <a:tcPr marL="68580" marR="68580" marT="0" marB="0" anchor="ctr"/>
+                </a:tc>
+                <a:tc rowSpan="6">
+                  <a:txBody>
+                    <a:bodyPr/>
+                    <a:lstStyle/>
+                    <a:p>
+                      <a:pPr marL="0" marR="0" lvl="0" indent="0" algn="ctr" defTabSz="914400" rtl="0" eaLnBrk="1" fontAlgn="auto" latinLnBrk="0" hangingPunct="1">
+                        <a:lnSpc>
+                          <a:spcPct val="107000"/>
+                        </a:lnSpc>
+                        <a:spcBef>
+                          <a:spcPts val="0"/>
+                        </a:spcBef>
+                        <a:spcAft>
+                          <a:spcPts val="0"/>
+                        </a:spcAft>
+                        <a:buClrTx/>
+                        <a:buSzTx/>
+                        <a:buFontTx/>
+                        <a:buNone/>
+                        <a:tabLst/>
+                        <a:defRPr/>
+                      </a:pPr>
+                      <a:r>
+                        <a:rPr lang="en-US" sz="1800" kern="1200" dirty="0">
+                          <a:solidFill>
+                            <a:schemeClr val="tx1"/>
+                          </a:solidFill>
+                          <a:effectLst/>
+                          <a:latin typeface="Times New Roman" panose="02020603050405020304" pitchFamily="18" charset="0"/>
+                          <a:ea typeface="+mn-ea"/>
+                          <a:cs typeface="Times New Roman" panose="02020603050405020304" pitchFamily="18" charset="0"/>
+                        </a:rPr>
+                        <a:t>Teachers </a:t>
+                      </a:r>
+                    </a:p>
+                  </a:txBody>
+                  <a:tcPr marL="68580" marR="68580" marT="0" marB="0" anchor="ctr"/>
+                </a:tc>
+                <a:tc rowSpan="6">
+                  <a:txBody>
+                    <a:bodyPr/>
+                    <a:lstStyle/>
+                    <a:p>
+                      <a:pPr marL="0" marR="0" lvl="0" indent="0" algn="just" defTabSz="914400" rtl="0" eaLnBrk="1" fontAlgn="auto" latinLnBrk="0" hangingPunct="1">
+                        <a:lnSpc>
+                          <a:spcPct val="107000"/>
+                        </a:lnSpc>
+                        <a:spcBef>
+                          <a:spcPts val="0"/>
+                        </a:spcBef>
+                        <a:spcAft>
+                          <a:spcPts val="0"/>
+                        </a:spcAft>
+                        <a:buClrTx/>
+                        <a:buSzTx/>
+                        <a:buFontTx/>
+                        <a:buNone/>
+                        <a:tabLst/>
+                        <a:defRPr/>
+                      </a:pPr>
+                      <a:r>
+                        <a:rPr lang="en-US" sz="1800" kern="1200" dirty="0">
+                          <a:solidFill>
+                            <a:schemeClr val="tx1"/>
+                          </a:solidFill>
+                          <a:effectLst/>
+                          <a:latin typeface="Times New Roman" panose="02020603050405020304" pitchFamily="18" charset="0"/>
+                          <a:ea typeface="+mn-ea"/>
+                          <a:cs typeface="Times New Roman" panose="02020603050405020304" pitchFamily="18" charset="0"/>
+                        </a:rPr>
+                        <a:t>The six dimensions altogether set up 37 questions and each question must be answered by complete sentences. Such evaluation is more rigorous and meticulous. In view of its focus on teachers’ teaching application, it belongs to qualitative evaluation</a:t>
+                      </a:r>
+                    </a:p>
+                  </a:txBody>
+                  <a:tcPr marL="68580" marR="68580" marT="0" marB="0" anchor="ctr"/>
+                </a:tc>
+                <a:extLst>
+                  <a:ext uri="{0D108BD9-81ED-4DB2-BD59-A6C34878D82A}">
+                    <a16:rowId xmlns:a16="http://schemas.microsoft.com/office/drawing/2014/main" val="4287505450"/>
+                  </a:ext>
+                </a:extLst>
+              </a:tr>
+              <a:tr h="388038">
+                <a:tc vMerge="1">
+                  <a:txBody>
+                    <a:bodyPr/>
+                    <a:lstStyle/>
+                    <a:p>
+                      <a:pPr marL="0" marR="0" algn="ctr">
+                        <a:lnSpc>
+                          <a:spcPct val="107000"/>
+                        </a:lnSpc>
+                        <a:spcBef>
+                          <a:spcPts val="0"/>
+                        </a:spcBef>
+                        <a:spcAft>
+                          <a:spcPts val="0"/>
+                        </a:spcAft>
+                      </a:pPr>
+                      <a:endParaRPr lang="en-US" sz="1800" dirty="0">
+                        <a:effectLst/>
+                        <a:latin typeface="Times New Roman" panose="02020603050405020304" pitchFamily="18" charset="0"/>
+                        <a:ea typeface="맑은 고딕" panose="020B0503020000020004" pitchFamily="50" charset="-127"/>
+                        <a:cs typeface="Times New Roman" panose="02020603050405020304" pitchFamily="18" charset="0"/>
+                      </a:endParaRPr>
+                    </a:p>
+                  </a:txBody>
+                  <a:tcPr marL="68580" marR="68580" marT="0" marB="0" anchor="ctr"/>
+                </a:tc>
+                <a:tc vMerge="1">
+                  <a:txBody>
+                    <a:bodyPr/>
+                    <a:lstStyle/>
+                    <a:p>
+                      <a:pPr marL="0" marR="0" algn="ctr">
+                        <a:lnSpc>
+                          <a:spcPct val="107000"/>
+                        </a:lnSpc>
+                        <a:spcBef>
+                          <a:spcPts val="0"/>
+                        </a:spcBef>
+                        <a:spcAft>
+                          <a:spcPts val="0"/>
+                        </a:spcAft>
+                      </a:pPr>
+                      <a:endParaRPr lang="en-US" sz="1800" dirty="0">
+                        <a:effectLst/>
+                        <a:latin typeface="Times New Roman" panose="02020603050405020304" pitchFamily="18" charset="0"/>
+                        <a:ea typeface="맑은 고딕" panose="020B0503020000020004" pitchFamily="50" charset="-127"/>
+                        <a:cs typeface="Times New Roman" panose="02020603050405020304" pitchFamily="18" charset="0"/>
+                      </a:endParaRPr>
+                    </a:p>
+                  </a:txBody>
+                  <a:tcPr marL="68580" marR="68580" marT="0" marB="0" anchor="ctr"/>
+                </a:tc>
+                <a:tc vMerge="1">
+                  <a:txBody>
+                    <a:bodyPr/>
+                    <a:lstStyle/>
+                    <a:p>
+                      <a:pPr marL="0" marR="0" algn="ctr">
+                        <a:lnSpc>
+                          <a:spcPct val="107000"/>
+                        </a:lnSpc>
+                        <a:spcBef>
+                          <a:spcPts val="0"/>
+                        </a:spcBef>
+                        <a:spcAft>
+                          <a:spcPts val="0"/>
+                        </a:spcAft>
+                      </a:pPr>
+                      <a:endParaRPr lang="en-US" sz="1800" dirty="0">
+                        <a:effectLst/>
+                        <a:latin typeface="Times New Roman" panose="02020603050405020304" pitchFamily="18" charset="0"/>
+                        <a:ea typeface="맑은 고딕" panose="020B0503020000020004" pitchFamily="50" charset="-127"/>
+                        <a:cs typeface="Times New Roman" panose="02020603050405020304" pitchFamily="18" charset="0"/>
+                      </a:endParaRPr>
+                    </a:p>
+                  </a:txBody>
+                  <a:tcPr marL="68580" marR="68580" marT="0" marB="0" anchor="ctr"/>
+                </a:tc>
+                <a:tc>
+                  <a:txBody>
+                    <a:bodyPr/>
+                    <a:lstStyle/>
+                    <a:p>
+                      <a:pPr marL="0" marR="0" lvl="0" indent="0" algn="ctr" defTabSz="914400" rtl="0" eaLnBrk="1" fontAlgn="auto" latinLnBrk="0" hangingPunct="1">
+                        <a:lnSpc>
+                          <a:spcPct val="107000"/>
+                        </a:lnSpc>
+                        <a:spcBef>
+                          <a:spcPts val="0"/>
+                        </a:spcBef>
+                        <a:spcAft>
+                          <a:spcPts val="0"/>
+                        </a:spcAft>
+                        <a:buClrTx/>
+                        <a:buSzTx/>
+                        <a:buFontTx/>
+                        <a:buNone/>
+                        <a:tabLst/>
+                        <a:defRPr/>
+                      </a:pPr>
+                      <a:r>
+                        <a:rPr lang="en-US" sz="1800" kern="1200" dirty="0">
+                          <a:solidFill>
+                            <a:schemeClr val="tx1"/>
+                          </a:solidFill>
+                          <a:effectLst/>
+                          <a:latin typeface="Times New Roman" panose="02020603050405020304" pitchFamily="18" charset="0"/>
+                          <a:ea typeface="+mn-ea"/>
+                          <a:cs typeface="Times New Roman" panose="02020603050405020304" pitchFamily="18" charset="0"/>
+                        </a:rPr>
+                        <a:t>Course relevance</a:t>
+                      </a:r>
+                    </a:p>
+                  </a:txBody>
+                  <a:tcPr marL="68580" marR="68580" marT="0" marB="0" anchor="ctr"/>
+                </a:tc>
+                <a:tc vMerge="1">
+                  <a:txBody>
+                    <a:bodyPr/>
+                    <a:lstStyle/>
+                    <a:p>
+                      <a:pPr marL="0" marR="0" lvl="0" indent="0" algn="ctr" defTabSz="914400" rtl="0" eaLnBrk="1" fontAlgn="auto" latinLnBrk="0" hangingPunct="1">
+                        <a:lnSpc>
+                          <a:spcPct val="107000"/>
+                        </a:lnSpc>
+                        <a:spcBef>
+                          <a:spcPts val="0"/>
+                        </a:spcBef>
+                        <a:spcAft>
+                          <a:spcPts val="0"/>
+                        </a:spcAft>
+                        <a:buClrTx/>
+                        <a:buSzTx/>
+                        <a:buFontTx/>
+                        <a:buNone/>
+                        <a:tabLst/>
+                        <a:defRPr/>
+                      </a:pPr>
+                      <a:endParaRPr lang="en-US" sz="1800" dirty="0">
+                        <a:effectLst/>
+                        <a:latin typeface="Times New Roman" panose="02020603050405020304" pitchFamily="18" charset="0"/>
+                        <a:cs typeface="Times New Roman" panose="02020603050405020304" pitchFamily="18" charset="0"/>
+                      </a:endParaRPr>
+                    </a:p>
+                  </a:txBody>
+                  <a:tcPr marL="68580" marR="68580" marT="0" marB="0" anchor="ctr"/>
+                </a:tc>
+                <a:tc vMerge="1">
+                  <a:txBody>
+                    <a:bodyPr/>
+                    <a:lstStyle/>
+                    <a:p>
+                      <a:pPr marL="0" marR="0" lvl="0" indent="0" algn="ctr" defTabSz="914400" rtl="0" eaLnBrk="1" fontAlgn="auto" latinLnBrk="0" hangingPunct="1">
+                        <a:lnSpc>
+                          <a:spcPct val="107000"/>
+                        </a:lnSpc>
+                        <a:spcBef>
+                          <a:spcPts val="0"/>
+                        </a:spcBef>
+                        <a:spcAft>
+                          <a:spcPts val="0"/>
+                        </a:spcAft>
+                        <a:buClrTx/>
+                        <a:buSzTx/>
+                        <a:buFontTx/>
+                        <a:buNone/>
+                        <a:tabLst/>
+                        <a:defRPr/>
+                      </a:pPr>
+                      <a:endParaRPr lang="en-US" sz="1800" dirty="0">
+                        <a:effectLst/>
+                        <a:latin typeface="Times New Roman" panose="02020603050405020304" pitchFamily="18" charset="0"/>
+                        <a:cs typeface="Times New Roman" panose="02020603050405020304" pitchFamily="18" charset="0"/>
+                      </a:endParaRPr>
+                    </a:p>
+                  </a:txBody>
+                  <a:tcPr marL="68580" marR="68580" marT="0" marB="0" anchor="ctr"/>
+                </a:tc>
+                <a:extLst>
+                  <a:ext uri="{0D108BD9-81ED-4DB2-BD59-A6C34878D82A}">
+                    <a16:rowId xmlns:a16="http://schemas.microsoft.com/office/drawing/2014/main" val="1101848338"/>
+                  </a:ext>
+                </a:extLst>
+              </a:tr>
+              <a:tr h="388038">
+                <a:tc vMerge="1">
+                  <a:txBody>
+                    <a:bodyPr/>
+                    <a:lstStyle/>
+                    <a:p>
+                      <a:pPr marL="0" marR="0" algn="ctr">
+                        <a:lnSpc>
+                          <a:spcPct val="107000"/>
+                        </a:lnSpc>
+                        <a:spcBef>
+                          <a:spcPts val="0"/>
+                        </a:spcBef>
+                        <a:spcAft>
+                          <a:spcPts val="0"/>
+                        </a:spcAft>
+                      </a:pPr>
+                      <a:endParaRPr lang="en-US" sz="1800" dirty="0">
+                        <a:effectLst/>
+                        <a:latin typeface="Times New Roman" panose="02020603050405020304" pitchFamily="18" charset="0"/>
+                        <a:ea typeface="맑은 고딕" panose="020B0503020000020004" pitchFamily="50" charset="-127"/>
+                        <a:cs typeface="Times New Roman" panose="02020603050405020304" pitchFamily="18" charset="0"/>
+                      </a:endParaRPr>
+                    </a:p>
+                  </a:txBody>
+                  <a:tcPr marL="68580" marR="68580" marT="0" marB="0" anchor="ctr"/>
+                </a:tc>
+                <a:tc vMerge="1">
+                  <a:txBody>
+                    <a:bodyPr/>
+                    <a:lstStyle/>
+                    <a:p>
+                      <a:pPr marL="0" marR="0" algn="ctr">
+                        <a:lnSpc>
+                          <a:spcPct val="107000"/>
+                        </a:lnSpc>
+                        <a:spcBef>
+                          <a:spcPts val="0"/>
+                        </a:spcBef>
+                        <a:spcAft>
+                          <a:spcPts val="0"/>
+                        </a:spcAft>
+                      </a:pPr>
+                      <a:endParaRPr lang="en-US" sz="1800" dirty="0">
+                        <a:effectLst/>
+                        <a:latin typeface="Times New Roman" panose="02020603050405020304" pitchFamily="18" charset="0"/>
+                        <a:ea typeface="맑은 고딕" panose="020B0503020000020004" pitchFamily="50" charset="-127"/>
+                        <a:cs typeface="Times New Roman" panose="02020603050405020304" pitchFamily="18" charset="0"/>
+                      </a:endParaRPr>
+                    </a:p>
+                  </a:txBody>
+                  <a:tcPr marL="68580" marR="68580" marT="0" marB="0" anchor="ctr"/>
+                </a:tc>
+                <a:tc vMerge="1">
+                  <a:txBody>
+                    <a:bodyPr/>
+                    <a:lstStyle/>
+                    <a:p>
+                      <a:pPr marL="0" marR="0" algn="ctr">
+                        <a:lnSpc>
+                          <a:spcPct val="107000"/>
+                        </a:lnSpc>
+                        <a:spcBef>
+                          <a:spcPts val="0"/>
+                        </a:spcBef>
+                        <a:spcAft>
+                          <a:spcPts val="0"/>
+                        </a:spcAft>
+                      </a:pPr>
+                      <a:endParaRPr lang="en-US" sz="1800" dirty="0">
+                        <a:effectLst/>
+                        <a:latin typeface="Times New Roman" panose="02020603050405020304" pitchFamily="18" charset="0"/>
+                        <a:ea typeface="맑은 고딕" panose="020B0503020000020004" pitchFamily="50" charset="-127"/>
+                        <a:cs typeface="Times New Roman" panose="02020603050405020304" pitchFamily="18" charset="0"/>
+                      </a:endParaRPr>
+                    </a:p>
+                  </a:txBody>
+                  <a:tcPr marL="68580" marR="68580" marT="0" marB="0" anchor="ctr"/>
+                </a:tc>
+                <a:tc>
+                  <a:txBody>
+                    <a:bodyPr/>
+                    <a:lstStyle/>
+                    <a:p>
+                      <a:pPr marL="0" marR="0" lvl="0" indent="0" algn="ctr" defTabSz="914400" rtl="0" eaLnBrk="1" fontAlgn="auto" latinLnBrk="0" hangingPunct="1">
+                        <a:lnSpc>
+                          <a:spcPct val="107000"/>
+                        </a:lnSpc>
+                        <a:spcBef>
+                          <a:spcPts val="0"/>
+                        </a:spcBef>
+                        <a:spcAft>
+                          <a:spcPts val="0"/>
+                        </a:spcAft>
+                        <a:buClrTx/>
+                        <a:buSzTx/>
+                        <a:buFontTx/>
+                        <a:buNone/>
+                        <a:tabLst/>
+                        <a:defRPr/>
+                      </a:pPr>
+                      <a:r>
+                        <a:rPr lang="en-US" sz="1800" kern="1200" dirty="0">
+                          <a:solidFill>
+                            <a:schemeClr val="tx1"/>
+                          </a:solidFill>
+                          <a:effectLst/>
+                          <a:latin typeface="Times New Roman" panose="02020603050405020304" pitchFamily="18" charset="0"/>
+                          <a:ea typeface="+mn-ea"/>
+                          <a:cs typeface="Times New Roman" panose="02020603050405020304" pitchFamily="18" charset="0"/>
+                        </a:rPr>
+                        <a:t>Design and navigation</a:t>
+                      </a:r>
+                    </a:p>
+                  </a:txBody>
+                  <a:tcPr marL="68580" marR="68580" marT="0" marB="0" anchor="ctr"/>
+                </a:tc>
+                <a:tc vMerge="1">
+                  <a:txBody>
+                    <a:bodyPr/>
+                    <a:lstStyle/>
+                    <a:p>
+                      <a:pPr marL="0" marR="0" lvl="0" indent="0" algn="ctr" defTabSz="914400" rtl="0" eaLnBrk="1" fontAlgn="auto" latinLnBrk="0" hangingPunct="1">
+                        <a:lnSpc>
+                          <a:spcPct val="107000"/>
+                        </a:lnSpc>
+                        <a:spcBef>
+                          <a:spcPts val="0"/>
+                        </a:spcBef>
+                        <a:spcAft>
+                          <a:spcPts val="0"/>
+                        </a:spcAft>
+                        <a:buClrTx/>
+                        <a:buSzTx/>
+                        <a:buFontTx/>
+                        <a:buNone/>
+                        <a:tabLst/>
+                        <a:defRPr/>
+                      </a:pPr>
+                      <a:endParaRPr lang="en-US" sz="1800" dirty="0">
+                        <a:effectLst/>
+                        <a:latin typeface="Times New Roman" panose="02020603050405020304" pitchFamily="18" charset="0"/>
+                        <a:cs typeface="Times New Roman" panose="02020603050405020304" pitchFamily="18" charset="0"/>
+                      </a:endParaRPr>
+                    </a:p>
+                  </a:txBody>
+                  <a:tcPr marL="68580" marR="68580" marT="0" marB="0" anchor="ctr"/>
+                </a:tc>
+                <a:tc vMerge="1">
+                  <a:txBody>
+                    <a:bodyPr/>
+                    <a:lstStyle/>
+                    <a:p>
+                      <a:pPr marL="0" marR="0" lvl="0" indent="0" algn="ctr" defTabSz="914400" rtl="0" eaLnBrk="1" fontAlgn="auto" latinLnBrk="0" hangingPunct="1">
+                        <a:lnSpc>
+                          <a:spcPct val="107000"/>
+                        </a:lnSpc>
+                        <a:spcBef>
+                          <a:spcPts val="0"/>
+                        </a:spcBef>
+                        <a:spcAft>
+                          <a:spcPts val="0"/>
+                        </a:spcAft>
+                        <a:buClrTx/>
+                        <a:buSzTx/>
+                        <a:buFontTx/>
+                        <a:buNone/>
+                        <a:tabLst/>
+                        <a:defRPr/>
+                      </a:pPr>
+                      <a:endParaRPr lang="en-US" sz="1800" dirty="0">
+                        <a:effectLst/>
+                        <a:latin typeface="Times New Roman" panose="02020603050405020304" pitchFamily="18" charset="0"/>
+                        <a:cs typeface="Times New Roman" panose="02020603050405020304" pitchFamily="18" charset="0"/>
+                      </a:endParaRPr>
+                    </a:p>
+                  </a:txBody>
+                  <a:tcPr marL="68580" marR="68580" marT="0" marB="0" anchor="ctr"/>
+                </a:tc>
+                <a:extLst>
+                  <a:ext uri="{0D108BD9-81ED-4DB2-BD59-A6C34878D82A}">
+                    <a16:rowId xmlns:a16="http://schemas.microsoft.com/office/drawing/2014/main" val="2222031645"/>
+                  </a:ext>
+                </a:extLst>
+              </a:tr>
+              <a:tr h="388038">
+                <a:tc vMerge="1">
+                  <a:txBody>
+                    <a:bodyPr/>
+                    <a:lstStyle/>
+                    <a:p>
+                      <a:pPr marL="0" marR="0" algn="ctr">
+                        <a:lnSpc>
+                          <a:spcPct val="107000"/>
+                        </a:lnSpc>
+                        <a:spcBef>
+                          <a:spcPts val="0"/>
+                        </a:spcBef>
+                        <a:spcAft>
+                          <a:spcPts val="0"/>
+                        </a:spcAft>
+                      </a:pPr>
+                      <a:endParaRPr lang="en-US" sz="1800" dirty="0">
+                        <a:effectLst/>
+                        <a:latin typeface="Times New Roman" panose="02020603050405020304" pitchFamily="18" charset="0"/>
+                        <a:ea typeface="맑은 고딕" panose="020B0503020000020004" pitchFamily="50" charset="-127"/>
+                        <a:cs typeface="Times New Roman" panose="02020603050405020304" pitchFamily="18" charset="0"/>
+                      </a:endParaRPr>
+                    </a:p>
+                  </a:txBody>
+                  <a:tcPr marL="68580" marR="68580" marT="0" marB="0" anchor="ctr"/>
+                </a:tc>
+                <a:tc vMerge="1">
+                  <a:txBody>
+                    <a:bodyPr/>
+                    <a:lstStyle/>
+                    <a:p>
+                      <a:pPr marL="0" marR="0" algn="ctr">
+                        <a:lnSpc>
+                          <a:spcPct val="107000"/>
+                        </a:lnSpc>
+                        <a:spcBef>
+                          <a:spcPts val="0"/>
+                        </a:spcBef>
+                        <a:spcAft>
+                          <a:spcPts val="0"/>
+                        </a:spcAft>
+                      </a:pPr>
+                      <a:endParaRPr lang="en-US" sz="1800" dirty="0">
+                        <a:effectLst/>
+                        <a:latin typeface="Times New Roman" panose="02020603050405020304" pitchFamily="18" charset="0"/>
+                        <a:ea typeface="맑은 고딕" panose="020B0503020000020004" pitchFamily="50" charset="-127"/>
+                        <a:cs typeface="Times New Roman" panose="02020603050405020304" pitchFamily="18" charset="0"/>
+                      </a:endParaRPr>
+                    </a:p>
+                  </a:txBody>
+                  <a:tcPr marL="68580" marR="68580" marT="0" marB="0" anchor="ctr"/>
+                </a:tc>
+                <a:tc vMerge="1">
+                  <a:txBody>
+                    <a:bodyPr/>
+                    <a:lstStyle/>
+                    <a:p>
+                      <a:pPr marL="0" marR="0" algn="ctr">
+                        <a:lnSpc>
+                          <a:spcPct val="107000"/>
+                        </a:lnSpc>
+                        <a:spcBef>
+                          <a:spcPts val="0"/>
+                        </a:spcBef>
+                        <a:spcAft>
+                          <a:spcPts val="0"/>
+                        </a:spcAft>
+                      </a:pPr>
+                      <a:endParaRPr lang="en-US" sz="1800" dirty="0">
+                        <a:effectLst/>
+                        <a:latin typeface="Times New Roman" panose="02020603050405020304" pitchFamily="18" charset="0"/>
+                        <a:ea typeface="맑은 고딕" panose="020B0503020000020004" pitchFamily="50" charset="-127"/>
+                        <a:cs typeface="Times New Roman" panose="02020603050405020304" pitchFamily="18" charset="0"/>
+                      </a:endParaRPr>
+                    </a:p>
+                  </a:txBody>
+                  <a:tcPr marL="68580" marR="68580" marT="0" marB="0" anchor="ctr"/>
+                </a:tc>
+                <a:tc>
+                  <a:txBody>
+                    <a:bodyPr/>
+                    <a:lstStyle/>
+                    <a:p>
+                      <a:pPr marL="0" marR="0" lvl="0" indent="0" algn="ctr" defTabSz="914400" rtl="0" eaLnBrk="1" fontAlgn="auto" latinLnBrk="0" hangingPunct="1">
+                        <a:lnSpc>
+                          <a:spcPct val="107000"/>
+                        </a:lnSpc>
+                        <a:spcBef>
+                          <a:spcPts val="0"/>
+                        </a:spcBef>
+                        <a:spcAft>
+                          <a:spcPts val="0"/>
+                        </a:spcAft>
+                        <a:buClrTx/>
+                        <a:buSzTx/>
+                        <a:buFontTx/>
+                        <a:buNone/>
+                        <a:tabLst/>
+                        <a:defRPr/>
+                      </a:pPr>
+                      <a:r>
+                        <a:rPr lang="en-US" sz="1800" kern="1200" dirty="0">
+                          <a:solidFill>
+                            <a:schemeClr val="tx1"/>
+                          </a:solidFill>
+                          <a:effectLst/>
+                          <a:latin typeface="Times New Roman" panose="02020603050405020304" pitchFamily="18" charset="0"/>
+                          <a:ea typeface="+mn-ea"/>
+                          <a:cs typeface="Times New Roman" panose="02020603050405020304" pitchFamily="18" charset="0"/>
+                        </a:rPr>
+                        <a:t>Ease of use</a:t>
+                      </a:r>
+                    </a:p>
+                  </a:txBody>
+                  <a:tcPr marL="68580" marR="68580" marT="0" marB="0" anchor="ctr"/>
+                </a:tc>
+                <a:tc vMerge="1">
+                  <a:txBody>
+                    <a:bodyPr/>
+                    <a:lstStyle/>
+                    <a:p>
+                      <a:pPr marL="0" marR="0" lvl="0" indent="0" algn="ctr" defTabSz="914400" rtl="0" eaLnBrk="1" fontAlgn="auto" latinLnBrk="0" hangingPunct="1">
+                        <a:lnSpc>
+                          <a:spcPct val="107000"/>
+                        </a:lnSpc>
+                        <a:spcBef>
+                          <a:spcPts val="0"/>
+                        </a:spcBef>
+                        <a:spcAft>
+                          <a:spcPts val="0"/>
+                        </a:spcAft>
+                        <a:buClrTx/>
+                        <a:buSzTx/>
+                        <a:buFontTx/>
+                        <a:buNone/>
+                        <a:tabLst/>
+                        <a:defRPr/>
+                      </a:pPr>
+                      <a:endParaRPr lang="en-US" sz="1800" dirty="0">
+                        <a:effectLst/>
+                        <a:latin typeface="Times New Roman" panose="02020603050405020304" pitchFamily="18" charset="0"/>
+                        <a:cs typeface="Times New Roman" panose="02020603050405020304" pitchFamily="18" charset="0"/>
+                      </a:endParaRPr>
+                    </a:p>
+                  </a:txBody>
+                  <a:tcPr marL="68580" marR="68580" marT="0" marB="0" anchor="ctr"/>
+                </a:tc>
+                <a:tc vMerge="1">
+                  <a:txBody>
+                    <a:bodyPr/>
+                    <a:lstStyle/>
+                    <a:p>
+                      <a:pPr marL="0" marR="0" lvl="0" indent="0" algn="ctr" defTabSz="914400" rtl="0" eaLnBrk="1" fontAlgn="auto" latinLnBrk="0" hangingPunct="1">
+                        <a:lnSpc>
+                          <a:spcPct val="107000"/>
+                        </a:lnSpc>
+                        <a:spcBef>
+                          <a:spcPts val="0"/>
+                        </a:spcBef>
+                        <a:spcAft>
+                          <a:spcPts val="0"/>
+                        </a:spcAft>
+                        <a:buClrTx/>
+                        <a:buSzTx/>
+                        <a:buFontTx/>
+                        <a:buNone/>
+                        <a:tabLst/>
+                        <a:defRPr/>
+                      </a:pPr>
+                      <a:endParaRPr lang="en-US" sz="1800" dirty="0">
+                        <a:effectLst/>
+                        <a:latin typeface="Times New Roman" panose="02020603050405020304" pitchFamily="18" charset="0"/>
+                        <a:cs typeface="Times New Roman" panose="02020603050405020304" pitchFamily="18" charset="0"/>
+                      </a:endParaRPr>
+                    </a:p>
+                  </a:txBody>
+                  <a:tcPr marL="68580" marR="68580" marT="0" marB="0" anchor="ctr"/>
+                </a:tc>
+                <a:extLst>
+                  <a:ext uri="{0D108BD9-81ED-4DB2-BD59-A6C34878D82A}">
+                    <a16:rowId xmlns:a16="http://schemas.microsoft.com/office/drawing/2014/main" val="1880694230"/>
+                  </a:ext>
+                </a:extLst>
+              </a:tr>
+              <a:tr h="388038">
+                <a:tc vMerge="1">
+                  <a:txBody>
+                    <a:bodyPr/>
+                    <a:lstStyle/>
+                    <a:p>
+                      <a:pPr marL="0" marR="0" algn="ctr">
+                        <a:lnSpc>
+                          <a:spcPct val="107000"/>
+                        </a:lnSpc>
+                        <a:spcBef>
+                          <a:spcPts val="0"/>
+                        </a:spcBef>
+                        <a:spcAft>
+                          <a:spcPts val="0"/>
+                        </a:spcAft>
+                      </a:pPr>
+                      <a:endParaRPr lang="en-US" sz="1800" dirty="0">
+                        <a:effectLst/>
+                        <a:latin typeface="Times New Roman" panose="02020603050405020304" pitchFamily="18" charset="0"/>
+                        <a:ea typeface="맑은 고딕" panose="020B0503020000020004" pitchFamily="50" charset="-127"/>
+                        <a:cs typeface="Times New Roman" panose="02020603050405020304" pitchFamily="18" charset="0"/>
+                      </a:endParaRPr>
+                    </a:p>
+                  </a:txBody>
+                  <a:tcPr marL="68580" marR="68580" marT="0" marB="0" anchor="ctr"/>
+                </a:tc>
+                <a:tc vMerge="1">
+                  <a:txBody>
+                    <a:bodyPr/>
+                    <a:lstStyle/>
+                    <a:p>
+                      <a:pPr marL="0" marR="0" algn="ctr">
+                        <a:lnSpc>
+                          <a:spcPct val="107000"/>
+                        </a:lnSpc>
+                        <a:spcBef>
+                          <a:spcPts val="0"/>
+                        </a:spcBef>
+                        <a:spcAft>
+                          <a:spcPts val="0"/>
+                        </a:spcAft>
+                      </a:pPr>
+                      <a:endParaRPr lang="en-US" sz="1800" dirty="0">
+                        <a:effectLst/>
+                        <a:latin typeface="Times New Roman" panose="02020603050405020304" pitchFamily="18" charset="0"/>
+                        <a:ea typeface="맑은 고딕" panose="020B0503020000020004" pitchFamily="50" charset="-127"/>
+                        <a:cs typeface="Times New Roman" panose="02020603050405020304" pitchFamily="18" charset="0"/>
+                      </a:endParaRPr>
+                    </a:p>
+                  </a:txBody>
+                  <a:tcPr marL="68580" marR="68580" marT="0" marB="0" anchor="ctr"/>
+                </a:tc>
+                <a:tc vMerge="1">
+                  <a:txBody>
+                    <a:bodyPr/>
+                    <a:lstStyle/>
+                    <a:p>
+                      <a:pPr marL="0" marR="0" algn="ctr">
+                        <a:lnSpc>
+                          <a:spcPct val="107000"/>
+                        </a:lnSpc>
+                        <a:spcBef>
+                          <a:spcPts val="0"/>
+                        </a:spcBef>
+                        <a:spcAft>
+                          <a:spcPts val="0"/>
+                        </a:spcAft>
+                      </a:pPr>
+                      <a:endParaRPr lang="en-US" sz="1800" dirty="0">
+                        <a:effectLst/>
+                        <a:latin typeface="Times New Roman" panose="02020603050405020304" pitchFamily="18" charset="0"/>
+                        <a:ea typeface="맑은 고딕" panose="020B0503020000020004" pitchFamily="50" charset="-127"/>
+                        <a:cs typeface="Times New Roman" panose="02020603050405020304" pitchFamily="18" charset="0"/>
+                      </a:endParaRPr>
+                    </a:p>
+                  </a:txBody>
+                  <a:tcPr marL="68580" marR="68580" marT="0" marB="0" anchor="ctr"/>
+                </a:tc>
+                <a:tc>
+                  <a:txBody>
+                    <a:bodyPr/>
+                    <a:lstStyle/>
+                    <a:p>
+                      <a:pPr marL="0" marR="0" lvl="0" indent="0" algn="ctr" defTabSz="914400" rtl="0" eaLnBrk="1" fontAlgn="auto" latinLnBrk="0" hangingPunct="1">
+                        <a:lnSpc>
+                          <a:spcPct val="107000"/>
+                        </a:lnSpc>
+                        <a:spcBef>
+                          <a:spcPts val="0"/>
+                        </a:spcBef>
+                        <a:spcAft>
+                          <a:spcPts val="0"/>
+                        </a:spcAft>
+                        <a:buClrTx/>
+                        <a:buSzTx/>
+                        <a:buFontTx/>
+                        <a:buNone/>
+                        <a:tabLst/>
+                        <a:defRPr/>
+                      </a:pPr>
+                      <a:r>
+                        <a:rPr lang="en-US" sz="1800" kern="1200" dirty="0">
+                          <a:solidFill>
+                            <a:schemeClr val="tx1"/>
+                          </a:solidFill>
+                          <a:effectLst/>
+                          <a:latin typeface="Times New Roman" panose="02020603050405020304" pitchFamily="18" charset="0"/>
+                          <a:ea typeface="+mn-ea"/>
+                          <a:cs typeface="Times New Roman" panose="02020603050405020304" pitchFamily="18" charset="0"/>
+                        </a:rPr>
+                        <a:t>Recreational</a:t>
+                      </a:r>
+                    </a:p>
+                  </a:txBody>
+                  <a:tcPr marL="68580" marR="68580" marT="0" marB="0" anchor="ctr"/>
+                </a:tc>
+                <a:tc vMerge="1">
+                  <a:txBody>
+                    <a:bodyPr/>
+                    <a:lstStyle/>
+                    <a:p>
+                      <a:pPr marL="0" marR="0" lvl="0" indent="0" algn="ctr" defTabSz="914400" rtl="0" eaLnBrk="1" fontAlgn="auto" latinLnBrk="0" hangingPunct="1">
+                        <a:lnSpc>
+                          <a:spcPct val="107000"/>
+                        </a:lnSpc>
+                        <a:spcBef>
+                          <a:spcPts val="0"/>
+                        </a:spcBef>
+                        <a:spcAft>
+                          <a:spcPts val="0"/>
+                        </a:spcAft>
+                        <a:buClrTx/>
+                        <a:buSzTx/>
+                        <a:buFontTx/>
+                        <a:buNone/>
+                        <a:tabLst/>
+                        <a:defRPr/>
+                      </a:pPr>
+                      <a:endParaRPr lang="en-US" sz="1800" dirty="0">
+                        <a:effectLst/>
+                        <a:latin typeface="Times New Roman" panose="02020603050405020304" pitchFamily="18" charset="0"/>
+                        <a:cs typeface="Times New Roman" panose="02020603050405020304" pitchFamily="18" charset="0"/>
+                      </a:endParaRPr>
+                    </a:p>
+                  </a:txBody>
+                  <a:tcPr marL="68580" marR="68580" marT="0" marB="0" anchor="ctr"/>
+                </a:tc>
+                <a:tc vMerge="1">
+                  <a:txBody>
+                    <a:bodyPr/>
+                    <a:lstStyle/>
+                    <a:p>
+                      <a:pPr marL="0" marR="0" lvl="0" indent="0" algn="ctr" defTabSz="914400" rtl="0" eaLnBrk="1" fontAlgn="auto" latinLnBrk="0" hangingPunct="1">
+                        <a:lnSpc>
+                          <a:spcPct val="107000"/>
+                        </a:lnSpc>
+                        <a:spcBef>
+                          <a:spcPts val="0"/>
+                        </a:spcBef>
+                        <a:spcAft>
+                          <a:spcPts val="0"/>
+                        </a:spcAft>
+                        <a:buClrTx/>
+                        <a:buSzTx/>
+                        <a:buFontTx/>
+                        <a:buNone/>
+                        <a:tabLst/>
+                        <a:defRPr/>
+                      </a:pPr>
+                      <a:endParaRPr lang="en-US" sz="1800" dirty="0">
+                        <a:effectLst/>
+                        <a:latin typeface="Times New Roman" panose="02020603050405020304" pitchFamily="18" charset="0"/>
+                        <a:cs typeface="Times New Roman" panose="02020603050405020304" pitchFamily="18" charset="0"/>
+                      </a:endParaRPr>
+                    </a:p>
+                  </a:txBody>
+                  <a:tcPr marL="68580" marR="68580" marT="0" marB="0" anchor="ctr"/>
+                </a:tc>
+                <a:extLst>
+                  <a:ext uri="{0D108BD9-81ED-4DB2-BD59-A6C34878D82A}">
+                    <a16:rowId xmlns:a16="http://schemas.microsoft.com/office/drawing/2014/main" val="2194076708"/>
+                  </a:ext>
+                </a:extLst>
+              </a:tr>
+              <a:tr h="388038">
+                <a:tc vMerge="1">
+                  <a:txBody>
+                    <a:bodyPr/>
+                    <a:lstStyle/>
+                    <a:p>
+                      <a:pPr marL="0" marR="0" algn="ctr">
+                        <a:lnSpc>
+                          <a:spcPct val="107000"/>
+                        </a:lnSpc>
+                        <a:spcBef>
+                          <a:spcPts val="0"/>
+                        </a:spcBef>
+                        <a:spcAft>
+                          <a:spcPts val="0"/>
+                        </a:spcAft>
+                      </a:pPr>
+                      <a:endParaRPr lang="en-US" sz="1800" dirty="0">
+                        <a:effectLst/>
+                        <a:latin typeface="Times New Roman" panose="02020603050405020304" pitchFamily="18" charset="0"/>
+                        <a:ea typeface="맑은 고딕" panose="020B0503020000020004" pitchFamily="50" charset="-127"/>
+                        <a:cs typeface="Times New Roman" panose="02020603050405020304" pitchFamily="18" charset="0"/>
+                      </a:endParaRPr>
+                    </a:p>
+                  </a:txBody>
+                  <a:tcPr marL="68580" marR="68580" marT="0" marB="0" anchor="ctr"/>
+                </a:tc>
+                <a:tc vMerge="1">
+                  <a:txBody>
+                    <a:bodyPr/>
+                    <a:lstStyle/>
+                    <a:p>
+                      <a:pPr marL="0" marR="0" algn="ctr">
+                        <a:lnSpc>
+                          <a:spcPct val="107000"/>
+                        </a:lnSpc>
+                        <a:spcBef>
+                          <a:spcPts val="0"/>
+                        </a:spcBef>
+                        <a:spcAft>
+                          <a:spcPts val="0"/>
+                        </a:spcAft>
+                      </a:pPr>
+                      <a:endParaRPr lang="en-US" sz="1800" dirty="0">
+                        <a:effectLst/>
+                        <a:latin typeface="Times New Roman" panose="02020603050405020304" pitchFamily="18" charset="0"/>
+                        <a:ea typeface="맑은 고딕" panose="020B0503020000020004" pitchFamily="50" charset="-127"/>
+                        <a:cs typeface="Times New Roman" panose="02020603050405020304" pitchFamily="18" charset="0"/>
+                      </a:endParaRPr>
+                    </a:p>
+                  </a:txBody>
+                  <a:tcPr marL="68580" marR="68580" marT="0" marB="0" anchor="ctr"/>
+                </a:tc>
+                <a:tc vMerge="1">
+                  <a:txBody>
+                    <a:bodyPr/>
+                    <a:lstStyle/>
+                    <a:p>
+                      <a:pPr marL="0" marR="0" algn="ctr">
+                        <a:lnSpc>
+                          <a:spcPct val="107000"/>
+                        </a:lnSpc>
+                        <a:spcBef>
+                          <a:spcPts val="0"/>
+                        </a:spcBef>
+                        <a:spcAft>
+                          <a:spcPts val="0"/>
+                        </a:spcAft>
+                      </a:pPr>
+                      <a:endParaRPr lang="en-US" sz="1800" dirty="0">
+                        <a:effectLst/>
+                        <a:latin typeface="Times New Roman" panose="02020603050405020304" pitchFamily="18" charset="0"/>
+                        <a:ea typeface="맑은 고딕" panose="020B0503020000020004" pitchFamily="50" charset="-127"/>
+                        <a:cs typeface="Times New Roman" panose="02020603050405020304" pitchFamily="18" charset="0"/>
+                      </a:endParaRPr>
+                    </a:p>
+                  </a:txBody>
+                  <a:tcPr marL="68580" marR="68580" marT="0" marB="0" anchor="ctr"/>
+                </a:tc>
+                <a:tc>
+                  <a:txBody>
+                    <a:bodyPr/>
+                    <a:lstStyle/>
+                    <a:p>
+                      <a:pPr marL="0" marR="0" lvl="0" indent="0" algn="ctr" defTabSz="914400" rtl="0" eaLnBrk="1" fontAlgn="auto" latinLnBrk="0" hangingPunct="1">
+                        <a:lnSpc>
+                          <a:spcPct val="107000"/>
+                        </a:lnSpc>
+                        <a:spcBef>
+                          <a:spcPts val="0"/>
+                        </a:spcBef>
+                        <a:spcAft>
+                          <a:spcPts val="0"/>
+                        </a:spcAft>
+                        <a:buClrTx/>
+                        <a:buSzTx/>
+                        <a:buFontTx/>
+                        <a:buNone/>
+                        <a:tabLst/>
+                        <a:defRPr/>
+                      </a:pPr>
+                      <a:r>
+                        <a:rPr lang="en-US" sz="1800" kern="1200" dirty="0">
+                          <a:solidFill>
+                            <a:schemeClr val="tx1"/>
+                          </a:solidFill>
+                          <a:effectLst/>
+                          <a:latin typeface="Times New Roman" panose="02020603050405020304" pitchFamily="18" charset="0"/>
+                          <a:ea typeface="+mn-ea"/>
+                          <a:cs typeface="Times New Roman" panose="02020603050405020304" pitchFamily="18" charset="0"/>
+                        </a:rPr>
+                        <a:t>Installation</a:t>
+                      </a:r>
+                    </a:p>
+                  </a:txBody>
+                  <a:tcPr marL="68580" marR="68580" marT="0" marB="0" anchor="ctr"/>
                 </a:tc>
                 <a:tc vMerge="1">
                   <a:txBody>
@@ -17279,8 +19552,8 @@
         </p:nvCxnSpPr>
         <p:spPr>
           <a:xfrm rot="5400000" flipH="1" flipV="1">
-            <a:off x="3565389" y="1887621"/>
-            <a:ext cx="898813" cy="1317046"/>
+            <a:off x="3454600" y="1988018"/>
+            <a:ext cx="909204" cy="1105860"/>
           </a:xfrm>
           <a:prstGeom prst="bentConnector2">
             <a:avLst/>
@@ -17318,7 +19591,7 @@
         </p:nvSpPr>
         <p:spPr>
           <a:xfrm>
-            <a:off x="4673318" y="1295897"/>
+            <a:off x="4462132" y="1285506"/>
             <a:ext cx="1809500" cy="1601680"/>
           </a:xfrm>
           <a:prstGeom prst="rect">
@@ -17347,7 +19620,7 @@
           <a:p>
             <a:pPr algn="ctr"/>
             <a:r>
-              <a:rPr lang="en-US" dirty="0">
+              <a:rPr lang="en-US" sz="2000" dirty="0">
                 <a:latin typeface="Times New Roman" panose="02020603050405020304" pitchFamily="18" charset="0"/>
                 <a:cs typeface="Times New Roman" panose="02020603050405020304" pitchFamily="18" charset="0"/>
               </a:rPr>
@@ -17443,7 +19716,7 @@
           <a:p>
             <a:pPr algn="ctr"/>
             <a:r>
-              <a:rPr lang="en-US" dirty="0">
+              <a:rPr lang="en-US" sz="2000" dirty="0">
                 <a:latin typeface="Times New Roman" panose="02020603050405020304" pitchFamily="18" charset="0"/>
                 <a:cs typeface="Times New Roman" panose="02020603050405020304" pitchFamily="18" charset="0"/>
               </a:rPr>
@@ -17467,7 +19740,7 @@
         <p:spPr>
           <a:xfrm>
             <a:off x="2940764" y="2545770"/>
-            <a:ext cx="351378" cy="369332"/>
+            <a:ext cx="370614" cy="400110"/>
           </a:xfrm>
           <a:prstGeom prst="rect">
             <a:avLst/>
@@ -17481,7 +19754,7 @@
           <a:lstStyle/>
           <a:p>
             <a:r>
-              <a:rPr lang="en-US" dirty="0">
+              <a:rPr lang="en-US" sz="2000" dirty="0">
                 <a:latin typeface="Times New Roman" panose="02020603050405020304" pitchFamily="18" charset="0"/>
                 <a:cs typeface="Times New Roman" panose="02020603050405020304" pitchFamily="18" charset="0"/>
               </a:rPr>
@@ -17505,7 +19778,7 @@
         <p:spPr>
           <a:xfrm>
             <a:off x="2922329" y="4637603"/>
-            <a:ext cx="351378" cy="369332"/>
+            <a:ext cx="370614" cy="400110"/>
           </a:xfrm>
           <a:prstGeom prst="rect">
             <a:avLst/>
@@ -17519,7 +19792,7 @@
           <a:lstStyle/>
           <a:p>
             <a:r>
-              <a:rPr lang="en-US" dirty="0">
+              <a:rPr lang="en-US" sz="2000" dirty="0">
                 <a:latin typeface="Times New Roman" panose="02020603050405020304" pitchFamily="18" charset="0"/>
                 <a:cs typeface="Times New Roman" panose="02020603050405020304" pitchFamily="18" charset="0"/>
               </a:rPr>
@@ -17542,8 +19815,8 @@
         </p:nvSpPr>
         <p:spPr>
           <a:xfrm>
-            <a:off x="10024615" y="1246910"/>
-            <a:ext cx="2131628" cy="1699654"/>
+            <a:off x="9790625" y="994906"/>
+            <a:ext cx="2131628" cy="2244436"/>
           </a:xfrm>
           <a:prstGeom prst="rect">
             <a:avLst/>
@@ -17571,7 +19844,7 @@
           <a:p>
             <a:pPr algn="ctr"/>
             <a:r>
-              <a:rPr lang="en-US" dirty="0">
+              <a:rPr lang="en-US" sz="2000" dirty="0">
                 <a:latin typeface="Times New Roman" panose="02020603050405020304" pitchFamily="18" charset="0"/>
                 <a:cs typeface="Times New Roman" panose="02020603050405020304" pitchFamily="18" charset="0"/>
               </a:rPr>
@@ -17594,7 +19867,7 @@
         </p:nvSpPr>
         <p:spPr>
           <a:xfrm>
-            <a:off x="7215066" y="4005694"/>
+            <a:off x="7048995" y="3985652"/>
             <a:ext cx="1983179" cy="1102922"/>
           </a:xfrm>
           <a:prstGeom prst="rect">
@@ -17624,7 +19897,7 @@
           <a:p>
             <a:pPr algn="ctr"/>
             <a:r>
-              <a:rPr lang="en-US" dirty="0">
+              <a:rPr lang="en-US" sz="2000" dirty="0">
                 <a:latin typeface="Times New Roman" panose="02020603050405020304" pitchFamily="18" charset="0"/>
                 <a:cs typeface="Times New Roman" panose="02020603050405020304" pitchFamily="18" charset="0"/>
               </a:rPr>
@@ -17650,9 +19923,9 @@
           <p:nvPr/>
         </p:nvCxnSpPr>
         <p:spPr>
-          <a:xfrm flipV="1">
-            <a:off x="6482818" y="2086346"/>
-            <a:ext cx="296876" cy="10391"/>
+          <a:xfrm>
+            <a:off x="6271632" y="2086346"/>
+            <a:ext cx="335751" cy="30778"/>
           </a:xfrm>
           <a:prstGeom prst="straightConnector1">
             <a:avLst/>
@@ -17694,8 +19967,8 @@
         </p:nvCxnSpPr>
         <p:spPr>
           <a:xfrm rot="5400000">
-            <a:off x="7712126" y="3504924"/>
-            <a:ext cx="995300" cy="6240"/>
+            <a:off x="7568345" y="3513412"/>
+            <a:ext cx="944480" cy="12700"/>
           </a:xfrm>
           <a:prstGeom prst="bentConnector3">
             <a:avLst>
@@ -17739,12 +20012,12 @@
         </p:nvCxnSpPr>
         <p:spPr>
           <a:xfrm rot="5400000">
-            <a:off x="6481425" y="4164929"/>
-            <a:ext cx="781545" cy="2668918"/>
+            <a:off x="6388369" y="4237944"/>
+            <a:ext cx="801587" cy="2502847"/>
           </a:xfrm>
           <a:prstGeom prst="bentConnector3">
             <a:avLst>
-              <a:gd name="adj1" fmla="val 129250"/>
+              <a:gd name="adj1" fmla="val 128518"/>
             </a:avLst>
           </a:prstGeom>
           <a:ln>
@@ -17807,7 +20080,7 @@
           <a:p>
             <a:pPr algn="ctr"/>
             <a:r>
-              <a:rPr lang="en-US" dirty="0">
+              <a:rPr lang="en-US" sz="2000" dirty="0">
                 <a:latin typeface="Times New Roman" panose="02020603050405020304" pitchFamily="18" charset="0"/>
                 <a:cs typeface="Times New Roman" panose="02020603050405020304" pitchFamily="18" charset="0"/>
               </a:rPr>
@@ -17830,7 +20103,7 @@
         </p:nvSpPr>
         <p:spPr>
           <a:xfrm>
-            <a:off x="95501" y="3010394"/>
+            <a:off x="366051" y="3010394"/>
             <a:ext cx="1379520" cy="1531917"/>
           </a:xfrm>
           <a:prstGeom prst="rect">
@@ -17857,11 +20130,11 @@
           <a:p>
             <a:pPr algn="ctr"/>
             <a:r>
-              <a:rPr lang="en-US" dirty="0">
+              <a:rPr lang="en-US" sz="2000" dirty="0">
                 <a:latin typeface="Times New Roman" panose="02020603050405020304" pitchFamily="18" charset="0"/>
                 <a:cs typeface="Times New Roman" panose="02020603050405020304" pitchFamily="18" charset="0"/>
               </a:rPr>
-              <a:t>Scan the identification picture with camera</a:t>
+              <a:t>Scan the identification picture</a:t>
             </a:r>
           </a:p>
         </p:txBody>
@@ -17884,8 +20157,8 @@
         </p:nvCxnSpPr>
         <p:spPr>
           <a:xfrm>
-            <a:off x="1475021" y="3776353"/>
-            <a:ext cx="435923" cy="0"/>
+            <a:off x="1745571" y="3776353"/>
+            <a:ext cx="165373" cy="0"/>
           </a:xfrm>
           <a:prstGeom prst="straightConnector1">
             <a:avLst/>
@@ -17923,7 +20196,7 @@
         </p:nvSpPr>
         <p:spPr>
           <a:xfrm>
-            <a:off x="6779694" y="1162298"/>
+            <a:off x="6607383" y="1193076"/>
             <a:ext cx="2866404" cy="1848096"/>
           </a:xfrm>
           <a:prstGeom prst="flowChartDecision">
@@ -17950,7 +20223,7 @@
           <a:p>
             <a:pPr algn="ctr"/>
             <a:r>
-              <a:rPr lang="en-US" dirty="0">
+              <a:rPr lang="en-US" sz="2000" dirty="0">
                 <a:latin typeface="Times New Roman" panose="02020603050405020304" pitchFamily="18" charset="0"/>
                 <a:cs typeface="Times New Roman" panose="02020603050405020304" pitchFamily="18" charset="0"/>
               </a:rPr>
@@ -17977,8 +20250,8 @@
         </p:nvCxnSpPr>
         <p:spPr>
           <a:xfrm>
-            <a:off x="9646098" y="2086346"/>
-            <a:ext cx="378517" cy="10391"/>
+            <a:off x="9473787" y="2117124"/>
+            <a:ext cx="316838" cy="0"/>
           </a:xfrm>
           <a:prstGeom prst="straightConnector1">
             <a:avLst/>
@@ -18016,8 +20289,8 @@
         </p:nvSpPr>
         <p:spPr>
           <a:xfrm>
-            <a:off x="9605318" y="1717014"/>
-            <a:ext cx="351378" cy="369332"/>
+            <a:off x="9373827" y="1717014"/>
+            <a:ext cx="370614" cy="400110"/>
           </a:xfrm>
           <a:prstGeom prst="rect">
             <a:avLst/>
@@ -18031,7 +20304,7 @@
           <a:lstStyle/>
           <a:p>
             <a:r>
-              <a:rPr lang="en-US" dirty="0">
+              <a:rPr lang="en-US" sz="2000" dirty="0">
                 <a:latin typeface="Times New Roman" panose="02020603050405020304" pitchFamily="18" charset="0"/>
                 <a:cs typeface="Times New Roman" panose="02020603050405020304" pitchFamily="18" charset="0"/>
               </a:rPr>
@@ -18054,8 +20327,8 @@
         </p:nvSpPr>
         <p:spPr>
           <a:xfrm>
-            <a:off x="7855278" y="2995984"/>
-            <a:ext cx="351378" cy="369332"/>
+            <a:off x="7663621" y="3041855"/>
+            <a:ext cx="370614" cy="400110"/>
           </a:xfrm>
           <a:prstGeom prst="rect">
             <a:avLst/>
@@ -18063,13 +20336,13 @@
           <a:noFill/>
         </p:spPr>
         <p:txBody>
-          <a:bodyPr wrap="none" rtlCol="0">
+          <a:bodyPr wrap="square" rtlCol="0">
             <a:spAutoFit/>
           </a:bodyPr>
           <a:lstStyle/>
           <a:p>
             <a:r>
-              <a:rPr lang="en-US" dirty="0">
+              <a:rPr lang="en-US" sz="2000" dirty="0">
                 <a:latin typeface="Times New Roman" panose="02020603050405020304" pitchFamily="18" charset="0"/>
                 <a:cs typeface="Times New Roman" panose="02020603050405020304" pitchFamily="18" charset="0"/>
               </a:rPr>
@@ -18169,8 +20442,8 @@
         </p:nvCxnSpPr>
         <p:spPr>
           <a:xfrm rot="5400000" flipH="1" flipV="1">
-            <a:off x="3015982" y="2125997"/>
-            <a:ext cx="881288" cy="857819"/>
+            <a:off x="4105301" y="2147529"/>
+            <a:ext cx="968524" cy="480302"/>
           </a:xfrm>
           <a:prstGeom prst="bentConnector2">
             <a:avLst/>
@@ -18208,8 +20481,8 @@
         </p:nvSpPr>
         <p:spPr>
           <a:xfrm>
-            <a:off x="3885536" y="1313422"/>
-            <a:ext cx="1809500" cy="1601680"/>
+            <a:off x="4829714" y="1167740"/>
+            <a:ext cx="2377937" cy="1471355"/>
           </a:xfrm>
           <a:prstGeom prst="rect">
             <a:avLst/>
@@ -18235,11 +20508,11 @@
           <a:p>
             <a:pPr algn="ctr"/>
             <a:r>
-              <a:rPr lang="en-US" dirty="0">
+              <a:rPr lang="en-US" sz="2800" dirty="0">
                 <a:latin typeface="Times New Roman" panose="02020603050405020304" pitchFamily="18" charset="0"/>
                 <a:cs typeface="Times New Roman" panose="02020603050405020304" pitchFamily="18" charset="0"/>
               </a:rPr>
-              <a:t>Identification map turn green; Call delay function</a:t>
+              <a:t>Identification map turn green</a:t>
             </a:r>
           </a:p>
         </p:txBody>
@@ -18262,8 +20535,8 @@
         </p:nvCxnSpPr>
         <p:spPr>
           <a:xfrm rot="16200000" flipH="1">
-            <a:off x="3492773" y="4092099"/>
-            <a:ext cx="715489" cy="1645601"/>
+            <a:off x="4716945" y="4313226"/>
+            <a:ext cx="552528" cy="1287595"/>
           </a:xfrm>
           <a:prstGeom prst="bentConnector2">
             <a:avLst/>
@@ -18301,7 +20574,7 @@
         </p:nvSpPr>
         <p:spPr>
           <a:xfrm>
-            <a:off x="4673318" y="4655129"/>
+            <a:off x="5637007" y="4615772"/>
             <a:ext cx="1728839" cy="1235032"/>
           </a:xfrm>
           <a:prstGeom prst="rect">
@@ -18328,7 +20601,7 @@
           <a:p>
             <a:pPr algn="ctr"/>
             <a:r>
-              <a:rPr lang="en-US" dirty="0">
+              <a:rPr lang="en-US" sz="2800" dirty="0">
                 <a:latin typeface="Times New Roman" panose="02020603050405020304" pitchFamily="18" charset="0"/>
                 <a:cs typeface="Times New Roman" panose="02020603050405020304" pitchFamily="18" charset="0"/>
               </a:rPr>
@@ -18351,8 +20624,8 @@
         </p:nvSpPr>
         <p:spPr>
           <a:xfrm>
-            <a:off x="2544340" y="2545770"/>
-            <a:ext cx="351378" cy="369332"/>
+            <a:off x="3809307" y="2314528"/>
+            <a:ext cx="444352" cy="523220"/>
           </a:xfrm>
           <a:prstGeom prst="rect">
             <a:avLst/>
@@ -18366,7 +20639,7 @@
           <a:lstStyle/>
           <a:p>
             <a:r>
-              <a:rPr lang="en-US" dirty="0">
+              <a:rPr lang="en-US" sz="2800" dirty="0">
                 <a:latin typeface="Times New Roman" panose="02020603050405020304" pitchFamily="18" charset="0"/>
                 <a:cs typeface="Times New Roman" panose="02020603050405020304" pitchFamily="18" charset="0"/>
               </a:rPr>
@@ -18389,8 +20662,8 @@
         </p:nvSpPr>
         <p:spPr>
           <a:xfrm>
-            <a:off x="2525905" y="4637603"/>
-            <a:ext cx="351378" cy="369332"/>
+            <a:off x="3857308" y="4650057"/>
+            <a:ext cx="444352" cy="523220"/>
           </a:xfrm>
           <a:prstGeom prst="rect">
             <a:avLst/>
@@ -18404,7 +20677,7 @@
           <a:lstStyle/>
           <a:p>
             <a:r>
-              <a:rPr lang="en-US" dirty="0">
+              <a:rPr lang="en-US" sz="2800" dirty="0">
                 <a:latin typeface="Times New Roman" panose="02020603050405020304" pitchFamily="18" charset="0"/>
                 <a:cs typeface="Times New Roman" panose="02020603050405020304" pitchFamily="18" charset="0"/>
               </a:rPr>
@@ -18427,7 +20700,7 @@
         </p:nvSpPr>
         <p:spPr>
           <a:xfrm>
-            <a:off x="8047758" y="1643408"/>
+            <a:off x="7842589" y="2825071"/>
             <a:ext cx="2216120" cy="849827"/>
           </a:xfrm>
           <a:prstGeom prst="rect">
@@ -18454,11 +20727,11 @@
           <a:p>
             <a:pPr algn="ctr"/>
             <a:r>
-              <a:rPr lang="en-US" dirty="0">
+              <a:rPr lang="en-US" sz="2800" dirty="0">
                 <a:latin typeface="Times New Roman" panose="02020603050405020304" pitchFamily="18" charset="0"/>
                 <a:cs typeface="Times New Roman" panose="02020603050405020304" pitchFamily="18" charset="0"/>
               </a:rPr>
-              <a:t>The Earth rotate</a:t>
+              <a:t>The Earth model rotate</a:t>
             </a:r>
           </a:p>
         </p:txBody>
@@ -18475,13 +20748,14 @@
           <p:cNvCxnSpPr>
             <a:cxnSpLocks/>
             <a:stCxn id="7" idx="3"/>
+            <a:endCxn id="44" idx="1"/>
           </p:cNvCxnSpPr>
           <p:nvPr/>
         </p:nvCxnSpPr>
         <p:spPr>
           <a:xfrm>
-            <a:off x="5695036" y="2114262"/>
-            <a:ext cx="376912" cy="0"/>
+            <a:off x="7207651" y="1903418"/>
+            <a:ext cx="635858" cy="3546"/>
           </a:xfrm>
           <a:prstGeom prst="straightConnector1">
             <a:avLst/>
@@ -18519,8 +20793,8 @@
         </p:nvSpPr>
         <p:spPr>
           <a:xfrm>
-            <a:off x="1910945" y="2995550"/>
-            <a:ext cx="2233544" cy="1561606"/>
+            <a:off x="2521961" y="2871942"/>
+            <a:ext cx="3654902" cy="1808818"/>
           </a:xfrm>
           <a:prstGeom prst="flowChartDecision">
             <a:avLst/>
@@ -18546,11 +20820,11 @@
           <a:p>
             <a:pPr algn="ctr"/>
             <a:r>
-              <a:rPr lang="en-US" dirty="0">
+              <a:rPr lang="en-US" sz="2400" dirty="0">
                 <a:latin typeface="Times New Roman" panose="02020603050405020304" pitchFamily="18" charset="0"/>
                 <a:cs typeface="Times New Roman" panose="02020603050405020304" pitchFamily="18" charset="0"/>
               </a:rPr>
-              <a:t>Identification map is in the scan box</a:t>
+              <a:t>Identification picture is in the scan box</a:t>
             </a:r>
           </a:p>
         </p:txBody>
@@ -18570,7 +20844,7 @@
         <p:spPr>
           <a:xfrm>
             <a:off x="201077" y="3010393"/>
-            <a:ext cx="1379520" cy="1531917"/>
+            <a:ext cx="2031484" cy="1531917"/>
           </a:xfrm>
           <a:prstGeom prst="rect">
             <a:avLst/>
@@ -18596,11 +20870,11 @@
           <a:p>
             <a:pPr algn="ctr"/>
             <a:r>
-              <a:rPr lang="en-US" dirty="0">
+              <a:rPr lang="en-US" sz="2800" dirty="0">
                 <a:latin typeface="Times New Roman" panose="02020603050405020304" pitchFamily="18" charset="0"/>
                 <a:cs typeface="Times New Roman" panose="02020603050405020304" pitchFamily="18" charset="0"/>
               </a:rPr>
-              <a:t>Scan the identification map with camera</a:t>
+              <a:t>Scan the identification picture </a:t>
             </a:r>
           </a:p>
         </p:txBody>
@@ -18622,9 +20896,9 @@
           <p:nvPr/>
         </p:nvCxnSpPr>
         <p:spPr>
-          <a:xfrm>
-            <a:off x="1580597" y="3776352"/>
-            <a:ext cx="330348" cy="1"/>
+          <a:xfrm flipV="1">
+            <a:off x="2232561" y="3776351"/>
+            <a:ext cx="289400" cy="1"/>
           </a:xfrm>
           <a:prstGeom prst="straightConnector1">
             <a:avLst/>
@@ -18659,15 +20933,15 @@
           </p:cNvPr>
           <p:cNvCxnSpPr>
             <a:cxnSpLocks/>
-            <a:stCxn id="44" idx="3"/>
-            <a:endCxn id="19" idx="1"/>
+            <a:stCxn id="44" idx="2"/>
+            <a:endCxn id="19" idx="0"/>
           </p:cNvCxnSpPr>
           <p:nvPr/>
         </p:nvCxnSpPr>
         <p:spPr>
-          <a:xfrm>
-            <a:off x="7695210" y="2068322"/>
-            <a:ext cx="352548" cy="0"/>
+          <a:xfrm flipH="1">
+            <a:off x="8950649" y="2331877"/>
+            <a:ext cx="920" cy="493194"/>
           </a:xfrm>
           <a:prstGeom prst="straightConnector1">
             <a:avLst/>
@@ -18709,8 +20983,8 @@
         </p:nvCxnSpPr>
         <p:spPr>
           <a:xfrm rot="16200000" flipV="1">
-            <a:off x="4401726" y="3519116"/>
-            <a:ext cx="878776" cy="1393249"/>
+            <a:off x="5919435" y="4033780"/>
+            <a:ext cx="839421" cy="324564"/>
           </a:xfrm>
           <a:prstGeom prst="bentConnector2">
             <a:avLst/>
@@ -18748,8 +21022,8 @@
         </p:nvSpPr>
         <p:spPr>
           <a:xfrm>
-            <a:off x="6068971" y="1643408"/>
-            <a:ext cx="1626239" cy="849827"/>
+            <a:off x="7843509" y="1482050"/>
+            <a:ext cx="2216120" cy="849827"/>
           </a:xfrm>
           <a:prstGeom prst="rect">
             <a:avLst/>
@@ -18775,11 +21049,11 @@
           <a:p>
             <a:pPr algn="ctr"/>
             <a:r>
-              <a:rPr lang="en-US" dirty="0">
+              <a:rPr lang="en-US" sz="2800" dirty="0">
                 <a:latin typeface="Times New Roman" panose="02020603050405020304" pitchFamily="18" charset="0"/>
                 <a:cs typeface="Times New Roman" panose="02020603050405020304" pitchFamily="18" charset="0"/>
               </a:rPr>
-              <a:t>Click the Earth</a:t>
+              <a:t>Click the Earth Model</a:t>
             </a:r>
           </a:p>
         </p:txBody>
@@ -18798,8 +21072,8 @@
         </p:nvSpPr>
         <p:spPr>
           <a:xfrm>
-            <a:off x="8310387" y="3000826"/>
-            <a:ext cx="1690862" cy="775526"/>
+            <a:off x="7996214" y="4064190"/>
+            <a:ext cx="1953491" cy="775526"/>
           </a:xfrm>
           <a:prstGeom prst="rect">
             <a:avLst/>
@@ -18825,11 +21099,11 @@
           <a:p>
             <a:pPr algn="ctr"/>
             <a:r>
-              <a:rPr lang="en-US" dirty="0">
+              <a:rPr lang="en-US" sz="2800" dirty="0">
                 <a:latin typeface="Times New Roman" panose="02020603050405020304" pitchFamily="18" charset="0"/>
                 <a:cs typeface="Times New Roman" panose="02020603050405020304" pitchFamily="18" charset="0"/>
               </a:rPr>
-              <a:t>Click the Earth</a:t>
+              <a:t>Click the Earth model</a:t>
             </a:r>
           </a:p>
         </p:txBody>
@@ -18844,6 +21118,7 @@
             </a:extLst>
           </p:cNvPr>
           <p:cNvCxnSpPr>
+            <a:cxnSpLocks/>
             <a:stCxn id="19" idx="2"/>
             <a:endCxn id="54" idx="0"/>
           </p:cNvCxnSpPr>
@@ -18851,8 +21126,8 @@
         </p:nvCxnSpPr>
         <p:spPr>
           <a:xfrm>
-            <a:off x="9155818" y="2493235"/>
-            <a:ext cx="0" cy="507591"/>
+            <a:off x="8950649" y="3674898"/>
+            <a:ext cx="22311" cy="389292"/>
           </a:xfrm>
           <a:prstGeom prst="straightConnector1">
             <a:avLst/>
@@ -18890,7 +21165,7 @@
         </p:nvSpPr>
         <p:spPr>
           <a:xfrm>
-            <a:off x="8047758" y="4117396"/>
+            <a:off x="7842589" y="5407211"/>
             <a:ext cx="2216120" cy="849827"/>
           </a:xfrm>
           <a:prstGeom prst="rect">
@@ -18917,7 +21192,7 @@
           <a:p>
             <a:pPr algn="ctr"/>
             <a:r>
-              <a:rPr lang="en-US" dirty="0">
+              <a:rPr lang="en-US" sz="2800" dirty="0">
                 <a:latin typeface="Times New Roman" panose="02020603050405020304" pitchFamily="18" charset="0"/>
                 <a:cs typeface="Times New Roman" panose="02020603050405020304" pitchFamily="18" charset="0"/>
               </a:rPr>
@@ -18936,15 +21211,16 @@
             </a:extLst>
           </p:cNvPr>
           <p:cNvCxnSpPr>
+            <a:cxnSpLocks/>
             <a:stCxn id="54" idx="2"/>
             <a:endCxn id="57" idx="0"/>
           </p:cNvCxnSpPr>
           <p:nvPr/>
         </p:nvCxnSpPr>
         <p:spPr>
-          <a:xfrm>
-            <a:off x="9155818" y="3776352"/>
-            <a:ext cx="0" cy="341044"/>
+          <a:xfrm flipH="1">
+            <a:off x="8950649" y="4839716"/>
+            <a:ext cx="22311" cy="567495"/>
           </a:xfrm>
           <a:prstGeom prst="straightConnector1">
             <a:avLst/>
